--- a/materials/slides/chapt01.pptx
+++ b/materials/slides/chapt01.pptx
@@ -1007,13 +1007,18 @@
         <a:lstStyle/>
         <a:p>
           <a:r>
-            <a:rPr lang="zh-CN" altLang="en-US" sz="5400" dirty="0">
+            <a:rPr lang="zh-CN" altLang="en-US" sz="5400" dirty="0" smtClean="0">
               <a:solidFill>
                 <a:srgbClr val="FF0000"/>
               </a:solidFill>
             </a:rPr>
             <a:t>编辑</a:t>
           </a:r>
+          <a:endParaRPr lang="zh-CN" altLang="en-US" sz="5400" dirty="0">
+            <a:solidFill>
+              <a:srgbClr val="FF0000"/>
+            </a:solidFill>
+          </a:endParaRPr>
         </a:p>
       </dgm:t>
     </dgm:pt>
@@ -1055,7 +1060,7 @@
         <a:lstStyle/>
         <a:p>
           <a:r>
-            <a:rPr lang="zh-CN" altLang="en-US" sz="1400" b="1" dirty="0">
+            <a:rPr lang="zh-CN" altLang="en-US" sz="1400" b="1" dirty="0" smtClean="0">
               <a:solidFill>
                 <a:srgbClr val="FF0000"/>
               </a:solidFill>
@@ -1065,7 +1070,7 @@
             <a:t>源文件</a:t>
           </a:r>
           <a:r>
-            <a:rPr lang="en-US" altLang="zh-CN" sz="1400" b="1" dirty="0">
+            <a:rPr lang="en-US" altLang="zh-CN" sz="1400" b="1" dirty="0" smtClean="0">
               <a:solidFill>
                 <a:srgbClr val="FF0000"/>
               </a:solidFill>
@@ -1077,7 +1082,7 @@
         </a:p>
         <a:p>
           <a:r>
-            <a:rPr lang="zh-CN" altLang="en-US" sz="1400" b="1" dirty="0">
+            <a:rPr lang="zh-CN" altLang="en-US" sz="1400" b="1" dirty="0" smtClean="0">
               <a:solidFill>
                 <a:srgbClr val="FF0000"/>
               </a:solidFill>
@@ -1087,7 +1092,7 @@
             <a:t>（</a:t>
           </a:r>
           <a:r>
-            <a:rPr lang="en-US" altLang="zh-CN" sz="1400" b="1" dirty="0">
+            <a:rPr lang="en-US" altLang="zh-CN" sz="1400" b="1" dirty="0" smtClean="0">
               <a:solidFill>
                 <a:srgbClr val="FF0000"/>
               </a:solidFill>
@@ -1097,7 +1102,7 @@
             <a:t>&gt;=1</a:t>
           </a:r>
           <a:r>
-            <a:rPr lang="zh-CN" altLang="en-US" sz="1400" b="1" dirty="0">
+            <a:rPr lang="zh-CN" altLang="en-US" sz="1400" b="1" dirty="0" smtClean="0">
               <a:solidFill>
                 <a:srgbClr val="FF0000"/>
               </a:solidFill>
@@ -1106,6 +1111,13 @@
             </a:rPr>
             <a:t>个）</a:t>
           </a:r>
+          <a:endParaRPr lang="zh-CN" altLang="en-US" sz="1400" b="1" dirty="0">
+            <a:solidFill>
+              <a:srgbClr val="FF0000"/>
+            </a:solidFill>
+            <a:latin typeface="微软雅黑" pitchFamily="34" charset="-122"/>
+            <a:ea typeface="微软雅黑" pitchFamily="34" charset="-122"/>
+          </a:endParaRPr>
         </a:p>
       </dgm:t>
     </dgm:pt>
@@ -1147,7 +1159,7 @@
         <a:lstStyle/>
         <a:p>
           <a:r>
-            <a:rPr lang="zh-CN" altLang="en-US" sz="1600" b="1" dirty="0">
+            <a:rPr lang="zh-CN" altLang="en-US" sz="1600" b="1" dirty="0" smtClean="0">
               <a:solidFill>
                 <a:srgbClr val="FF0000"/>
               </a:solidFill>
@@ -1157,7 +1169,7 @@
             <a:t>头文件</a:t>
           </a:r>
           <a:r>
-            <a:rPr lang="en-US" altLang="zh-CN" sz="1600" b="1" dirty="0">
+            <a:rPr lang="en-US" altLang="zh-CN" sz="1600" b="1" dirty="0" smtClean="0">
               <a:solidFill>
                 <a:srgbClr val="FF0000"/>
               </a:solidFill>
@@ -1167,7 +1179,7 @@
             <a:t>(.h)</a:t>
           </a:r>
           <a:r>
-            <a:rPr lang="zh-CN" altLang="en-US" sz="1600" b="1" dirty="0">
+            <a:rPr lang="zh-CN" altLang="en-US" sz="1600" b="1" dirty="0" smtClean="0">
               <a:solidFill>
                 <a:srgbClr val="FF0000"/>
               </a:solidFill>
@@ -1177,7 +1189,7 @@
             <a:t>（</a:t>
           </a:r>
           <a:r>
-            <a:rPr lang="en-US" altLang="zh-CN" sz="1600" b="1" dirty="0">
+            <a:rPr lang="en-US" altLang="zh-CN" sz="1600" b="1" dirty="0" smtClean="0">
               <a:solidFill>
                 <a:srgbClr val="FF0000"/>
               </a:solidFill>
@@ -1187,7 +1199,7 @@
             <a:t>&gt;=0</a:t>
           </a:r>
           <a:r>
-            <a:rPr lang="zh-CN" altLang="en-US" sz="1600" b="1" dirty="0">
+            <a:rPr lang="zh-CN" altLang="en-US" sz="1600" b="1" dirty="0" smtClean="0">
               <a:solidFill>
                 <a:srgbClr val="FF0000"/>
               </a:solidFill>
@@ -1196,6 +1208,13 @@
             </a:rPr>
             <a:t>个）</a:t>
           </a:r>
+          <a:endParaRPr lang="zh-CN" altLang="en-US" sz="1600" b="1" dirty="0">
+            <a:solidFill>
+              <a:srgbClr val="FF0000"/>
+            </a:solidFill>
+            <a:latin typeface="微软雅黑" pitchFamily="34" charset="-122"/>
+            <a:ea typeface="微软雅黑" pitchFamily="34" charset="-122"/>
+          </a:endParaRPr>
         </a:p>
       </dgm:t>
     </dgm:pt>
@@ -1237,13 +1256,18 @@
         <a:lstStyle/>
         <a:p>
           <a:r>
-            <a:rPr lang="zh-CN" altLang="en-US" sz="5400" dirty="0">
+            <a:rPr lang="zh-CN" altLang="en-US" sz="5400" dirty="0" smtClean="0">
               <a:solidFill>
                 <a:srgbClr val="FF0000"/>
               </a:solidFill>
             </a:rPr>
             <a:t>编译</a:t>
           </a:r>
+          <a:endParaRPr lang="zh-CN" altLang="en-US" sz="5400" dirty="0">
+            <a:solidFill>
+              <a:srgbClr val="FF0000"/>
+            </a:solidFill>
+          </a:endParaRPr>
         </a:p>
       </dgm:t>
     </dgm:pt>
@@ -1285,7 +1309,7 @@
         <a:lstStyle/>
         <a:p>
           <a:r>
-            <a:rPr lang="zh-CN" altLang="en-US" sz="1800" b="1" dirty="0">
+            <a:rPr lang="zh-CN" altLang="en-US" sz="1800" b="1" dirty="0" smtClean="0">
               <a:solidFill>
                 <a:schemeClr val="bg1"/>
               </a:solidFill>
@@ -1294,7 +1318,7 @@
             </a:rPr>
             <a:t>翻译方式：</a:t>
           </a:r>
-          <a:endParaRPr lang="en-US" altLang="zh-CN" sz="1800" b="1" dirty="0">
+          <a:endParaRPr lang="en-US" altLang="zh-CN" sz="1800" b="1" dirty="0" smtClean="0">
             <a:solidFill>
               <a:schemeClr val="bg1"/>
             </a:solidFill>
@@ -1304,7 +1328,7 @@
         </a:p>
         <a:p>
           <a:r>
-            <a:rPr lang="zh-CN" altLang="en-US" sz="1800" b="1" dirty="0">
+            <a:rPr lang="zh-CN" altLang="en-US" sz="1800" b="1" dirty="0" smtClean="0">
               <a:solidFill>
                 <a:srgbClr val="FF0000"/>
               </a:solidFill>
@@ -1314,7 +1338,7 @@
             <a:t>编译</a:t>
           </a:r>
           <a:r>
-            <a:rPr lang="zh-CN" altLang="en-US" sz="1800" b="1" dirty="0">
+            <a:rPr lang="zh-CN" altLang="en-US" sz="1800" b="1" dirty="0" smtClean="0">
               <a:solidFill>
                 <a:schemeClr val="bg1"/>
               </a:solidFill>
@@ -1323,6 +1347,13 @@
             </a:rPr>
             <a:t>和解释</a:t>
           </a:r>
+          <a:endParaRPr lang="zh-CN" altLang="en-US" sz="1800" b="1" dirty="0">
+            <a:solidFill>
+              <a:schemeClr val="bg1"/>
+            </a:solidFill>
+            <a:latin typeface="微软雅黑" pitchFamily="34" charset="-122"/>
+            <a:ea typeface="微软雅黑" pitchFamily="34" charset="-122"/>
+          </a:endParaRPr>
         </a:p>
       </dgm:t>
     </dgm:pt>
@@ -1364,7 +1395,7 @@
         <a:lstStyle/>
         <a:p>
           <a:r>
-            <a:rPr lang="zh-CN" altLang="en-US" sz="1800" b="1" dirty="0">
+            <a:rPr lang="zh-CN" altLang="en-US" sz="1800" b="1" dirty="0" smtClean="0">
               <a:solidFill>
                 <a:srgbClr val="FF0000"/>
               </a:solidFill>
@@ -1373,6 +1404,13 @@
             </a:rPr>
             <a:t>检查语法错误</a:t>
           </a:r>
+          <a:endParaRPr lang="zh-CN" altLang="en-US" sz="1800" b="1" dirty="0">
+            <a:solidFill>
+              <a:srgbClr val="FF0000"/>
+            </a:solidFill>
+            <a:latin typeface="微软雅黑" pitchFamily="34" charset="-122"/>
+            <a:ea typeface="微软雅黑" pitchFamily="34" charset="-122"/>
+          </a:endParaRPr>
         </a:p>
       </dgm:t>
     </dgm:pt>
@@ -1414,13 +1452,18 @@
         <a:lstStyle/>
         <a:p>
           <a:r>
-            <a:rPr lang="zh-CN" altLang="en-US" sz="5400" dirty="0">
+            <a:rPr lang="zh-CN" altLang="en-US" sz="5400" dirty="0" smtClean="0">
               <a:solidFill>
                 <a:srgbClr val="FF0000"/>
               </a:solidFill>
             </a:rPr>
             <a:t>链接</a:t>
           </a:r>
+          <a:endParaRPr lang="zh-CN" altLang="en-US" sz="5400" dirty="0">
+            <a:solidFill>
+              <a:srgbClr val="FF0000"/>
+            </a:solidFill>
+          </a:endParaRPr>
         </a:p>
       </dgm:t>
     </dgm:pt>
@@ -1462,7 +1505,7 @@
         <a:lstStyle/>
         <a:p>
           <a:r>
-            <a:rPr lang="zh-CN" altLang="en-US" sz="1800" b="1" dirty="0">
+            <a:rPr lang="zh-CN" altLang="en-US" sz="1800" b="1" dirty="0" smtClean="0">
               <a:solidFill>
                 <a:schemeClr val="bg1"/>
               </a:solidFill>
@@ -1471,7 +1514,7 @@
             </a:rPr>
             <a:t>连接所需的</a:t>
           </a:r>
-          <a:endParaRPr lang="en-US" altLang="zh-CN" sz="1800" b="1" dirty="0">
+          <a:endParaRPr lang="en-US" altLang="zh-CN" sz="1800" b="1" dirty="0" smtClean="0">
             <a:solidFill>
               <a:schemeClr val="bg1"/>
             </a:solidFill>
@@ -1481,7 +1524,7 @@
         </a:p>
         <a:p>
           <a:r>
-            <a:rPr lang="zh-CN" altLang="en-US" sz="1800" b="1" dirty="0">
+            <a:rPr lang="zh-CN" altLang="en-US" sz="1800" b="1" dirty="0" smtClean="0">
               <a:solidFill>
                 <a:schemeClr val="bg1"/>
               </a:solidFill>
@@ -1490,6 +1533,13 @@
             </a:rPr>
             <a:t>文件</a:t>
           </a:r>
+          <a:endParaRPr lang="zh-CN" altLang="en-US" sz="1800" b="1" dirty="0">
+            <a:solidFill>
+              <a:schemeClr val="bg1"/>
+            </a:solidFill>
+            <a:latin typeface="微软雅黑" pitchFamily="34" charset="-122"/>
+            <a:ea typeface="微软雅黑" pitchFamily="34" charset="-122"/>
+          </a:endParaRPr>
         </a:p>
       </dgm:t>
     </dgm:pt>
@@ -1531,13 +1581,18 @@
         <a:lstStyle/>
         <a:p>
           <a:r>
-            <a:rPr lang="zh-CN" altLang="en-US" sz="5400" dirty="0">
+            <a:rPr lang="zh-CN" altLang="en-US" sz="5400" dirty="0" smtClean="0">
               <a:solidFill>
                 <a:srgbClr val="FF0000"/>
               </a:solidFill>
             </a:rPr>
             <a:t>运行</a:t>
           </a:r>
+          <a:endParaRPr lang="zh-CN" altLang="en-US" sz="5400" dirty="0">
+            <a:solidFill>
+              <a:srgbClr val="FF0000"/>
+            </a:solidFill>
+          </a:endParaRPr>
         </a:p>
       </dgm:t>
     </dgm:pt>
@@ -1579,7 +1634,7 @@
         <a:lstStyle/>
         <a:p>
           <a:r>
-            <a:rPr lang="zh-CN" altLang="en-US" sz="1600" b="1" dirty="0">
+            <a:rPr lang="zh-CN" altLang="en-US" sz="1600" b="1" dirty="0" smtClean="0">
               <a:solidFill>
                 <a:srgbClr val="FF0000"/>
               </a:solidFill>
@@ -1588,6 +1643,13 @@
             </a:rPr>
             <a:t>可以在任意编辑器编辑</a:t>
           </a:r>
+          <a:endParaRPr lang="zh-CN" altLang="en-US" sz="1600" b="1" dirty="0">
+            <a:solidFill>
+              <a:srgbClr val="FF0000"/>
+            </a:solidFill>
+            <a:latin typeface="微软雅黑" pitchFamily="34" charset="-122"/>
+            <a:ea typeface="微软雅黑" pitchFamily="34" charset="-122"/>
+          </a:endParaRPr>
         </a:p>
       </dgm:t>
     </dgm:pt>
@@ -1629,7 +1691,7 @@
         <a:lstStyle/>
         <a:p>
           <a:r>
-            <a:rPr lang="zh-CN" altLang="en-US" sz="1600" b="1" dirty="0">
+            <a:rPr lang="zh-CN" altLang="en-US" sz="1600" b="1" dirty="0" smtClean="0">
               <a:solidFill>
                 <a:srgbClr val="FF0000"/>
               </a:solidFill>
@@ -1638,6 +1700,13 @@
             </a:rPr>
             <a:t>纯英文字符</a:t>
           </a:r>
+          <a:endParaRPr lang="zh-CN" altLang="en-US" sz="1600" b="1" dirty="0">
+            <a:solidFill>
+              <a:srgbClr val="FF0000"/>
+            </a:solidFill>
+            <a:latin typeface="微软雅黑" pitchFamily="34" charset="-122"/>
+            <a:ea typeface="微软雅黑" pitchFamily="34" charset="-122"/>
+          </a:endParaRPr>
         </a:p>
       </dgm:t>
     </dgm:pt>
@@ -1680,6 +1749,13 @@
         </dgm:presLayoutVars>
       </dgm:prSet>
       <dgm:spPr/>
+      <dgm:t>
+        <a:bodyPr/>
+        <a:lstStyle/>
+        <a:p>
+          <a:endParaRPr lang="zh-CN" altLang="en-US"/>
+        </a:p>
+      </dgm:t>
     </dgm:pt>
     <dgm:pt modelId="{90E1D015-164B-4EE1-AAE8-77AABD7431EE}" type="pres">
       <dgm:prSet presAssocID="{8AAAA901-674C-4FF1-AF42-9F9D4B8DDB61}" presName="compNode" presStyleCnt="0"/>
@@ -1688,10 +1764,24 @@
     <dgm:pt modelId="{3AE2EF18-13CA-41CD-AFE0-5B2AE31C6CD6}" type="pres">
       <dgm:prSet presAssocID="{8AAAA901-674C-4FF1-AF42-9F9D4B8DDB61}" presName="aNode" presStyleLbl="bgShp" presStyleIdx="0" presStyleCnt="4"/>
       <dgm:spPr/>
+      <dgm:t>
+        <a:bodyPr/>
+        <a:lstStyle/>
+        <a:p>
+          <a:endParaRPr lang="zh-CN" altLang="en-US"/>
+        </a:p>
+      </dgm:t>
     </dgm:pt>
     <dgm:pt modelId="{26E3FE03-0A86-4E37-B5B9-D941B4550B1E}" type="pres">
       <dgm:prSet presAssocID="{8AAAA901-674C-4FF1-AF42-9F9D4B8DDB61}" presName="textNode" presStyleLbl="bgShp" presStyleIdx="0" presStyleCnt="4"/>
       <dgm:spPr/>
+      <dgm:t>
+        <a:bodyPr/>
+        <a:lstStyle/>
+        <a:p>
+          <a:endParaRPr lang="zh-CN" altLang="en-US"/>
+        </a:p>
+      </dgm:t>
     </dgm:pt>
     <dgm:pt modelId="{6EEE48BD-FD3A-40A8-B03A-D40309D96F36}" type="pres">
       <dgm:prSet presAssocID="{8AAAA901-674C-4FF1-AF42-9F9D4B8DDB61}" presName="compChildNode" presStyleCnt="0"/>
@@ -1708,6 +1798,13 @@
         </dgm:presLayoutVars>
       </dgm:prSet>
       <dgm:spPr/>
+      <dgm:t>
+        <a:bodyPr/>
+        <a:lstStyle/>
+        <a:p>
+          <a:endParaRPr lang="zh-CN" altLang="en-US"/>
+        </a:p>
+      </dgm:t>
     </dgm:pt>
     <dgm:pt modelId="{F6A8DD28-E3FB-40C8-8003-740E37E6116C}" type="pres">
       <dgm:prSet presAssocID="{D4C185C2-08C1-4B2C-A28C-898A850D5AF4}" presName="aSpace2" presStyleCnt="0"/>
@@ -1720,6 +1817,13 @@
         </dgm:presLayoutVars>
       </dgm:prSet>
       <dgm:spPr/>
+      <dgm:t>
+        <a:bodyPr/>
+        <a:lstStyle/>
+        <a:p>
+          <a:endParaRPr lang="zh-CN" altLang="en-US"/>
+        </a:p>
+      </dgm:t>
     </dgm:pt>
     <dgm:pt modelId="{C407CDD8-A1D7-4BA6-B117-EAFF118B2E4C}" type="pres">
       <dgm:prSet presAssocID="{358B6168-0ED7-4724-9F63-074A0306E155}" presName="aSpace2" presStyleCnt="0"/>
@@ -1732,6 +1836,13 @@
         </dgm:presLayoutVars>
       </dgm:prSet>
       <dgm:spPr/>
+      <dgm:t>
+        <a:bodyPr/>
+        <a:lstStyle/>
+        <a:p>
+          <a:endParaRPr lang="zh-CN" altLang="en-US"/>
+        </a:p>
+      </dgm:t>
     </dgm:pt>
     <dgm:pt modelId="{4082FCDC-7F78-4ED0-AD49-101494FA3C33}" type="pres">
       <dgm:prSet presAssocID="{D2014E6C-3561-4FB1-A4BC-82DABD061C1D}" presName="aSpace2" presStyleCnt="0"/>
@@ -1744,6 +1855,13 @@
         </dgm:presLayoutVars>
       </dgm:prSet>
       <dgm:spPr/>
+      <dgm:t>
+        <a:bodyPr/>
+        <a:lstStyle/>
+        <a:p>
+          <a:endParaRPr lang="zh-CN" altLang="en-US"/>
+        </a:p>
+      </dgm:t>
     </dgm:pt>
     <dgm:pt modelId="{566C674C-8B37-4C6C-A9F6-D96619B4406B}" type="pres">
       <dgm:prSet presAssocID="{8AAAA901-674C-4FF1-AF42-9F9D4B8DDB61}" presName="aSpace" presStyleCnt="0"/>
@@ -1756,10 +1874,24 @@
     <dgm:pt modelId="{F0CEE7CF-61C0-4375-8481-A5BD998F5FD5}" type="pres">
       <dgm:prSet presAssocID="{1ECDE905-76A1-4961-943B-FF5A133AC1F2}" presName="aNode" presStyleLbl="bgShp" presStyleIdx="1" presStyleCnt="4"/>
       <dgm:spPr/>
+      <dgm:t>
+        <a:bodyPr/>
+        <a:lstStyle/>
+        <a:p>
+          <a:endParaRPr lang="zh-CN" altLang="en-US"/>
+        </a:p>
+      </dgm:t>
     </dgm:pt>
     <dgm:pt modelId="{2607F245-467D-40C0-BE2A-DE7D8707CA73}" type="pres">
       <dgm:prSet presAssocID="{1ECDE905-76A1-4961-943B-FF5A133AC1F2}" presName="textNode" presStyleLbl="bgShp" presStyleIdx="1" presStyleCnt="4"/>
       <dgm:spPr/>
+      <dgm:t>
+        <a:bodyPr/>
+        <a:lstStyle/>
+        <a:p>
+          <a:endParaRPr lang="zh-CN" altLang="en-US"/>
+        </a:p>
+      </dgm:t>
     </dgm:pt>
     <dgm:pt modelId="{B6C23E12-5D79-4A7C-9BE7-E32781384CA0}" type="pres">
       <dgm:prSet presAssocID="{1ECDE905-76A1-4961-943B-FF5A133AC1F2}" presName="compChildNode" presStyleCnt="0"/>
@@ -1776,6 +1908,13 @@
         </dgm:presLayoutVars>
       </dgm:prSet>
       <dgm:spPr/>
+      <dgm:t>
+        <a:bodyPr/>
+        <a:lstStyle/>
+        <a:p>
+          <a:endParaRPr lang="zh-CN" altLang="en-US"/>
+        </a:p>
+      </dgm:t>
     </dgm:pt>
     <dgm:pt modelId="{A8F58F63-26BE-4384-BEB1-6C0FA68AA623}" type="pres">
       <dgm:prSet presAssocID="{4ABED223-6AE3-4451-9B26-EBE3BD360A83}" presName="aSpace2" presStyleCnt="0"/>
@@ -1788,6 +1927,13 @@
         </dgm:presLayoutVars>
       </dgm:prSet>
       <dgm:spPr/>
+      <dgm:t>
+        <a:bodyPr/>
+        <a:lstStyle/>
+        <a:p>
+          <a:endParaRPr lang="zh-CN" altLang="en-US"/>
+        </a:p>
+      </dgm:t>
     </dgm:pt>
     <dgm:pt modelId="{82A17E9D-3602-45CC-93AC-661A3320C085}" type="pres">
       <dgm:prSet presAssocID="{1ECDE905-76A1-4961-943B-FF5A133AC1F2}" presName="aSpace" presStyleCnt="0"/>
@@ -1800,10 +1946,24 @@
     <dgm:pt modelId="{BF0DCC9E-076B-4D8F-A3CA-0D7E6128834C}" type="pres">
       <dgm:prSet presAssocID="{66AAD2EF-53AC-4F22-BEEF-EF10C2FF76AE}" presName="aNode" presStyleLbl="bgShp" presStyleIdx="2" presStyleCnt="4"/>
       <dgm:spPr/>
+      <dgm:t>
+        <a:bodyPr/>
+        <a:lstStyle/>
+        <a:p>
+          <a:endParaRPr lang="zh-CN" altLang="en-US"/>
+        </a:p>
+      </dgm:t>
     </dgm:pt>
     <dgm:pt modelId="{14270ADA-2914-417A-BB60-B1BB7EC2E2D4}" type="pres">
       <dgm:prSet presAssocID="{66AAD2EF-53AC-4F22-BEEF-EF10C2FF76AE}" presName="textNode" presStyleLbl="bgShp" presStyleIdx="2" presStyleCnt="4"/>
       <dgm:spPr/>
+      <dgm:t>
+        <a:bodyPr/>
+        <a:lstStyle/>
+        <a:p>
+          <a:endParaRPr lang="zh-CN" altLang="en-US"/>
+        </a:p>
+      </dgm:t>
     </dgm:pt>
     <dgm:pt modelId="{72424089-070F-4870-B76D-2AA14A2214C7}" type="pres">
       <dgm:prSet presAssocID="{66AAD2EF-53AC-4F22-BEEF-EF10C2FF76AE}" presName="compChildNode" presStyleCnt="0"/>
@@ -1820,6 +1980,13 @@
         </dgm:presLayoutVars>
       </dgm:prSet>
       <dgm:spPr/>
+      <dgm:t>
+        <a:bodyPr/>
+        <a:lstStyle/>
+        <a:p>
+          <a:endParaRPr lang="zh-CN" altLang="en-US"/>
+        </a:p>
+      </dgm:t>
     </dgm:pt>
     <dgm:pt modelId="{7E4097EE-84CE-4FC0-85EE-561784BC4256}" type="pres">
       <dgm:prSet presAssocID="{66AAD2EF-53AC-4F22-BEEF-EF10C2FF76AE}" presName="aSpace" presStyleCnt="0"/>
@@ -1832,10 +1999,24 @@
     <dgm:pt modelId="{115F4A53-6974-4832-8606-77228C7645BF}" type="pres">
       <dgm:prSet presAssocID="{CA1CB696-ED3B-43DD-BCCC-662F8B3457F4}" presName="aNode" presStyleLbl="bgShp" presStyleIdx="3" presStyleCnt="4"/>
       <dgm:spPr/>
+      <dgm:t>
+        <a:bodyPr/>
+        <a:lstStyle/>
+        <a:p>
+          <a:endParaRPr lang="zh-CN" altLang="en-US"/>
+        </a:p>
+      </dgm:t>
     </dgm:pt>
     <dgm:pt modelId="{3F4ED239-BEA7-49F0-8C24-5856C4B2284D}" type="pres">
       <dgm:prSet presAssocID="{CA1CB696-ED3B-43DD-BCCC-662F8B3457F4}" presName="textNode" presStyleLbl="bgShp" presStyleIdx="3" presStyleCnt="4"/>
       <dgm:spPr/>
+      <dgm:t>
+        <a:bodyPr/>
+        <a:lstStyle/>
+        <a:p>
+          <a:endParaRPr lang="zh-CN" altLang="en-US"/>
+        </a:p>
+      </dgm:t>
     </dgm:pt>
     <dgm:pt modelId="{7B912440-D680-451B-A9F2-B3B19853EAF3}" type="pres">
       <dgm:prSet presAssocID="{CA1CB696-ED3B-43DD-BCCC-662F8B3457F4}" presName="compChildNode" presStyleCnt="0"/>
@@ -1847,33 +2028,33 @@
     </dgm:pt>
   </dgm:ptLst>
   <dgm:cxnLst>
+    <dgm:cxn modelId="{D87FC2F8-4A78-4144-8F24-865C313A1EDD}" type="presOf" srcId="{CA1CB696-ED3B-43DD-BCCC-662F8B3457F4}" destId="{3F4ED239-BEA7-49F0-8C24-5856C4B2284D}" srcOrd="1" destOrd="0" presId="urn:microsoft.com/office/officeart/2005/8/layout/lProcess2"/>
+    <dgm:cxn modelId="{95F3900E-E246-43E1-B3F3-7EA984A3B9A6}" srcId="{1ECDE905-76A1-4961-943B-FF5A133AC1F2}" destId="{D8B178ED-C234-4799-96B4-673CF37B20D6}" srcOrd="1" destOrd="0" parTransId="{93104196-9E3D-4882-9D09-9BE7EA5D9F7C}" sibTransId="{1C3262CC-C3C4-4B16-91E1-F6BCC750386A}"/>
+    <dgm:cxn modelId="{734B64DA-63B8-42F5-BAB0-481DAD1C4C06}" type="presOf" srcId="{8AAAA901-674C-4FF1-AF42-9F9D4B8DDB61}" destId="{26E3FE03-0A86-4E37-B5B9-D941B4550B1E}" srcOrd="1" destOrd="0" presId="urn:microsoft.com/office/officeart/2005/8/layout/lProcess2"/>
+    <dgm:cxn modelId="{EA21B692-309E-49B1-84EA-E81C58B219C4}" type="presOf" srcId="{1ECDE905-76A1-4961-943B-FF5A133AC1F2}" destId="{2607F245-467D-40C0-BE2A-DE7D8707CA73}" srcOrd="1" destOrd="0" presId="urn:microsoft.com/office/officeart/2005/8/layout/lProcess2"/>
     <dgm:cxn modelId="{1E121C02-6FE9-4C69-96A9-CA6DB590EC12}" type="presOf" srcId="{EC810A0A-85C8-471C-9513-7537E90F4A95}" destId="{594CB9D2-56CB-48A6-B636-D268D32D1A6C}" srcOrd="0" destOrd="0" presId="urn:microsoft.com/office/officeart/2005/8/layout/lProcess2"/>
+    <dgm:cxn modelId="{67A3F52E-8AE1-4253-9B5A-944C1C9CB633}" srcId="{8AAAA901-674C-4FF1-AF42-9F9D4B8DDB61}" destId="{5BECBC47-4F29-4EAE-B0EE-77D20BD71E72}" srcOrd="3" destOrd="0" parTransId="{FEE418C0-73DE-4970-933D-FE5B7ACF05A5}" sibTransId="{DA6A755B-C5B4-4897-A6C2-E4EDB146634C}"/>
+    <dgm:cxn modelId="{848E2668-0C1C-47AE-9269-7161D82D0D37}" type="presOf" srcId="{66AAD2EF-53AC-4F22-BEEF-EF10C2FF76AE}" destId="{BF0DCC9E-076B-4D8F-A3CA-0D7E6128834C}" srcOrd="0" destOrd="0" presId="urn:microsoft.com/office/officeart/2005/8/layout/lProcess2"/>
+    <dgm:cxn modelId="{E8691F41-840C-48CF-963E-1254A7052CD5}" type="presOf" srcId="{A740B9DC-4753-4CED-B0FB-0AAADF3F8D0F}" destId="{C769CA9B-BB46-4938-A6DE-2A35B5242648}" srcOrd="0" destOrd="0" presId="urn:microsoft.com/office/officeart/2005/8/layout/lProcess2"/>
+    <dgm:cxn modelId="{879B702C-E6D4-47D5-9EF7-1ABB41C94CC0}" type="presOf" srcId="{5BECBC47-4F29-4EAE-B0EE-77D20BD71E72}" destId="{33944A75-5215-4BD2-AD16-26A2F0CE951D}" srcOrd="0" destOrd="0" presId="urn:microsoft.com/office/officeart/2005/8/layout/lProcess2"/>
+    <dgm:cxn modelId="{06E9C3D4-01D8-48DD-BAD7-A4DFA654CEF1}" type="presOf" srcId="{D4C185C2-08C1-4B2C-A28C-898A850D5AF4}" destId="{F58F50FF-B3F4-43E4-9A7D-B9610D76FCC2}" srcOrd="0" destOrd="0" presId="urn:microsoft.com/office/officeart/2005/8/layout/lProcess2"/>
     <dgm:cxn modelId="{4A35A30D-3757-40B1-AF42-F2CDCE0DC883}" srcId="{EC810A0A-85C8-471C-9513-7537E90F4A95}" destId="{66AAD2EF-53AC-4F22-BEEF-EF10C2FF76AE}" srcOrd="2" destOrd="0" parTransId="{9BAD534C-2B31-491C-B959-234A18C81DE7}" sibTransId="{4E262AC2-A2A6-44E8-8507-97D06AF0994E}"/>
-    <dgm:cxn modelId="{95F3900E-E246-43E1-B3F3-7EA984A3B9A6}" srcId="{1ECDE905-76A1-4961-943B-FF5A133AC1F2}" destId="{D8B178ED-C234-4799-96B4-673CF37B20D6}" srcOrd="1" destOrd="0" parTransId="{93104196-9E3D-4882-9D09-9BE7EA5D9F7C}" sibTransId="{1C3262CC-C3C4-4B16-91E1-F6BCC750386A}"/>
+    <dgm:cxn modelId="{AE3D65A1-E9C7-40AD-BC57-D696AF96C970}" srcId="{8AAAA901-674C-4FF1-AF42-9F9D4B8DDB61}" destId="{D2014E6C-3561-4FB1-A4BC-82DABD061C1D}" srcOrd="2" destOrd="0" parTransId="{738F8965-415A-4974-9506-D134DE71B67C}" sibTransId="{60856DEE-3457-4F68-9DF2-6E82AF85601D}"/>
+    <dgm:cxn modelId="{4C7FD5C1-F312-4C9F-AFFE-7FC65A103C3D}" type="presOf" srcId="{66AAD2EF-53AC-4F22-BEEF-EF10C2FF76AE}" destId="{14270ADA-2914-417A-BB60-B1BB7EC2E2D4}" srcOrd="1" destOrd="0" presId="urn:microsoft.com/office/officeart/2005/8/layout/lProcess2"/>
     <dgm:cxn modelId="{85B5F10E-8F67-465D-9EB6-F44C96A04CF3}" srcId="{8AAAA901-674C-4FF1-AF42-9F9D4B8DDB61}" destId="{D4C185C2-08C1-4B2C-A28C-898A850D5AF4}" srcOrd="0" destOrd="0" parTransId="{C6A28015-73C3-4506-AF30-780BFF9B0315}" sibTransId="{15D88B65-2A53-4875-8782-E5E84CFB712D}"/>
-    <dgm:cxn modelId="{879B702C-E6D4-47D5-9EF7-1ABB41C94CC0}" type="presOf" srcId="{5BECBC47-4F29-4EAE-B0EE-77D20BD71E72}" destId="{33944A75-5215-4BD2-AD16-26A2F0CE951D}" srcOrd="0" destOrd="0" presId="urn:microsoft.com/office/officeart/2005/8/layout/lProcess2"/>
-    <dgm:cxn modelId="{67A3F52E-8AE1-4253-9B5A-944C1C9CB633}" srcId="{8AAAA901-674C-4FF1-AF42-9F9D4B8DDB61}" destId="{5BECBC47-4F29-4EAE-B0EE-77D20BD71E72}" srcOrd="3" destOrd="0" parTransId="{FEE418C0-73DE-4970-933D-FE5B7ACF05A5}" sibTransId="{DA6A755B-C5B4-4897-A6C2-E4EDB146634C}"/>
-    <dgm:cxn modelId="{E8691F41-840C-48CF-963E-1254A7052CD5}" type="presOf" srcId="{A740B9DC-4753-4CED-B0FB-0AAADF3F8D0F}" destId="{C769CA9B-BB46-4938-A6DE-2A35B5242648}" srcOrd="0" destOrd="0" presId="urn:microsoft.com/office/officeart/2005/8/layout/lProcess2"/>
-    <dgm:cxn modelId="{848E2668-0C1C-47AE-9269-7161D82D0D37}" type="presOf" srcId="{66AAD2EF-53AC-4F22-BEEF-EF10C2FF76AE}" destId="{BF0DCC9E-076B-4D8F-A3CA-0D7E6128834C}" srcOrd="0" destOrd="0" presId="urn:microsoft.com/office/officeart/2005/8/layout/lProcess2"/>
+    <dgm:cxn modelId="{0C1999F1-6BF9-4ADD-8489-1CA88E116464}" type="presOf" srcId="{1ECDE905-76A1-4961-943B-FF5A133AC1F2}" destId="{F0CEE7CF-61C0-4375-8481-A5BD998F5FD5}" srcOrd="0" destOrd="0" presId="urn:microsoft.com/office/officeart/2005/8/layout/lProcess2"/>
+    <dgm:cxn modelId="{EEE05379-61D2-4A9A-A1EA-C71EBEAEB6B9}" srcId="{EC810A0A-85C8-471C-9513-7537E90F4A95}" destId="{8AAAA901-674C-4FF1-AF42-9F9D4B8DDB61}" srcOrd="0" destOrd="0" parTransId="{BD663644-C542-4241-8D14-F365A7B7F0AA}" sibTransId="{59EE6B42-CA8F-460F-B179-75CCCA566308}"/>
+    <dgm:cxn modelId="{3799FA9B-44EA-4045-B915-52BDA821BB69}" type="presOf" srcId="{D2014E6C-3561-4FB1-A4BC-82DABD061C1D}" destId="{9A968FF2-36D8-410F-8F99-66D7881193DB}" srcOrd="0" destOrd="0" presId="urn:microsoft.com/office/officeart/2005/8/layout/lProcess2"/>
+    <dgm:cxn modelId="{CFE1DE6D-38A9-4218-9FB5-27543257BF16}" srcId="{8AAAA901-674C-4FF1-AF42-9F9D4B8DDB61}" destId="{358B6168-0ED7-4724-9F63-074A0306E155}" srcOrd="1" destOrd="0" parTransId="{C5765C0C-11E7-404C-9112-2B2E63D945F2}" sibTransId="{EEF436B8-6066-439F-81DF-601D8207A07F}"/>
+    <dgm:cxn modelId="{6BBF7488-EF8E-45D0-B250-993E52DCFFE4}" srcId="{EC810A0A-85C8-471C-9513-7537E90F4A95}" destId="{CA1CB696-ED3B-43DD-BCCC-662F8B3457F4}" srcOrd="3" destOrd="0" parTransId="{49BE6411-B43A-4B5C-A79C-F7CB907C1451}" sibTransId="{9FA4AA78-835B-4CBC-BF18-34FB48036775}"/>
     <dgm:cxn modelId="{92B5656C-CACC-46A8-A869-E4D19ABA3948}" type="presOf" srcId="{D8B178ED-C234-4799-96B4-673CF37B20D6}" destId="{99B57B04-9916-41B2-80EA-33FAB4A31225}" srcOrd="0" destOrd="0" presId="urn:microsoft.com/office/officeart/2005/8/layout/lProcess2"/>
-    <dgm:cxn modelId="{CFE1DE6D-38A9-4218-9FB5-27543257BF16}" srcId="{8AAAA901-674C-4FF1-AF42-9F9D4B8DDB61}" destId="{358B6168-0ED7-4724-9F63-074A0306E155}" srcOrd="1" destOrd="0" parTransId="{C5765C0C-11E7-404C-9112-2B2E63D945F2}" sibTransId="{EEF436B8-6066-439F-81DF-601D8207A07F}"/>
-    <dgm:cxn modelId="{EEE05379-61D2-4A9A-A1EA-C71EBEAEB6B9}" srcId="{EC810A0A-85C8-471C-9513-7537E90F4A95}" destId="{8AAAA901-674C-4FF1-AF42-9F9D4B8DDB61}" srcOrd="0" destOrd="0" parTransId="{BD663644-C542-4241-8D14-F365A7B7F0AA}" sibTransId="{59EE6B42-CA8F-460F-B179-75CCCA566308}"/>
-    <dgm:cxn modelId="{6BBF7488-EF8E-45D0-B250-993E52DCFFE4}" srcId="{EC810A0A-85C8-471C-9513-7537E90F4A95}" destId="{CA1CB696-ED3B-43DD-BCCC-662F8B3457F4}" srcOrd="3" destOrd="0" parTransId="{49BE6411-B43A-4B5C-A79C-F7CB907C1451}" sibTransId="{9FA4AA78-835B-4CBC-BF18-34FB48036775}"/>
     <dgm:cxn modelId="{6F5C668A-33BD-4639-A37C-0FEDFC1398EB}" type="presOf" srcId="{358B6168-0ED7-4724-9F63-074A0306E155}" destId="{B89C7AA8-6FEA-4BB6-A66F-F58B59720CEE}" srcOrd="0" destOrd="0" presId="urn:microsoft.com/office/officeart/2005/8/layout/lProcess2"/>
-    <dgm:cxn modelId="{EA21B692-309E-49B1-84EA-E81C58B219C4}" type="presOf" srcId="{1ECDE905-76A1-4961-943B-FF5A133AC1F2}" destId="{2607F245-467D-40C0-BE2A-DE7D8707CA73}" srcOrd="1" destOrd="0" presId="urn:microsoft.com/office/officeart/2005/8/layout/lProcess2"/>
-    <dgm:cxn modelId="{2C181998-C51D-41AC-B580-9D560BE3921A}" srcId="{66AAD2EF-53AC-4F22-BEEF-EF10C2FF76AE}" destId="{A740B9DC-4753-4CED-B0FB-0AAADF3F8D0F}" srcOrd="0" destOrd="0" parTransId="{B19C5A23-BCA1-4139-992D-A564D904A0D1}" sibTransId="{35C24C87-E038-4563-82D9-5619A55258CE}"/>
-    <dgm:cxn modelId="{3799FA9B-44EA-4045-B915-52BDA821BB69}" type="presOf" srcId="{D2014E6C-3561-4FB1-A4BC-82DABD061C1D}" destId="{9A968FF2-36D8-410F-8F99-66D7881193DB}" srcOrd="0" destOrd="0" presId="urn:microsoft.com/office/officeart/2005/8/layout/lProcess2"/>
+    <dgm:cxn modelId="{BD268AFB-44AE-4425-B194-69D0E941944F}" type="presOf" srcId="{8AAAA901-674C-4FF1-AF42-9F9D4B8DDB61}" destId="{3AE2EF18-13CA-41CD-AFE0-5B2AE31C6CD6}" srcOrd="0" destOrd="0" presId="urn:microsoft.com/office/officeart/2005/8/layout/lProcess2"/>
+    <dgm:cxn modelId="{313304EB-07A3-416F-9C77-F7AFDCE9595A}" srcId="{EC810A0A-85C8-471C-9513-7537E90F4A95}" destId="{1ECDE905-76A1-4961-943B-FF5A133AC1F2}" srcOrd="1" destOrd="0" parTransId="{C8D1B99A-0F3D-4D27-AA06-56A05D3AC3E1}" sibTransId="{2ED8CD4A-37FE-4E18-BDCF-1724B745F069}"/>
     <dgm:cxn modelId="{CBA0A3A0-7E87-448B-9656-70A667D8F557}" srcId="{1ECDE905-76A1-4961-943B-FF5A133AC1F2}" destId="{4ABED223-6AE3-4451-9B26-EBE3BD360A83}" srcOrd="0" destOrd="0" parTransId="{C701F212-FE1C-4487-930C-E615F16C9B97}" sibTransId="{0707A1FD-0EFF-48DF-86A6-FAF900D24C6D}"/>
-    <dgm:cxn modelId="{AE3D65A1-E9C7-40AD-BC57-D696AF96C970}" srcId="{8AAAA901-674C-4FF1-AF42-9F9D4B8DDB61}" destId="{D2014E6C-3561-4FB1-A4BC-82DABD061C1D}" srcOrd="2" destOrd="0" parTransId="{738F8965-415A-4974-9506-D134DE71B67C}" sibTransId="{60856DEE-3457-4F68-9DF2-6E82AF85601D}"/>
     <dgm:cxn modelId="{1FA630AF-135B-42AE-BC4A-BECA9A3E8959}" type="presOf" srcId="{4ABED223-6AE3-4451-9B26-EBE3BD360A83}" destId="{317FDA8D-A5C7-40F7-81E5-33831BEB3E68}" srcOrd="0" destOrd="0" presId="urn:microsoft.com/office/officeart/2005/8/layout/lProcess2"/>
     <dgm:cxn modelId="{772776B8-D1A2-4C31-9B40-387DDC0E2E28}" type="presOf" srcId="{CA1CB696-ED3B-43DD-BCCC-662F8B3457F4}" destId="{115F4A53-6974-4832-8606-77228C7645BF}" srcOrd="0" destOrd="0" presId="urn:microsoft.com/office/officeart/2005/8/layout/lProcess2"/>
-    <dgm:cxn modelId="{4C7FD5C1-F312-4C9F-AFFE-7FC65A103C3D}" type="presOf" srcId="{66AAD2EF-53AC-4F22-BEEF-EF10C2FF76AE}" destId="{14270ADA-2914-417A-BB60-B1BB7EC2E2D4}" srcOrd="1" destOrd="0" presId="urn:microsoft.com/office/officeart/2005/8/layout/lProcess2"/>
-    <dgm:cxn modelId="{06E9C3D4-01D8-48DD-BAD7-A4DFA654CEF1}" type="presOf" srcId="{D4C185C2-08C1-4B2C-A28C-898A850D5AF4}" destId="{F58F50FF-B3F4-43E4-9A7D-B9610D76FCC2}" srcOrd="0" destOrd="0" presId="urn:microsoft.com/office/officeart/2005/8/layout/lProcess2"/>
-    <dgm:cxn modelId="{734B64DA-63B8-42F5-BAB0-481DAD1C4C06}" type="presOf" srcId="{8AAAA901-674C-4FF1-AF42-9F9D4B8DDB61}" destId="{26E3FE03-0A86-4E37-B5B9-D941B4550B1E}" srcOrd="1" destOrd="0" presId="urn:microsoft.com/office/officeart/2005/8/layout/lProcess2"/>
-    <dgm:cxn modelId="{313304EB-07A3-416F-9C77-F7AFDCE9595A}" srcId="{EC810A0A-85C8-471C-9513-7537E90F4A95}" destId="{1ECDE905-76A1-4961-943B-FF5A133AC1F2}" srcOrd="1" destOrd="0" parTransId="{C8D1B99A-0F3D-4D27-AA06-56A05D3AC3E1}" sibTransId="{2ED8CD4A-37FE-4E18-BDCF-1724B745F069}"/>
-    <dgm:cxn modelId="{0C1999F1-6BF9-4ADD-8489-1CA88E116464}" type="presOf" srcId="{1ECDE905-76A1-4961-943B-FF5A133AC1F2}" destId="{F0CEE7CF-61C0-4375-8481-A5BD998F5FD5}" srcOrd="0" destOrd="0" presId="urn:microsoft.com/office/officeart/2005/8/layout/lProcess2"/>
-    <dgm:cxn modelId="{D87FC2F8-4A78-4144-8F24-865C313A1EDD}" type="presOf" srcId="{CA1CB696-ED3B-43DD-BCCC-662F8B3457F4}" destId="{3F4ED239-BEA7-49F0-8C24-5856C4B2284D}" srcOrd="1" destOrd="0" presId="urn:microsoft.com/office/officeart/2005/8/layout/lProcess2"/>
-    <dgm:cxn modelId="{BD268AFB-44AE-4425-B194-69D0E941944F}" type="presOf" srcId="{8AAAA901-674C-4FF1-AF42-9F9D4B8DDB61}" destId="{3AE2EF18-13CA-41CD-AFE0-5B2AE31C6CD6}" srcOrd="0" destOrd="0" presId="urn:microsoft.com/office/officeart/2005/8/layout/lProcess2"/>
+    <dgm:cxn modelId="{2C181998-C51D-41AC-B580-9D560BE3921A}" srcId="{66AAD2EF-53AC-4F22-BEEF-EF10C2FF76AE}" destId="{A740B9DC-4753-4CED-B0FB-0AAADF3F8D0F}" srcOrd="0" destOrd="0" parTransId="{B19C5A23-BCA1-4139-992D-A564D904A0D1}" sibTransId="{35C24C87-E038-4563-82D9-5619A55258CE}"/>
     <dgm:cxn modelId="{607CC43E-F349-413E-AD51-FCB3AEE84734}" type="presParOf" srcId="{594CB9D2-56CB-48A6-B636-D268D32D1A6C}" destId="{90E1D015-164B-4EE1-AAE8-77AABD7431EE}" srcOrd="0" destOrd="0" presId="urn:microsoft.com/office/officeart/2005/8/layout/lProcess2"/>
     <dgm:cxn modelId="{AECD0E5B-F1DA-44CE-BE2E-12531C90F33E}" type="presParOf" srcId="{90E1D015-164B-4EE1-AAE8-77AABD7431EE}" destId="{3AE2EF18-13CA-41CD-AFE0-5B2AE31C6CD6}" srcOrd="0" destOrd="0" presId="urn:microsoft.com/office/officeart/2005/8/layout/lProcess2"/>
     <dgm:cxn modelId="{952957EF-CE12-49C5-A0F3-1BEC06EF7AE8}" type="presParOf" srcId="{90E1D015-164B-4EE1-AAE8-77AABD7431EE}" destId="{26E3FE03-0A86-4E37-B5B9-D941B4550B1E}" srcOrd="1" destOrd="0" presId="urn:microsoft.com/office/officeart/2005/8/layout/lProcess2"/>
@@ -1974,7 +2155,7 @@
         </a:bodyPr>
         <a:lstStyle/>
         <a:p>
-          <a:pPr marL="0" lvl="0" indent="0" algn="ctr" defTabSz="2400300">
+          <a:pPr lvl="0" algn="ctr" defTabSz="2400300">
             <a:lnSpc>
               <a:spcPct val="90000"/>
             </a:lnSpc>
@@ -1984,16 +2165,20 @@
             <a:spcAft>
               <a:spcPct val="35000"/>
             </a:spcAft>
-            <a:buNone/>
           </a:pPr>
           <a:r>
-            <a:rPr lang="zh-CN" altLang="en-US" sz="5400" kern="1200" dirty="0">
+            <a:rPr lang="zh-CN" altLang="en-US" sz="5400" kern="1200" dirty="0" smtClean="0">
               <a:solidFill>
                 <a:srgbClr val="FF0000"/>
               </a:solidFill>
             </a:rPr>
             <a:t>编辑</a:t>
           </a:r>
+          <a:endParaRPr lang="zh-CN" altLang="en-US" sz="5400" kern="1200" dirty="0">
+            <a:solidFill>
+              <a:srgbClr val="FF0000"/>
+            </a:solidFill>
+          </a:endParaRPr>
         </a:p>
       </dsp:txBody>
       <dsp:txXfrm>
@@ -2058,7 +2243,7 @@
         </a:bodyPr>
         <a:lstStyle/>
         <a:p>
-          <a:pPr marL="0" lvl="0" indent="0" algn="ctr" defTabSz="622300">
+          <a:pPr lvl="0" algn="ctr" defTabSz="622300">
             <a:lnSpc>
               <a:spcPct val="90000"/>
             </a:lnSpc>
@@ -2068,10 +2253,9 @@
             <a:spcAft>
               <a:spcPct val="35000"/>
             </a:spcAft>
-            <a:buNone/>
           </a:pPr>
           <a:r>
-            <a:rPr lang="zh-CN" altLang="en-US" sz="1400" b="1" kern="1200" dirty="0">
+            <a:rPr lang="zh-CN" altLang="en-US" sz="1400" b="1" kern="1200" dirty="0" smtClean="0">
               <a:solidFill>
                 <a:srgbClr val="FF0000"/>
               </a:solidFill>
@@ -2081,7 +2265,7 @@
             <a:t>源文件</a:t>
           </a:r>
           <a:r>
-            <a:rPr lang="en-US" altLang="zh-CN" sz="1400" b="1" kern="1200" dirty="0">
+            <a:rPr lang="en-US" altLang="zh-CN" sz="1400" b="1" kern="1200" dirty="0" smtClean="0">
               <a:solidFill>
                 <a:srgbClr val="FF0000"/>
               </a:solidFill>
@@ -2092,7 +2276,7 @@
           </a:r>
         </a:p>
         <a:p>
-          <a:pPr marL="0" lvl="0" indent="0" algn="ctr" defTabSz="622300">
+          <a:pPr lvl="0" algn="ctr" defTabSz="622300">
             <a:lnSpc>
               <a:spcPct val="90000"/>
             </a:lnSpc>
@@ -2102,10 +2286,9 @@
             <a:spcAft>
               <a:spcPct val="35000"/>
             </a:spcAft>
-            <a:buNone/>
           </a:pPr>
           <a:r>
-            <a:rPr lang="zh-CN" altLang="en-US" sz="1400" b="1" kern="1200" dirty="0">
+            <a:rPr lang="zh-CN" altLang="en-US" sz="1400" b="1" kern="1200" dirty="0" smtClean="0">
               <a:solidFill>
                 <a:srgbClr val="FF0000"/>
               </a:solidFill>
@@ -2115,7 +2298,7 @@
             <a:t>（</a:t>
           </a:r>
           <a:r>
-            <a:rPr lang="en-US" altLang="zh-CN" sz="1400" b="1" kern="1200" dirty="0">
+            <a:rPr lang="en-US" altLang="zh-CN" sz="1400" b="1" kern="1200" dirty="0" smtClean="0">
               <a:solidFill>
                 <a:srgbClr val="FF0000"/>
               </a:solidFill>
@@ -2125,7 +2308,7 @@
             <a:t>&gt;=1</a:t>
           </a:r>
           <a:r>
-            <a:rPr lang="zh-CN" altLang="en-US" sz="1400" b="1" kern="1200" dirty="0">
+            <a:rPr lang="zh-CN" altLang="en-US" sz="1400" b="1" kern="1200" dirty="0" smtClean="0">
               <a:solidFill>
                 <a:srgbClr val="FF0000"/>
               </a:solidFill>
@@ -2134,6 +2317,13 @@
             </a:rPr>
             <a:t>个）</a:t>
           </a:r>
+          <a:endParaRPr lang="zh-CN" altLang="en-US" sz="1400" b="1" kern="1200" dirty="0">
+            <a:solidFill>
+              <a:srgbClr val="FF0000"/>
+            </a:solidFill>
+            <a:latin typeface="微软雅黑" pitchFamily="34" charset="-122"/>
+            <a:ea typeface="微软雅黑" pitchFamily="34" charset="-122"/>
+          </a:endParaRPr>
         </a:p>
       </dsp:txBody>
       <dsp:txXfrm>
@@ -2198,7 +2388,7 @@
         </a:bodyPr>
         <a:lstStyle/>
         <a:p>
-          <a:pPr marL="0" lvl="0" indent="0" algn="ctr" defTabSz="711200">
+          <a:pPr lvl="0" algn="ctr" defTabSz="711200">
             <a:lnSpc>
               <a:spcPct val="90000"/>
             </a:lnSpc>
@@ -2208,10 +2398,9 @@
             <a:spcAft>
               <a:spcPct val="35000"/>
             </a:spcAft>
-            <a:buNone/>
           </a:pPr>
           <a:r>
-            <a:rPr lang="zh-CN" altLang="en-US" sz="1600" b="1" kern="1200" dirty="0">
+            <a:rPr lang="zh-CN" altLang="en-US" sz="1600" b="1" kern="1200" dirty="0" smtClean="0">
               <a:solidFill>
                 <a:srgbClr val="FF0000"/>
               </a:solidFill>
@@ -2221,7 +2410,7 @@
             <a:t>头文件</a:t>
           </a:r>
           <a:r>
-            <a:rPr lang="en-US" altLang="zh-CN" sz="1600" b="1" kern="1200" dirty="0">
+            <a:rPr lang="en-US" altLang="zh-CN" sz="1600" b="1" kern="1200" dirty="0" smtClean="0">
               <a:solidFill>
                 <a:srgbClr val="FF0000"/>
               </a:solidFill>
@@ -2231,7 +2420,7 @@
             <a:t>(.h)</a:t>
           </a:r>
           <a:r>
-            <a:rPr lang="zh-CN" altLang="en-US" sz="1600" b="1" kern="1200" dirty="0">
+            <a:rPr lang="zh-CN" altLang="en-US" sz="1600" b="1" kern="1200" dirty="0" smtClean="0">
               <a:solidFill>
                 <a:srgbClr val="FF0000"/>
               </a:solidFill>
@@ -2241,7 +2430,7 @@
             <a:t>（</a:t>
           </a:r>
           <a:r>
-            <a:rPr lang="en-US" altLang="zh-CN" sz="1600" b="1" kern="1200" dirty="0">
+            <a:rPr lang="en-US" altLang="zh-CN" sz="1600" b="1" kern="1200" dirty="0" smtClean="0">
               <a:solidFill>
                 <a:srgbClr val="FF0000"/>
               </a:solidFill>
@@ -2251,7 +2440,7 @@
             <a:t>&gt;=0</a:t>
           </a:r>
           <a:r>
-            <a:rPr lang="zh-CN" altLang="en-US" sz="1600" b="1" kern="1200" dirty="0">
+            <a:rPr lang="zh-CN" altLang="en-US" sz="1600" b="1" kern="1200" dirty="0" smtClean="0">
               <a:solidFill>
                 <a:srgbClr val="FF0000"/>
               </a:solidFill>
@@ -2260,6 +2449,13 @@
             </a:rPr>
             <a:t>个）</a:t>
           </a:r>
+          <a:endParaRPr lang="zh-CN" altLang="en-US" sz="1600" b="1" kern="1200" dirty="0">
+            <a:solidFill>
+              <a:srgbClr val="FF0000"/>
+            </a:solidFill>
+            <a:latin typeface="微软雅黑" pitchFamily="34" charset="-122"/>
+            <a:ea typeface="微软雅黑" pitchFamily="34" charset="-122"/>
+          </a:endParaRPr>
         </a:p>
       </dsp:txBody>
       <dsp:txXfrm>
@@ -2324,7 +2520,7 @@
         </a:bodyPr>
         <a:lstStyle/>
         <a:p>
-          <a:pPr marL="0" lvl="0" indent="0" algn="ctr" defTabSz="711200">
+          <a:pPr lvl="0" algn="ctr" defTabSz="711200">
             <a:lnSpc>
               <a:spcPct val="90000"/>
             </a:lnSpc>
@@ -2334,10 +2530,9 @@
             <a:spcAft>
               <a:spcPct val="35000"/>
             </a:spcAft>
-            <a:buNone/>
           </a:pPr>
           <a:r>
-            <a:rPr lang="zh-CN" altLang="en-US" sz="1600" b="1" kern="1200" dirty="0">
+            <a:rPr lang="zh-CN" altLang="en-US" sz="1600" b="1" kern="1200" dirty="0" smtClean="0">
               <a:solidFill>
                 <a:srgbClr val="FF0000"/>
               </a:solidFill>
@@ -2346,6 +2541,13 @@
             </a:rPr>
             <a:t>可以在任意编辑器编辑</a:t>
           </a:r>
+          <a:endParaRPr lang="zh-CN" altLang="en-US" sz="1600" b="1" kern="1200" dirty="0">
+            <a:solidFill>
+              <a:srgbClr val="FF0000"/>
+            </a:solidFill>
+            <a:latin typeface="微软雅黑" pitchFamily="34" charset="-122"/>
+            <a:ea typeface="微软雅黑" pitchFamily="34" charset="-122"/>
+          </a:endParaRPr>
         </a:p>
       </dsp:txBody>
       <dsp:txXfrm>
@@ -2410,7 +2612,7 @@
         </a:bodyPr>
         <a:lstStyle/>
         <a:p>
-          <a:pPr marL="0" lvl="0" indent="0" algn="ctr" defTabSz="711200">
+          <a:pPr lvl="0" algn="ctr" defTabSz="711200">
             <a:lnSpc>
               <a:spcPct val="90000"/>
             </a:lnSpc>
@@ -2420,10 +2622,9 @@
             <a:spcAft>
               <a:spcPct val="35000"/>
             </a:spcAft>
-            <a:buNone/>
           </a:pPr>
           <a:r>
-            <a:rPr lang="zh-CN" altLang="en-US" sz="1600" b="1" kern="1200" dirty="0">
+            <a:rPr lang="zh-CN" altLang="en-US" sz="1600" b="1" kern="1200" dirty="0" smtClean="0">
               <a:solidFill>
                 <a:srgbClr val="FF0000"/>
               </a:solidFill>
@@ -2432,6 +2633,13 @@
             </a:rPr>
             <a:t>纯英文字符</a:t>
           </a:r>
+          <a:endParaRPr lang="zh-CN" altLang="en-US" sz="1600" b="1" kern="1200" dirty="0">
+            <a:solidFill>
+              <a:srgbClr val="FF0000"/>
+            </a:solidFill>
+            <a:latin typeface="微软雅黑" pitchFamily="34" charset="-122"/>
+            <a:ea typeface="微软雅黑" pitchFamily="34" charset="-122"/>
+          </a:endParaRPr>
         </a:p>
       </dsp:txBody>
       <dsp:txXfrm>
@@ -2486,7 +2694,7 @@
         </a:bodyPr>
         <a:lstStyle/>
         <a:p>
-          <a:pPr marL="0" lvl="0" indent="0" algn="ctr" defTabSz="2400300">
+          <a:pPr lvl="0" algn="ctr" defTabSz="2400300">
             <a:lnSpc>
               <a:spcPct val="90000"/>
             </a:lnSpc>
@@ -2496,16 +2704,20 @@
             <a:spcAft>
               <a:spcPct val="35000"/>
             </a:spcAft>
-            <a:buNone/>
           </a:pPr>
           <a:r>
-            <a:rPr lang="zh-CN" altLang="en-US" sz="5400" kern="1200" dirty="0">
+            <a:rPr lang="zh-CN" altLang="en-US" sz="5400" kern="1200" dirty="0" smtClean="0">
               <a:solidFill>
                 <a:srgbClr val="FF0000"/>
               </a:solidFill>
             </a:rPr>
             <a:t>编译</a:t>
           </a:r>
+          <a:endParaRPr lang="zh-CN" altLang="en-US" sz="5400" kern="1200" dirty="0">
+            <a:solidFill>
+              <a:srgbClr val="FF0000"/>
+            </a:solidFill>
+          </a:endParaRPr>
         </a:p>
       </dsp:txBody>
       <dsp:txXfrm>
@@ -2570,7 +2782,7 @@
         </a:bodyPr>
         <a:lstStyle/>
         <a:p>
-          <a:pPr marL="0" lvl="0" indent="0" algn="ctr" defTabSz="800100">
+          <a:pPr lvl="0" algn="ctr" defTabSz="800100">
             <a:lnSpc>
               <a:spcPct val="90000"/>
             </a:lnSpc>
@@ -2580,10 +2792,9 @@
             <a:spcAft>
               <a:spcPct val="35000"/>
             </a:spcAft>
-            <a:buNone/>
           </a:pPr>
           <a:r>
-            <a:rPr lang="zh-CN" altLang="en-US" sz="1800" b="1" kern="1200" dirty="0">
+            <a:rPr lang="zh-CN" altLang="en-US" sz="1800" b="1" kern="1200" dirty="0" smtClean="0">
               <a:solidFill>
                 <a:schemeClr val="bg1"/>
               </a:solidFill>
@@ -2592,7 +2803,7 @@
             </a:rPr>
             <a:t>翻译方式：</a:t>
           </a:r>
-          <a:endParaRPr lang="en-US" altLang="zh-CN" sz="1800" b="1" kern="1200" dirty="0">
+          <a:endParaRPr lang="en-US" altLang="zh-CN" sz="1800" b="1" kern="1200" dirty="0" smtClean="0">
             <a:solidFill>
               <a:schemeClr val="bg1"/>
             </a:solidFill>
@@ -2601,7 +2812,7 @@
           </a:endParaRPr>
         </a:p>
         <a:p>
-          <a:pPr marL="0" lvl="0" indent="0" algn="ctr" defTabSz="800100">
+          <a:pPr lvl="0" algn="ctr" defTabSz="800100">
             <a:lnSpc>
               <a:spcPct val="90000"/>
             </a:lnSpc>
@@ -2611,10 +2822,9 @@
             <a:spcAft>
               <a:spcPct val="35000"/>
             </a:spcAft>
-            <a:buNone/>
           </a:pPr>
           <a:r>
-            <a:rPr lang="zh-CN" altLang="en-US" sz="1800" b="1" kern="1200" dirty="0">
+            <a:rPr lang="zh-CN" altLang="en-US" sz="1800" b="1" kern="1200" dirty="0" smtClean="0">
               <a:solidFill>
                 <a:srgbClr val="FF0000"/>
               </a:solidFill>
@@ -2624,7 +2834,7 @@
             <a:t>编译</a:t>
           </a:r>
           <a:r>
-            <a:rPr lang="zh-CN" altLang="en-US" sz="1800" b="1" kern="1200" dirty="0">
+            <a:rPr lang="zh-CN" altLang="en-US" sz="1800" b="1" kern="1200" dirty="0" smtClean="0">
               <a:solidFill>
                 <a:schemeClr val="bg1"/>
               </a:solidFill>
@@ -2633,6 +2843,13 @@
             </a:rPr>
             <a:t>和解释</a:t>
           </a:r>
+          <a:endParaRPr lang="zh-CN" altLang="en-US" sz="1800" b="1" kern="1200" dirty="0">
+            <a:solidFill>
+              <a:schemeClr val="bg1"/>
+            </a:solidFill>
+            <a:latin typeface="微软雅黑" pitchFamily="34" charset="-122"/>
+            <a:ea typeface="微软雅黑" pitchFamily="34" charset="-122"/>
+          </a:endParaRPr>
         </a:p>
       </dsp:txBody>
       <dsp:txXfrm>
@@ -2697,7 +2914,7 @@
         </a:bodyPr>
         <a:lstStyle/>
         <a:p>
-          <a:pPr marL="0" lvl="0" indent="0" algn="ctr" defTabSz="800100">
+          <a:pPr lvl="0" algn="ctr" defTabSz="800100">
             <a:lnSpc>
               <a:spcPct val="90000"/>
             </a:lnSpc>
@@ -2707,10 +2924,9 @@
             <a:spcAft>
               <a:spcPct val="35000"/>
             </a:spcAft>
-            <a:buNone/>
           </a:pPr>
           <a:r>
-            <a:rPr lang="zh-CN" altLang="en-US" sz="1800" b="1" kern="1200" dirty="0">
+            <a:rPr lang="zh-CN" altLang="en-US" sz="1800" b="1" kern="1200" dirty="0" smtClean="0">
               <a:solidFill>
                 <a:srgbClr val="FF0000"/>
               </a:solidFill>
@@ -2719,6 +2935,13 @@
             </a:rPr>
             <a:t>检查语法错误</a:t>
           </a:r>
+          <a:endParaRPr lang="zh-CN" altLang="en-US" sz="1800" b="1" kern="1200" dirty="0">
+            <a:solidFill>
+              <a:srgbClr val="FF0000"/>
+            </a:solidFill>
+            <a:latin typeface="微软雅黑" pitchFamily="34" charset="-122"/>
+            <a:ea typeface="微软雅黑" pitchFamily="34" charset="-122"/>
+          </a:endParaRPr>
         </a:p>
       </dsp:txBody>
       <dsp:txXfrm>
@@ -2773,7 +2996,7 @@
         </a:bodyPr>
         <a:lstStyle/>
         <a:p>
-          <a:pPr marL="0" lvl="0" indent="0" algn="ctr" defTabSz="2400300">
+          <a:pPr lvl="0" algn="ctr" defTabSz="2400300">
             <a:lnSpc>
               <a:spcPct val="90000"/>
             </a:lnSpc>
@@ -2783,16 +3006,20 @@
             <a:spcAft>
               <a:spcPct val="35000"/>
             </a:spcAft>
-            <a:buNone/>
           </a:pPr>
           <a:r>
-            <a:rPr lang="zh-CN" altLang="en-US" sz="5400" kern="1200" dirty="0">
+            <a:rPr lang="zh-CN" altLang="en-US" sz="5400" kern="1200" dirty="0" smtClean="0">
               <a:solidFill>
                 <a:srgbClr val="FF0000"/>
               </a:solidFill>
             </a:rPr>
             <a:t>链接</a:t>
           </a:r>
+          <a:endParaRPr lang="zh-CN" altLang="en-US" sz="5400" kern="1200" dirty="0">
+            <a:solidFill>
+              <a:srgbClr val="FF0000"/>
+            </a:solidFill>
+          </a:endParaRPr>
         </a:p>
       </dsp:txBody>
       <dsp:txXfrm>
@@ -2857,7 +3084,7 @@
         </a:bodyPr>
         <a:lstStyle/>
         <a:p>
-          <a:pPr marL="0" lvl="0" indent="0" algn="ctr" defTabSz="800100">
+          <a:pPr lvl="0" algn="ctr" defTabSz="800100">
             <a:lnSpc>
               <a:spcPct val="90000"/>
             </a:lnSpc>
@@ -2867,10 +3094,9 @@
             <a:spcAft>
               <a:spcPct val="35000"/>
             </a:spcAft>
-            <a:buNone/>
           </a:pPr>
           <a:r>
-            <a:rPr lang="zh-CN" altLang="en-US" sz="1800" b="1" kern="1200" dirty="0">
+            <a:rPr lang="zh-CN" altLang="en-US" sz="1800" b="1" kern="1200" dirty="0" smtClean="0">
               <a:solidFill>
                 <a:schemeClr val="bg1"/>
               </a:solidFill>
@@ -2879,7 +3105,7 @@
             </a:rPr>
             <a:t>连接所需的</a:t>
           </a:r>
-          <a:endParaRPr lang="en-US" altLang="zh-CN" sz="1800" b="1" kern="1200" dirty="0">
+          <a:endParaRPr lang="en-US" altLang="zh-CN" sz="1800" b="1" kern="1200" dirty="0" smtClean="0">
             <a:solidFill>
               <a:schemeClr val="bg1"/>
             </a:solidFill>
@@ -2888,7 +3114,7 @@
           </a:endParaRPr>
         </a:p>
         <a:p>
-          <a:pPr marL="0" lvl="0" indent="0" algn="ctr" defTabSz="800100">
+          <a:pPr lvl="0" algn="ctr" defTabSz="800100">
             <a:lnSpc>
               <a:spcPct val="90000"/>
             </a:lnSpc>
@@ -2898,10 +3124,9 @@
             <a:spcAft>
               <a:spcPct val="35000"/>
             </a:spcAft>
-            <a:buNone/>
           </a:pPr>
           <a:r>
-            <a:rPr lang="zh-CN" altLang="en-US" sz="1800" b="1" kern="1200" dirty="0">
+            <a:rPr lang="zh-CN" altLang="en-US" sz="1800" b="1" kern="1200" dirty="0" smtClean="0">
               <a:solidFill>
                 <a:schemeClr val="bg1"/>
               </a:solidFill>
@@ -2910,6 +3135,13 @@
             </a:rPr>
             <a:t>文件</a:t>
           </a:r>
+          <a:endParaRPr lang="zh-CN" altLang="en-US" sz="1800" b="1" kern="1200" dirty="0">
+            <a:solidFill>
+              <a:schemeClr val="bg1"/>
+            </a:solidFill>
+            <a:latin typeface="微软雅黑" pitchFamily="34" charset="-122"/>
+            <a:ea typeface="微软雅黑" pitchFamily="34" charset="-122"/>
+          </a:endParaRPr>
         </a:p>
       </dsp:txBody>
       <dsp:txXfrm>
@@ -2964,7 +3196,7 @@
         </a:bodyPr>
         <a:lstStyle/>
         <a:p>
-          <a:pPr marL="0" lvl="0" indent="0" algn="ctr" defTabSz="2400300">
+          <a:pPr lvl="0" algn="ctr" defTabSz="2400300">
             <a:lnSpc>
               <a:spcPct val="90000"/>
             </a:lnSpc>
@@ -2974,16 +3206,20 @@
             <a:spcAft>
               <a:spcPct val="35000"/>
             </a:spcAft>
-            <a:buNone/>
           </a:pPr>
           <a:r>
-            <a:rPr lang="zh-CN" altLang="en-US" sz="5400" kern="1200" dirty="0">
+            <a:rPr lang="zh-CN" altLang="en-US" sz="5400" kern="1200" dirty="0" smtClean="0">
               <a:solidFill>
                 <a:srgbClr val="FF0000"/>
               </a:solidFill>
             </a:rPr>
             <a:t>运行</a:t>
           </a:r>
+          <a:endParaRPr lang="zh-CN" altLang="en-US" sz="5400" kern="1200" dirty="0">
+            <a:solidFill>
+              <a:srgbClr val="FF0000"/>
+            </a:solidFill>
+          </a:endParaRPr>
         </a:p>
       </dsp:txBody>
       <dsp:txXfrm>
@@ -4365,7 +4601,7 @@
               <a:pPr>
                 <a:defRPr/>
               </a:pPr>
-              <a:t>2/27/2018</a:t>
+              <a:t>2/25/2019</a:t>
             </a:fld>
             <a:endParaRPr/>
           </a:p>
@@ -4585,7 +4821,7 @@
               <a:pPr>
                 <a:defRPr/>
               </a:pPr>
-              <a:t>2/27/2018</a:t>
+              <a:t>2/25/2019</a:t>
             </a:fld>
             <a:endParaRPr/>
           </a:p>
@@ -5036,6 +5272,7 @@
           </a:lstStyle>
           <a:p>
             <a:r>
+              <a:rPr/>
               <a:t>Click to edit Master title style</a:t>
             </a:r>
           </a:p>
@@ -5156,6 +5393,7 @@
           </a:lstStyle>
           <a:p>
             <a:r>
+              <a:rPr/>
               <a:t>Click to edit Master subtitle style</a:t>
             </a:r>
           </a:p>
@@ -5188,7 +5426,7 @@
               <a:pPr>
                 <a:defRPr/>
               </a:pPr>
-              <a:t>2/27/2018</a:t>
+              <a:t>2/25/2019</a:t>
             </a:fld>
             <a:endParaRPr/>
           </a:p>
@@ -5251,7 +5489,7 @@
           <a:p>
             <a:pPr algn="ctr"/>
             <a:r>
-              <a:rPr lang="en-US" altLang="zh-CN" sz="35000" b="1" i="0" cap="none" spc="0">
+              <a:rPr lang="en-US" altLang="zh-CN" sz="35000" b="1" i="0" cap="none" spc="0" smtClean="0">
                 <a:ln w="12700">
                   <a:solidFill>
                     <a:schemeClr val="accent1">
@@ -5328,6 +5566,13 @@
   <p:transition spd="med">
     <p:fade/>
   </p:transition>
+  <p:timing>
+    <p:tnLst>
+      <p:par>
+        <p:cTn id="1" dur="indefinite" restart="never" nodeType="tmRoot"/>
+      </p:par>
+    </p:tnLst>
+  </p:timing>
 </p:sldLayout>
 </file>
 
@@ -5386,30 +5631,35 @@
           <a:p>
             <a:pPr lvl="0"/>
             <a:r>
+              <a:rPr/>
               <a:t>Click to edit Master text styles</a:t>
             </a:r>
           </a:p>
           <a:p>
             <a:pPr lvl="1"/>
             <a:r>
+              <a:rPr/>
               <a:t>Second level</a:t>
             </a:r>
           </a:p>
           <a:p>
             <a:pPr lvl="2"/>
             <a:r>
+              <a:rPr/>
               <a:t>Third level</a:t>
             </a:r>
           </a:p>
           <a:p>
             <a:pPr lvl="3"/>
             <a:r>
+              <a:rPr/>
               <a:t>Fourth level</a:t>
             </a:r>
           </a:p>
           <a:p>
             <a:pPr lvl="4"/>
             <a:r>
+              <a:rPr/>
               <a:t>Fifth level</a:t>
             </a:r>
           </a:p>
@@ -5442,7 +5692,7 @@
               <a:pPr>
                 <a:defRPr/>
               </a:pPr>
-              <a:t>2/27/2018</a:t>
+              <a:t>2/25/2019</a:t>
             </a:fld>
             <a:endParaRPr/>
           </a:p>
@@ -5498,6 +5748,7 @@
           <a:lstStyle/>
           <a:p>
             <a:r>
+              <a:rPr/>
               <a:t>Click to edit Master title style</a:t>
             </a:r>
           </a:p>
@@ -5511,6 +5762,13 @@
   <p:transition spd="med">
     <p:fade/>
   </p:transition>
+  <p:timing>
+    <p:tnLst>
+      <p:par>
+        <p:cTn id="1" dur="indefinite" restart="never" nodeType="tmRoot"/>
+      </p:par>
+    </p:tnLst>
+  </p:timing>
 </p:sldLayout>
 </file>
 
@@ -5555,6 +5813,7 @@
           <a:lstStyle/>
           <a:p>
             <a:r>
+              <a:rPr/>
               <a:t>Click to edit Master title style</a:t>
             </a:r>
           </a:p>
@@ -5598,30 +5857,35 @@
           <a:p>
             <a:pPr lvl="0"/>
             <a:r>
+              <a:rPr/>
               <a:t>Click to edit Master text styles</a:t>
             </a:r>
           </a:p>
           <a:p>
             <a:pPr lvl="1"/>
             <a:r>
+              <a:rPr/>
               <a:t>Second level</a:t>
             </a:r>
           </a:p>
           <a:p>
             <a:pPr lvl="2"/>
             <a:r>
+              <a:rPr/>
               <a:t>Third level</a:t>
             </a:r>
           </a:p>
           <a:p>
             <a:pPr lvl="3"/>
             <a:r>
+              <a:rPr/>
               <a:t>Fourth level</a:t>
             </a:r>
           </a:p>
           <a:p>
             <a:pPr lvl="4"/>
             <a:r>
+              <a:rPr/>
               <a:t>Fifth level</a:t>
             </a:r>
           </a:p>
@@ -5654,7 +5918,7 @@
               <a:pPr>
                 <a:defRPr/>
               </a:pPr>
-              <a:t>2/27/2018</a:t>
+              <a:t>2/25/2019</a:t>
             </a:fld>
             <a:endParaRPr/>
           </a:p>
@@ -5694,6 +5958,13 @@
   <p:transition spd="med">
     <p:fade/>
   </p:transition>
+  <p:timing>
+    <p:tnLst>
+      <p:par>
+        <p:cTn id="1" dur="indefinite" restart="never" nodeType="tmRoot"/>
+      </p:par>
+    </p:tnLst>
+  </p:timing>
 </p:sldLayout>
 </file>
 
@@ -5738,6 +6009,7 @@
           <a:lstStyle/>
           <a:p>
             <a:r>
+              <a:rPr/>
               <a:t>Click to edit Master title style</a:t>
             </a:r>
           </a:p>
@@ -5781,30 +6053,35 @@
           <a:p>
             <a:pPr lvl="0"/>
             <a:r>
+              <a:rPr/>
               <a:t>Click to edit Master text styles</a:t>
             </a:r>
           </a:p>
           <a:p>
             <a:pPr lvl="1"/>
             <a:r>
+              <a:rPr/>
               <a:t>Second level</a:t>
             </a:r>
           </a:p>
           <a:p>
             <a:pPr lvl="2"/>
             <a:r>
+              <a:rPr/>
               <a:t>Third level</a:t>
             </a:r>
           </a:p>
           <a:p>
             <a:pPr lvl="3"/>
             <a:r>
+              <a:rPr/>
               <a:t>Fourth level</a:t>
             </a:r>
           </a:p>
           <a:p>
             <a:pPr lvl="4"/>
             <a:r>
+              <a:rPr/>
               <a:t>Fifth level</a:t>
             </a:r>
           </a:p>
@@ -5837,7 +6114,7 @@
               <a:pPr>
                 <a:defRPr/>
               </a:pPr>
-              <a:t>2/27/2018</a:t>
+              <a:t>2/25/2019</a:t>
             </a:fld>
             <a:endParaRPr/>
           </a:p>
@@ -5877,6 +6154,13 @@
   <p:transition spd="med">
     <p:fade/>
   </p:transition>
+  <p:timing>
+    <p:tnLst>
+      <p:par>
+        <p:cTn id="1" dur="indefinite" restart="never" nodeType="tmRoot"/>
+      </p:par>
+    </p:tnLst>
+  </p:timing>
 </p:sldLayout>
 </file>
 
@@ -5927,6 +6211,7 @@
           </a:lstStyle>
           <a:p>
             <a:r>
+              <a:rPr/>
               <a:t>Click to edit Master title style</a:t>
             </a:r>
           </a:p>
@@ -6048,6 +6333,7 @@
           <a:p>
             <a:pPr lvl="0"/>
             <a:r>
+              <a:rPr/>
               <a:t>Click to edit Master text styles</a:t>
             </a:r>
           </a:p>
@@ -6080,7 +6366,7 @@
               <a:pPr>
                 <a:defRPr/>
               </a:pPr>
-              <a:t>2/27/2018</a:t>
+              <a:t>2/25/2019</a:t>
             </a:fld>
             <a:endParaRPr/>
           </a:p>
@@ -6290,9 +6576,10 @@
           </a:lstStyle>
           <a:p>
             <a:r>
-              <a:rPr lang="en-US"/>
+              <a:rPr lang="en-US" smtClean="0"/>
               <a:t>Click to edit Master title style</a:t>
             </a:r>
+            <a:endParaRPr lang="en-US"/>
           </a:p>
         </p:txBody>
       </p:sp>
@@ -6304,6 +6591,13 @@
   <p:transition spd="med">
     <p:fade/>
   </p:transition>
+  <p:timing>
+    <p:tnLst>
+      <p:par>
+        <p:cTn id="1" dur="indefinite" restart="never" nodeType="tmRoot"/>
+      </p:par>
+    </p:tnLst>
+  </p:timing>
 </p:sldLayout>
 </file>
 
@@ -6374,30 +6668,35 @@
           <a:p>
             <a:pPr lvl="0"/>
             <a:r>
+              <a:rPr/>
               <a:t>Click to edit Master text styles</a:t>
             </a:r>
           </a:p>
           <a:p>
             <a:pPr lvl="1"/>
             <a:r>
+              <a:rPr/>
               <a:t>Second level</a:t>
             </a:r>
           </a:p>
           <a:p>
             <a:pPr lvl="2"/>
             <a:r>
+              <a:rPr/>
               <a:t>Third level</a:t>
             </a:r>
           </a:p>
           <a:p>
             <a:pPr lvl="3"/>
             <a:r>
+              <a:rPr/>
               <a:t>Fourth level</a:t>
             </a:r>
           </a:p>
           <a:p>
             <a:pPr lvl="4"/>
             <a:r>
+              <a:rPr/>
               <a:t>Fifth level</a:t>
             </a:r>
           </a:p>
@@ -6453,30 +6752,35 @@
           <a:p>
             <a:pPr lvl="0"/>
             <a:r>
+              <a:rPr/>
               <a:t>Click to edit Master text styles</a:t>
             </a:r>
           </a:p>
           <a:p>
             <a:pPr lvl="1"/>
             <a:r>
+              <a:rPr/>
               <a:t>Second level</a:t>
             </a:r>
           </a:p>
           <a:p>
             <a:pPr lvl="2"/>
             <a:r>
+              <a:rPr/>
               <a:t>Third level</a:t>
             </a:r>
           </a:p>
           <a:p>
             <a:pPr lvl="3"/>
             <a:r>
+              <a:rPr/>
               <a:t>Fourth level</a:t>
             </a:r>
           </a:p>
           <a:p>
             <a:pPr lvl="4"/>
             <a:r>
+              <a:rPr/>
               <a:t>Fifth level</a:t>
             </a:r>
           </a:p>
@@ -6509,7 +6813,7 @@
               <a:pPr>
                 <a:defRPr/>
               </a:pPr>
-              <a:t>2/27/2018</a:t>
+              <a:t>2/25/2019</a:t>
             </a:fld>
             <a:endParaRPr/>
           </a:p>
@@ -6565,6 +6869,7 @@
           <a:lstStyle/>
           <a:p>
             <a:r>
+              <a:rPr/>
               <a:t>Click to edit Master title style</a:t>
             </a:r>
           </a:p>
@@ -6578,6 +6883,13 @@
   <p:transition spd="med">
     <p:fade/>
   </p:transition>
+  <p:timing>
+    <p:tnLst>
+      <p:par>
+        <p:cTn id="1" dur="indefinite" restart="never" nodeType="tmRoot"/>
+      </p:par>
+    </p:tnLst>
+  </p:timing>
 </p:sldLayout>
 </file>
 
@@ -6662,6 +6974,7 @@
           <a:p>
             <a:pPr lvl="0"/>
             <a:r>
+              <a:rPr/>
               <a:t>Click to edit Master text styles</a:t>
             </a:r>
           </a:p>
@@ -6717,30 +7030,35 @@
           <a:p>
             <a:pPr lvl="0"/>
             <a:r>
+              <a:rPr/>
               <a:t>Click to edit Master text styles</a:t>
             </a:r>
           </a:p>
           <a:p>
             <a:pPr lvl="1"/>
             <a:r>
+              <a:rPr/>
               <a:t>Second level</a:t>
             </a:r>
           </a:p>
           <a:p>
             <a:pPr lvl="2"/>
             <a:r>
+              <a:rPr/>
               <a:t>Third level</a:t>
             </a:r>
           </a:p>
           <a:p>
             <a:pPr lvl="3"/>
             <a:r>
+              <a:rPr/>
               <a:t>Fourth level</a:t>
             </a:r>
           </a:p>
           <a:p>
             <a:pPr lvl="4"/>
             <a:r>
+              <a:rPr/>
               <a:t>Fifth level</a:t>
             </a:r>
           </a:p>
@@ -6810,6 +7128,7 @@
           <a:p>
             <a:pPr lvl="0"/>
             <a:r>
+              <a:rPr/>
               <a:t>Click to edit Master text styles</a:t>
             </a:r>
           </a:p>
@@ -6865,30 +7184,35 @@
           <a:p>
             <a:pPr lvl="0"/>
             <a:r>
+              <a:rPr/>
               <a:t>Click to edit Master text styles</a:t>
             </a:r>
           </a:p>
           <a:p>
             <a:pPr lvl="1"/>
             <a:r>
+              <a:rPr/>
               <a:t>Second level</a:t>
             </a:r>
           </a:p>
           <a:p>
             <a:pPr lvl="2"/>
             <a:r>
+              <a:rPr/>
               <a:t>Third level</a:t>
             </a:r>
           </a:p>
           <a:p>
             <a:pPr lvl="3"/>
             <a:r>
+              <a:rPr/>
               <a:t>Fourth level</a:t>
             </a:r>
           </a:p>
           <a:p>
             <a:pPr lvl="4"/>
             <a:r>
+              <a:rPr/>
               <a:t>Fifth level</a:t>
             </a:r>
           </a:p>
@@ -6921,7 +7245,7 @@
               <a:pPr>
                 <a:defRPr/>
               </a:pPr>
-              <a:t>2/27/2018</a:t>
+              <a:t>2/25/2019</a:t>
             </a:fld>
             <a:endParaRPr/>
           </a:p>
@@ -6977,6 +7301,7 @@
           <a:lstStyle/>
           <a:p>
             <a:r>
+              <a:rPr/>
               <a:t>Click to edit Master title style</a:t>
             </a:r>
           </a:p>
@@ -6990,6 +7315,13 @@
   <p:transition spd="med">
     <p:fade/>
   </p:transition>
+  <p:timing>
+    <p:tnLst>
+      <p:par>
+        <p:cTn id="1" dur="indefinite" restart="never" nodeType="tmRoot"/>
+      </p:par>
+    </p:tnLst>
+  </p:timing>
 </p:sldLayout>
 </file>
 
@@ -7037,7 +7369,7 @@
               <a:pPr>
                 <a:defRPr/>
               </a:pPr>
-              <a:t>2/27/2018</a:t>
+              <a:t>2/25/2019</a:t>
             </a:fld>
             <a:endParaRPr/>
           </a:p>
@@ -7093,6 +7425,7 @@
           <a:lstStyle/>
           <a:p>
             <a:r>
+              <a:rPr/>
               <a:t>Click to edit Master title style</a:t>
             </a:r>
           </a:p>
@@ -7106,6 +7439,13 @@
   <p:transition spd="med">
     <p:fade/>
   </p:transition>
+  <p:timing>
+    <p:tnLst>
+      <p:par>
+        <p:cTn id="1" dur="indefinite" restart="never" nodeType="tmRoot"/>
+      </p:par>
+    </p:tnLst>
+  </p:timing>
 </p:sldLayout>
 </file>
 
@@ -7153,7 +7493,7 @@
               <a:pPr>
                 <a:defRPr/>
               </a:pPr>
-              <a:t>2/27/2018</a:t>
+              <a:t>2/25/2019</a:t>
             </a:fld>
             <a:endParaRPr/>
           </a:p>
@@ -7193,6 +7533,13 @@
   <p:transition spd="med">
     <p:fade/>
   </p:transition>
+  <p:timing>
+    <p:tnLst>
+      <p:par>
+        <p:cTn id="1" dur="indefinite" restart="never" nodeType="tmRoot"/>
+      </p:par>
+    </p:tnLst>
+  </p:timing>
 </p:sldLayout>
 </file>
 
@@ -7243,6 +7590,7 @@
           </a:lstStyle>
           <a:p>
             <a:r>
+              <a:rPr/>
               <a:t>Click to edit Master title style</a:t>
             </a:r>
           </a:p>
@@ -7300,30 +7648,35 @@
           <a:p>
             <a:pPr lvl="0"/>
             <a:r>
+              <a:rPr/>
               <a:t>Click to edit Master text styles</a:t>
             </a:r>
           </a:p>
           <a:p>
             <a:pPr lvl="1"/>
             <a:r>
+              <a:rPr/>
               <a:t>Second level</a:t>
             </a:r>
           </a:p>
           <a:p>
             <a:pPr lvl="2"/>
             <a:r>
+              <a:rPr/>
               <a:t>Third level</a:t>
             </a:r>
           </a:p>
           <a:p>
             <a:pPr lvl="3"/>
             <a:r>
+              <a:rPr/>
               <a:t>Fourth level</a:t>
             </a:r>
           </a:p>
           <a:p>
             <a:pPr lvl="4"/>
             <a:r>
+              <a:rPr/>
               <a:t>Fifth level</a:t>
             </a:r>
           </a:p>
@@ -7393,6 +7746,7 @@
           <a:p>
             <a:pPr lvl="0"/>
             <a:r>
+              <a:rPr/>
               <a:t>Click to edit Master text styles</a:t>
             </a:r>
           </a:p>
@@ -7425,7 +7779,7 @@
               <a:pPr>
                 <a:defRPr/>
               </a:pPr>
-              <a:t>2/27/2018</a:t>
+              <a:t>2/25/2019</a:t>
             </a:fld>
             <a:endParaRPr/>
           </a:p>
@@ -7465,6 +7819,13 @@
   <p:transition spd="med">
     <p:fade/>
   </p:transition>
+  <p:timing>
+    <p:tnLst>
+      <p:par>
+        <p:cTn id="1" dur="indefinite" restart="never" nodeType="tmRoot"/>
+      </p:par>
+    </p:tnLst>
+  </p:timing>
 </p:sldLayout>
 </file>
 
@@ -7515,6 +7876,7 @@
           </a:lstStyle>
           <a:p>
             <a:r>
+              <a:rPr/>
               <a:t>Click to edit Master title style</a:t>
             </a:r>
           </a:p>
@@ -7661,6 +8023,7 @@
           <a:p>
             <a:pPr lvl="0"/>
             <a:r>
+              <a:rPr/>
               <a:t>Click to edit Master text styles</a:t>
             </a:r>
           </a:p>
@@ -7693,7 +8056,7 @@
               <a:pPr>
                 <a:defRPr/>
               </a:pPr>
-              <a:t>2/27/2018</a:t>
+              <a:t>2/25/2019</a:t>
             </a:fld>
             <a:endParaRPr/>
           </a:p>
@@ -7733,6 +8096,13 @@
   <p:transition spd="med">
     <p:fade/>
   </p:transition>
+  <p:timing>
+    <p:tnLst>
+      <p:par>
+        <p:cTn id="1" dur="indefinite" restart="never" nodeType="tmRoot"/>
+      </p:par>
+    </p:tnLst>
+  </p:timing>
 </p:sldLayout>
 </file>
 
@@ -7794,35 +8164,35 @@
           <a:p>
             <a:pPr lvl="0"/>
             <a:r>
-              <a:rPr lang="zh-CN" altLang="zh-CN"/>
+              <a:rPr lang="zh-CN" altLang="zh-CN" smtClean="0"/>
               <a:t>Click to edit Master text styles</a:t>
             </a:r>
           </a:p>
           <a:p>
             <a:pPr lvl="1"/>
             <a:r>
-              <a:rPr lang="zh-CN" altLang="zh-CN"/>
+              <a:rPr lang="zh-CN" altLang="zh-CN" smtClean="0"/>
               <a:t>Second level</a:t>
             </a:r>
           </a:p>
           <a:p>
             <a:pPr lvl="2"/>
             <a:r>
-              <a:rPr lang="zh-CN" altLang="zh-CN"/>
+              <a:rPr lang="zh-CN" altLang="zh-CN" smtClean="0"/>
               <a:t>Third level</a:t>
             </a:r>
           </a:p>
           <a:p>
             <a:pPr lvl="3"/>
             <a:r>
-              <a:rPr lang="zh-CN" altLang="zh-CN"/>
+              <a:rPr lang="zh-CN" altLang="zh-CN" smtClean="0"/>
               <a:t>Fourth level</a:t>
             </a:r>
           </a:p>
           <a:p>
             <a:pPr lvl="4"/>
             <a:r>
-              <a:rPr lang="zh-CN" altLang="zh-CN"/>
+              <a:rPr lang="zh-CN" altLang="zh-CN" smtClean="0"/>
               <a:t>Fifth level</a:t>
             </a:r>
           </a:p>
@@ -7875,7 +8245,7 @@
               <a:pPr>
                 <a:defRPr/>
               </a:pPr>
-              <a:t>2/27/2018</a:t>
+              <a:t>2/25/2019</a:t>
             </a:fld>
             <a:endParaRPr/>
           </a:p>
@@ -8105,6 +8475,13 @@
   <p:transition spd="med">
     <p:fade/>
   </p:transition>
+  <p:timing>
+    <p:tnLst>
+      <p:par>
+        <p:cTn id="1" dur="indefinite" restart="never" nodeType="tmRoot"/>
+      </p:par>
+    </p:tnLst>
+  </p:timing>
   <p:hf hdr="0" ftr="0" dt="0"/>
   <p:txStyles>
     <p:titleStyle>
@@ -8590,19 +8967,19 @@
           <a:lstStyle/>
           <a:p>
             <a:r>
-              <a:rPr lang="en-US" altLang="zh-CN" b="1">
+              <a:rPr lang="en-US" altLang="zh-CN" b="1" smtClean="0">
                 <a:latin typeface="+mj-ea"/>
               </a:rPr>
               <a:t>《 C</a:t>
             </a:r>
             <a:r>
-              <a:rPr lang="zh-CN" altLang="en-US" b="1">
+              <a:rPr lang="zh-CN" altLang="en-US" b="1" smtClean="0">
                 <a:latin typeface="+mj-ea"/>
               </a:rPr>
               <a:t>语言程序设计</a:t>
             </a:r>
             <a:r>
-              <a:rPr lang="en-US" altLang="zh-CN" b="1">
+              <a:rPr lang="en-US" altLang="zh-CN" b="1" smtClean="0">
                 <a:latin typeface="+mj-ea"/>
               </a:rPr>
               <a:t>》</a:t>
@@ -8634,14 +9011,14 @@
           <a:lstStyle/>
           <a:p>
             <a:r>
-              <a:rPr lang="en-US" altLang="zh-CN">
+              <a:rPr lang="en-US" altLang="zh-CN" smtClean="0">
                 <a:latin typeface="微软雅黑" pitchFamily="34" charset="-122"/>
                 <a:ea typeface="微软雅黑" pitchFamily="34" charset="-122"/>
               </a:rPr>
               <a:t>C</a:t>
             </a:r>
             <a:r>
-              <a:rPr lang="zh-CN" altLang="en-US" dirty="0">
+              <a:rPr lang="zh-CN" altLang="en-US">
                 <a:latin typeface="微软雅黑" pitchFamily="34" charset="-122"/>
                 <a:ea typeface="微软雅黑" pitchFamily="34" charset="-122"/>
               </a:rPr>
@@ -8649,7 +9026,7 @@
             </a:r>
           </a:p>
           <a:p>
-            <a:endParaRPr lang="zh-CN" altLang="en-US" dirty="0">
+            <a:endParaRPr lang="zh-CN" altLang="en-US">
               <a:latin typeface="微软雅黑" pitchFamily="34" charset="-122"/>
               <a:ea typeface="微软雅黑" pitchFamily="34" charset="-122"/>
             </a:endParaRPr>
@@ -8669,6 +9046,13 @@
   <p:transition spd="med">
     <p:fade/>
   </p:transition>
+  <p:timing>
+    <p:tnLst>
+      <p:par>
+        <p:cTn id="1" dur="indefinite" restart="never" nodeType="tmRoot"/>
+      </p:par>
+    </p:tnLst>
+  </p:timing>
 </p:sld>
 </file>
 
@@ -8732,20 +9116,20 @@
           <a:lstStyle/>
           <a:p>
             <a:r>
-              <a:rPr lang="en-US" altLang="zh-CN">
+              <a:rPr lang="en-US" altLang="zh-CN" smtClean="0">
                 <a:latin typeface="微软雅黑" pitchFamily="34" charset="-122"/>
                 <a:ea typeface="微软雅黑" pitchFamily="34" charset="-122"/>
               </a:rPr>
               <a:t>C</a:t>
             </a:r>
             <a:r>
-              <a:rPr lang="zh-CN" altLang="en-US">
+              <a:rPr lang="zh-CN" altLang="en-US" smtClean="0">
                 <a:latin typeface="微软雅黑" pitchFamily="34" charset="-122"/>
                 <a:ea typeface="微软雅黑" pitchFamily="34" charset="-122"/>
               </a:rPr>
               <a:t>语言的实现：</a:t>
             </a:r>
-            <a:endParaRPr lang="en-US" altLang="zh-CN">
+            <a:endParaRPr lang="en-US" altLang="zh-CN" smtClean="0">
               <a:latin typeface="微软雅黑" pitchFamily="34" charset="-122"/>
               <a:ea typeface="微软雅黑" pitchFamily="34" charset="-122"/>
             </a:endParaRPr>
@@ -8753,7 +9137,7 @@
           <a:p>
             <a:pPr lvl="1"/>
             <a:r>
-              <a:rPr lang="zh-CN" altLang="en-US">
+              <a:rPr lang="zh-CN" altLang="en-US" smtClean="0">
                 <a:latin typeface="微软雅黑" pitchFamily="34" charset="-122"/>
                 <a:ea typeface="微软雅黑" pitchFamily="34" charset="-122"/>
               </a:rPr>
@@ -9297,10 +9681,20 @@
                   <a:latin typeface="微软雅黑" pitchFamily="34" charset="-122"/>
                   <a:ea typeface="微软雅黑" pitchFamily="34" charset="-122"/>
                 </a:rPr>
-                <a:t>Visual 2012</a:t>
+                <a:t>Visual </a:t>
               </a:r>
               <a:r>
-                <a:rPr lang="zh-CN" altLang="en-US" sz="1600" b="1">
+                <a:rPr lang="en-US" altLang="zh-CN" sz="1600" b="1" smtClean="0">
+                  <a:solidFill>
+                    <a:srgbClr val="FF0000"/>
+                  </a:solidFill>
+                  <a:latin typeface="微软雅黑" pitchFamily="34" charset="-122"/>
+                  <a:ea typeface="微软雅黑" pitchFamily="34" charset="-122"/>
+                </a:rPr>
+                <a:t>2012</a:t>
+              </a:r>
+              <a:r>
+                <a:rPr lang="zh-CN" altLang="en-US" sz="1600" b="1" smtClean="0">
                   <a:solidFill>
                     <a:srgbClr val="FF0000"/>
                   </a:solidFill>
@@ -10988,10 +11382,17 @@
                 <a:latin typeface="微软雅黑" pitchFamily="34" charset="-122"/>
                 <a:ea typeface="微软雅黑" pitchFamily="34" charset="-122"/>
               </a:rPr>
-              <a:t>Studio 2012</a:t>
-            </a:r>
-            <a:r>
-              <a:rPr lang="zh-CN" altLang="en-US" b="1">
+              <a:t>Studio </a:t>
+            </a:r>
+            <a:r>
+              <a:rPr lang="en-US" altLang="zh-CN" b="1" smtClean="0">
+                <a:latin typeface="微软雅黑" pitchFamily="34" charset="-122"/>
+                <a:ea typeface="微软雅黑" pitchFamily="34" charset="-122"/>
+              </a:rPr>
+              <a:t>2012</a:t>
+            </a:r>
+            <a:r>
+              <a:rPr lang="zh-CN" altLang="en-US" b="1" smtClean="0">
                 <a:latin typeface="微软雅黑" pitchFamily="34" charset="-122"/>
                 <a:ea typeface="微软雅黑" pitchFamily="34" charset="-122"/>
               </a:rPr>
@@ -11044,19 +11445,23 @@
           <a:p>
             <a:pPr eaLnBrk="0" hangingPunct="0"/>
             <a:r>
-              <a:rPr lang="en-US" altLang="zh-CN" b="1" dirty="0">
+              <a:rPr lang="en-US" altLang="zh-CN" b="1" dirty="0" smtClean="0">
                 <a:latin typeface="微软雅黑" pitchFamily="34" charset="-122"/>
                 <a:ea typeface="微软雅黑" pitchFamily="34" charset="-122"/>
               </a:rPr>
               <a:t>C</a:t>
             </a:r>
             <a:r>
-              <a:rPr lang="zh-CN" altLang="en-US" b="1" dirty="0">
+              <a:rPr lang="zh-CN" altLang="en-US" b="1" dirty="0" smtClean="0">
                 <a:latin typeface="微软雅黑" pitchFamily="34" charset="-122"/>
                 <a:ea typeface="微软雅黑" pitchFamily="34" charset="-122"/>
               </a:rPr>
               <a:t>程序详解</a:t>
             </a:r>
+            <a:endParaRPr lang="zh-CN" altLang="en-US" b="1" dirty="0">
+              <a:latin typeface="微软雅黑" pitchFamily="34" charset="-122"/>
+              <a:ea typeface="微软雅黑" pitchFamily="34" charset="-122"/>
+            </a:endParaRPr>
           </a:p>
         </p:txBody>
       </p:sp>
@@ -11097,26 +11502,30 @@
           <a:p>
             <a:pPr eaLnBrk="0" hangingPunct="0"/>
             <a:r>
-              <a:rPr lang="zh-CN" altLang="en-US" b="1" dirty="0">
+              <a:rPr lang="zh-CN" altLang="en-US" b="1" dirty="0" smtClean="0">
                 <a:latin typeface="微软雅黑" pitchFamily="34" charset="-122"/>
                 <a:ea typeface="微软雅黑" pitchFamily="34" charset="-122"/>
               </a:rPr>
               <a:t>初识</a:t>
             </a:r>
             <a:r>
-              <a:rPr lang="en-US" altLang="zh-CN" b="1" dirty="0">
+              <a:rPr lang="en-US" altLang="zh-CN" b="1" dirty="0" smtClean="0">
                 <a:latin typeface="微软雅黑" pitchFamily="34" charset="-122"/>
                 <a:ea typeface="微软雅黑" pitchFamily="34" charset="-122"/>
               </a:rPr>
               <a:t>C</a:t>
             </a:r>
             <a:r>
-              <a:rPr lang="zh-CN" altLang="en-US" b="1" dirty="0">
+              <a:rPr lang="zh-CN" altLang="en-US" b="1" dirty="0" smtClean="0">
                 <a:latin typeface="微软雅黑" pitchFamily="34" charset="-122"/>
                 <a:ea typeface="微软雅黑" pitchFamily="34" charset="-122"/>
               </a:rPr>
               <a:t>程序</a:t>
             </a:r>
+            <a:endParaRPr lang="zh-CN" altLang="en-US" b="1" dirty="0">
+              <a:latin typeface="微软雅黑" pitchFamily="34" charset="-122"/>
+              <a:ea typeface="微软雅黑" pitchFamily="34" charset="-122"/>
+            </a:endParaRPr>
           </a:p>
         </p:txBody>
       </p:sp>
@@ -12523,42 +12932,42 @@
           <a:lstStyle/>
           <a:p>
             <a:r>
-              <a:rPr lang="zh-CN" altLang="en-US" dirty="0">
+              <a:rPr lang="zh-CN" altLang="en-US" dirty="0" smtClean="0">
                 <a:latin typeface="微软雅黑" pitchFamily="34" charset="-122"/>
                 <a:ea typeface="微软雅黑" pitchFamily="34" charset="-122"/>
               </a:rPr>
               <a:t>一</a:t>
             </a:r>
             <a:r>
-              <a:rPr lang="zh-CN" altLang="en-US">
+              <a:rPr lang="zh-CN" altLang="en-US" smtClean="0">
                 <a:latin typeface="微软雅黑" pitchFamily="34" charset="-122"/>
                 <a:ea typeface="微软雅黑" pitchFamily="34" charset="-122"/>
               </a:rPr>
               <a:t>个</a:t>
             </a:r>
             <a:r>
-              <a:rPr lang="en-US" altLang="zh-CN">
+              <a:rPr lang="en-US" altLang="zh-CN" smtClean="0">
                 <a:latin typeface="微软雅黑" pitchFamily="34" charset="-122"/>
                 <a:ea typeface="微软雅黑" pitchFamily="34" charset="-122"/>
               </a:rPr>
               <a:t>C</a:t>
             </a:r>
             <a:r>
-              <a:rPr lang="zh-CN" altLang="en-US">
+              <a:rPr lang="zh-CN" altLang="en-US" smtClean="0">
                 <a:latin typeface="微软雅黑" pitchFamily="34" charset="-122"/>
                 <a:ea typeface="微软雅黑" pitchFamily="34" charset="-122"/>
               </a:rPr>
               <a:t>语言源程序</a:t>
             </a:r>
             <a:r>
-              <a:rPr lang="zh-CN" altLang="en-US" dirty="0">
+              <a:rPr lang="zh-CN" altLang="en-US" dirty="0" smtClean="0">
                 <a:latin typeface="微软雅黑" pitchFamily="34" charset="-122"/>
                 <a:ea typeface="微软雅黑" pitchFamily="34" charset="-122"/>
               </a:rPr>
               <a:t>必须</a:t>
             </a:r>
             <a:r>
-              <a:rPr lang="zh-CN" altLang="en-US" dirty="0">
+              <a:rPr lang="zh-CN" altLang="en-US" dirty="0" smtClean="0">
                 <a:solidFill>
                   <a:srgbClr val="FF0000"/>
                 </a:solidFill>
@@ -12568,7 +12977,7 @@
               <a:t>有且只能有一个</a:t>
             </a:r>
             <a:r>
-              <a:rPr lang="en-US" altLang="zh-CN" dirty="0">
+              <a:rPr lang="en-US" altLang="zh-CN" dirty="0" smtClean="0">
                 <a:solidFill>
                   <a:srgbClr val="FF0000"/>
                 </a:solidFill>
@@ -12578,7 +12987,7 @@
               <a:t>main</a:t>
             </a:r>
             <a:r>
-              <a:rPr lang="zh-CN" altLang="en-US" dirty="0">
+              <a:rPr lang="zh-CN" altLang="en-US" dirty="0" smtClean="0">
                 <a:solidFill>
                   <a:srgbClr val="FF0000"/>
                 </a:solidFill>
@@ -12588,25 +12997,29 @@
               <a:t>函数</a:t>
             </a:r>
             <a:r>
-              <a:rPr lang="zh-CN" altLang="en-US" dirty="0">
+              <a:rPr lang="zh-CN" altLang="en-US" dirty="0" smtClean="0">
                 <a:latin typeface="微软雅黑" pitchFamily="34" charset="-122"/>
                 <a:ea typeface="微软雅黑" pitchFamily="34" charset="-122"/>
               </a:rPr>
               <a:t>。</a:t>
             </a:r>
-            <a:endParaRPr lang="en-US" altLang="zh-CN" dirty="0">
+            <a:endParaRPr lang="en-US" altLang="zh-CN" dirty="0" smtClean="0">
               <a:latin typeface="微软雅黑" pitchFamily="34" charset="-122"/>
               <a:ea typeface="微软雅黑" pitchFamily="34" charset="-122"/>
             </a:endParaRPr>
           </a:p>
           <a:p>
             <a:r>
-              <a:rPr lang="zh-CN" altLang="en-US" dirty="0">
+              <a:rPr lang="zh-CN" altLang="en-US" dirty="0" smtClean="0">
                 <a:latin typeface="微软雅黑" pitchFamily="34" charset="-122"/>
                 <a:ea typeface="微软雅黑" pitchFamily="34" charset="-122"/>
               </a:rPr>
               <a:t>源程序无法直接运行。</a:t>
             </a:r>
+            <a:endParaRPr lang="zh-CN" altLang="en-US" dirty="0">
+              <a:latin typeface="微软雅黑" pitchFamily="34" charset="-122"/>
+              <a:ea typeface="微软雅黑" pitchFamily="34" charset="-122"/>
+            </a:endParaRPr>
           </a:p>
         </p:txBody>
       </p:sp>
@@ -12668,21 +13081,21 @@
               <a:defRPr/>
             </a:pPr>
             <a:r>
-              <a:rPr kumimoji="0" lang="en-US" altLang="zh-CN" sz="2400" b="1" dirty="0">
+              <a:rPr kumimoji="0" lang="en-US" altLang="zh-CN" sz="2400" b="1" dirty="0" smtClean="0">
                 <a:latin typeface="Consolas" pitchFamily="49" charset="0"/>
                 <a:cs typeface="Consolas" pitchFamily="49" charset="0"/>
               </a:rPr>
               <a:t>#include &lt;</a:t>
             </a:r>
             <a:r>
-              <a:rPr kumimoji="0" lang="en-US" altLang="zh-CN" sz="2400" b="1" dirty="0" err="1">
+              <a:rPr kumimoji="0" lang="en-US" altLang="zh-CN" sz="2400" b="1" dirty="0" err="1" smtClean="0">
                 <a:latin typeface="Consolas" pitchFamily="49" charset="0"/>
                 <a:cs typeface="Consolas" pitchFamily="49" charset="0"/>
               </a:rPr>
               <a:t>stdio.h</a:t>
             </a:r>
             <a:r>
-              <a:rPr kumimoji="0" lang="en-US" altLang="zh-CN" sz="2400" b="1" dirty="0">
+              <a:rPr kumimoji="0" lang="en-US" altLang="zh-CN" sz="2400" b="1" dirty="0" smtClean="0">
                 <a:latin typeface="Consolas" pitchFamily="49" charset="0"/>
                 <a:cs typeface="Consolas" pitchFamily="49" charset="0"/>
               </a:rPr>
@@ -12703,7 +13116,7 @@
               <a:tabLst/>
               <a:defRPr/>
             </a:pPr>
-            <a:endParaRPr kumimoji="0" lang="en-US" altLang="zh-CN" sz="2400" b="1" dirty="0">
+            <a:endParaRPr kumimoji="0" lang="en-US" altLang="zh-CN" sz="2400" b="1" dirty="0" smtClean="0">
               <a:latin typeface="Consolas" pitchFamily="49" charset="0"/>
               <a:cs typeface="Consolas" pitchFamily="49" charset="0"/>
             </a:endParaRPr>
@@ -12723,7 +13136,7 @@
               <a:defRPr/>
             </a:pPr>
             <a:r>
-              <a:rPr kumimoji="0" lang="en-US" altLang="zh-CN" sz="2400" b="1" dirty="0" err="1">
+              <a:rPr kumimoji="0" lang="en-US" altLang="zh-CN" sz="2400" b="1" dirty="0" err="1" smtClean="0">
                 <a:solidFill>
                   <a:schemeClr val="tx1">
                     <a:lumMod val="60000"/>
@@ -12736,7 +13149,7 @@
               <a:t>int</a:t>
             </a:r>
             <a:r>
-              <a:rPr kumimoji="0" lang="en-US" altLang="zh-CN" sz="2400" b="1" dirty="0">
+              <a:rPr kumimoji="0" lang="en-US" altLang="zh-CN" sz="2400" b="1" dirty="0" smtClean="0">
                 <a:latin typeface="Consolas" pitchFamily="49" charset="0"/>
                 <a:cs typeface="Consolas" pitchFamily="49" charset="0"/>
               </a:rPr>
@@ -12758,7 +13171,7 @@
               <a:defRPr/>
             </a:pPr>
             <a:r>
-              <a:rPr kumimoji="0" lang="en-US" altLang="zh-CN" sz="2400" b="1" dirty="0">
+              <a:rPr kumimoji="0" lang="en-US" altLang="zh-CN" sz="2400" b="1" dirty="0" smtClean="0">
                 <a:latin typeface="Consolas" pitchFamily="49" charset="0"/>
                 <a:cs typeface="Consolas" pitchFamily="49" charset="0"/>
               </a:rPr>
@@ -12780,7 +13193,7 @@
               <a:defRPr/>
             </a:pPr>
             <a:r>
-              <a:rPr kumimoji="0" lang="en-US" altLang="zh-CN" sz="2400" b="1">
+              <a:rPr kumimoji="0" lang="en-US" altLang="zh-CN" sz="2400" b="1" smtClean="0">
                 <a:latin typeface="Consolas" pitchFamily="49" charset="0"/>
                 <a:cs typeface="Consolas" pitchFamily="49" charset="0"/>
               </a:rPr>
@@ -12794,7 +13207,7 @@
               <a:t>("Hello</a:t>
             </a:r>
             <a:r>
-              <a:rPr kumimoji="0" lang="en-US" altLang="zh-CN" sz="2400" b="1" dirty="0">
+              <a:rPr kumimoji="0" lang="en-US" altLang="zh-CN" sz="2400" b="1" dirty="0" smtClean="0">
                 <a:latin typeface="Consolas" pitchFamily="49" charset="0"/>
                 <a:cs typeface="Consolas" pitchFamily="49" charset="0"/>
               </a:rPr>
@@ -12815,7 +13228,7 @@
               <a:tabLst/>
               <a:defRPr/>
             </a:pPr>
-            <a:endParaRPr kumimoji="0" lang="en-US" altLang="zh-CN" sz="2400" b="1" dirty="0">
+            <a:endParaRPr kumimoji="0" lang="en-US" altLang="zh-CN" sz="2400" b="1" dirty="0" smtClean="0">
               <a:latin typeface="Consolas" pitchFamily="49" charset="0"/>
               <a:cs typeface="Consolas" pitchFamily="49" charset="0"/>
             </a:endParaRPr>
@@ -12835,14 +13248,14 @@
               <a:defRPr/>
             </a:pPr>
             <a:r>
-              <a:rPr kumimoji="0" lang="en-US" altLang="zh-CN" sz="2400" b="1" dirty="0">
+              <a:rPr kumimoji="0" lang="en-US" altLang="zh-CN" sz="2400" b="1" dirty="0" smtClean="0">
                 <a:latin typeface="Consolas" pitchFamily="49" charset="0"/>
                 <a:cs typeface="Consolas" pitchFamily="49" charset="0"/>
               </a:rPr>
               <a:t>    </a:t>
             </a:r>
             <a:r>
-              <a:rPr kumimoji="0" lang="en-US" altLang="zh-CN" sz="2400" b="1" dirty="0">
+              <a:rPr kumimoji="0" lang="en-US" altLang="zh-CN" sz="2400" b="1" dirty="0" smtClean="0">
                 <a:solidFill>
                   <a:schemeClr val="tx1">
                     <a:lumMod val="60000"/>
@@ -12855,7 +13268,7 @@
               <a:t>return</a:t>
             </a:r>
             <a:r>
-              <a:rPr kumimoji="0" lang="en-US" altLang="zh-CN" sz="2400" b="1" dirty="0">
+              <a:rPr kumimoji="0" lang="en-US" altLang="zh-CN" sz="2400" b="1" dirty="0" smtClean="0">
                 <a:latin typeface="Consolas" pitchFamily="49" charset="0"/>
                 <a:cs typeface="Consolas" pitchFamily="49" charset="0"/>
               </a:rPr>
@@ -12877,13 +13290,13 @@
               <a:defRPr/>
             </a:pPr>
             <a:r>
-              <a:rPr kumimoji="0" lang="en-US" altLang="zh-CN" sz="2400" b="1" dirty="0">
+              <a:rPr kumimoji="0" lang="en-US" altLang="zh-CN" sz="2400" b="1" dirty="0" smtClean="0">
                 <a:latin typeface="Consolas" pitchFamily="49" charset="0"/>
                 <a:cs typeface="Consolas" pitchFamily="49" charset="0"/>
               </a:rPr>
               <a:t>}</a:t>
             </a:r>
-            <a:endParaRPr kumimoji="0" lang="zh-CN" altLang="en-US" sz="3600" b="1" dirty="0">
+            <a:endParaRPr kumimoji="0" lang="zh-CN" altLang="en-US" sz="3600" b="1" dirty="0" smtClean="0">
               <a:latin typeface="Consolas" pitchFamily="49" charset="0"/>
               <a:cs typeface="Consolas" pitchFamily="49" charset="0"/>
             </a:endParaRPr>
@@ -14226,7 +14639,14 @@
                 <a:latin typeface="Consolas" pitchFamily="49" charset="0"/>
                 <a:cs typeface="Consolas" pitchFamily="49" charset="0"/>
               </a:rPr>
-              <a:t> main(void)</a:t>
+              <a:t> </a:t>
+            </a:r>
+            <a:r>
+              <a:rPr kumimoji="0" lang="en-US" altLang="zh-CN" b="1" smtClean="0">
+                <a:latin typeface="Consolas" pitchFamily="49" charset="0"/>
+                <a:cs typeface="Consolas" pitchFamily="49" charset="0"/>
+              </a:rPr>
+              <a:t>main(void)</a:t>
             </a:r>
             <a:endParaRPr kumimoji="0" lang="en-US" altLang="zh-CN" b="1" dirty="0">
               <a:latin typeface="Consolas" pitchFamily="49" charset="0"/>
@@ -14250,18 +14670,32 @@
               <a:defRPr/>
             </a:pPr>
             <a:r>
-              <a:rPr kumimoji="0" lang="en-US" altLang="zh-CN" b="1">
+              <a:rPr kumimoji="0" lang="en-US" altLang="zh-CN" b="1" smtClean="0">
                 <a:latin typeface="Consolas" pitchFamily="49" charset="0"/>
                 <a:cs typeface="Consolas" pitchFamily="49" charset="0"/>
               </a:rPr>
-              <a:t>    printf</a:t>
+              <a:t>    printf(</a:t>
+            </a:r>
+            <a:r>
+              <a:rPr lang="en-US" altLang="zh-CN" b="1">
+                <a:latin typeface="Consolas" pitchFamily="49" charset="0"/>
+                <a:cs typeface="Consolas" pitchFamily="49" charset="0"/>
+              </a:rPr>
+              <a:t>"</a:t>
+            </a:r>
+            <a:r>
+              <a:rPr kumimoji="0" lang="en-US" altLang="zh-CN" b="1" smtClean="0">
+                <a:latin typeface="Consolas" pitchFamily="49" charset="0"/>
+                <a:cs typeface="Consolas" pitchFamily="49" charset="0"/>
+              </a:rPr>
+              <a:t>%d\n", </a:t>
             </a:r>
             <a:r>
               <a:rPr kumimoji="0" lang="en-US" altLang="zh-CN" b="1" dirty="0">
                 <a:latin typeface="Consolas" pitchFamily="49" charset="0"/>
                 <a:cs typeface="Consolas" pitchFamily="49" charset="0"/>
               </a:rPr>
-              <a:t>(“%d\n”, 1+1);</a:t>
+              <a:t>1+1);</a:t>
             </a:r>
           </a:p>
           <a:p>
@@ -14278,7 +14712,7 @@
               <a:defRPr/>
             </a:pPr>
             <a:r>
-              <a:rPr kumimoji="0" lang="en-US" altLang="zh-CN" b="1">
+              <a:rPr kumimoji="0" lang="en-US" altLang="zh-CN" b="1" smtClean="0">
                 <a:latin typeface="Consolas" pitchFamily="49" charset="0"/>
                 <a:cs typeface="Consolas" pitchFamily="49" charset="0"/>
               </a:rPr>
@@ -14522,12 +14956,16 @@
           <a:lstStyle/>
           <a:p>
             <a:r>
-              <a:rPr lang="zh-CN" altLang="en-US" sz="2400" b="1" dirty="0">
+              <a:rPr lang="zh-CN" altLang="en-US" sz="2400" b="1" dirty="0" smtClean="0">
                 <a:latin typeface="微软雅黑" pitchFamily="34" charset="-122"/>
                 <a:ea typeface="微软雅黑" pitchFamily="34" charset="-122"/>
               </a:rPr>
               <a:t>高级语言</a:t>
             </a:r>
+            <a:endParaRPr lang="zh-CN" altLang="en-US" sz="2400" b="1" dirty="0">
+              <a:latin typeface="微软雅黑" pitchFamily="34" charset="-122"/>
+              <a:ea typeface="微软雅黑" pitchFamily="34" charset="-122"/>
+            </a:endParaRPr>
           </a:p>
         </p:txBody>
       </p:sp>
@@ -14554,12 +14992,16 @@
           <a:lstStyle/>
           <a:p>
             <a:r>
-              <a:rPr lang="zh-CN" altLang="en-US" sz="2400" b="1" dirty="0">
+              <a:rPr lang="zh-CN" altLang="en-US" sz="2400" b="1" dirty="0" smtClean="0">
                 <a:latin typeface="微软雅黑" pitchFamily="34" charset="-122"/>
                 <a:ea typeface="微软雅黑" pitchFamily="34" charset="-122"/>
               </a:rPr>
               <a:t>机器语言</a:t>
             </a:r>
+            <a:endParaRPr lang="zh-CN" altLang="en-US" sz="2400" b="1" dirty="0">
+              <a:latin typeface="微软雅黑" pitchFamily="34" charset="-122"/>
+              <a:ea typeface="微软雅黑" pitchFamily="34" charset="-122"/>
+            </a:endParaRPr>
           </a:p>
         </p:txBody>
       </p:sp>
@@ -15292,12 +15734,23 @@
           <a:lstStyle/>
           <a:p>
             <a:r>
-              <a:rPr lang="zh-CN" altLang="en-US" sz="2800" dirty="0">
+              <a:rPr lang="zh-CN" altLang="en-US" sz="2800" dirty="0" smtClean="0">
                 <a:latin typeface="微软雅黑" pitchFamily="34" charset="-122"/>
                 <a:ea typeface="微软雅黑" pitchFamily="34" charset="-122"/>
               </a:rPr>
-              <a:t>编译器：人和计算机之间的“翻译”，把高级语言写成的源程序翻译成计算机能懂机器语言</a:t>
-            </a:r>
+              <a:t>编译器：人和计算机之间的“翻译”，把高级语言写成的源程序翻译成计算机</a:t>
+            </a:r>
+            <a:r>
+              <a:rPr lang="zh-CN" altLang="en-US" sz="2800" smtClean="0">
+                <a:latin typeface="微软雅黑" pitchFamily="34" charset="-122"/>
+                <a:ea typeface="微软雅黑" pitchFamily="34" charset="-122"/>
+              </a:rPr>
+              <a:t>能懂的机器语言</a:t>
+            </a:r>
+            <a:endParaRPr lang="zh-CN" altLang="en-US" sz="2800" dirty="0">
+              <a:latin typeface="微软雅黑" pitchFamily="34" charset="-122"/>
+              <a:ea typeface="微软雅黑" pitchFamily="34" charset="-122"/>
+            </a:endParaRPr>
           </a:p>
         </p:txBody>
       </p:sp>
@@ -16159,18 +16612,13 @@
             <p:ph type="title"/>
           </p:nvPr>
         </p:nvSpPr>
-        <p:spPr>
-          <a:xfrm>
-            <a:off x="405781" y="332656"/>
-            <a:ext cx="3498438" cy="504056"/>
-          </a:xfrm>
-        </p:spPr>
+        <p:spPr/>
         <p:txBody>
           <a:bodyPr/>
           <a:lstStyle/>
           <a:p>
             <a:r>
-              <a:rPr lang="zh-CN" altLang="en-US" b="1" dirty="0"/>
+              <a:rPr lang="zh-CN" altLang="en-US" b="1"/>
               <a:t>程序的执行过程</a:t>
             </a:r>
           </a:p>
@@ -16446,7 +16894,7 @@
                 </a:spcAft>
               </a:pPr>
               <a:r>
-                <a:rPr lang="zh-CN" altLang="en-US" sz="1800" b="1" kern="1200" dirty="0">
+                <a:rPr lang="zh-CN" altLang="en-US" sz="1800" b="1" kern="1200" dirty="0" smtClean="0">
                   <a:solidFill>
                     <a:schemeClr val="bg1"/>
                   </a:solidFill>
@@ -16455,6 +16903,13 @@
                 </a:rPr>
                 <a:t>运行结果</a:t>
               </a:r>
+              <a:endParaRPr lang="zh-CN" altLang="en-US" sz="1800" b="1" kern="1200" dirty="0">
+                <a:solidFill>
+                  <a:schemeClr val="bg1"/>
+                </a:solidFill>
+                <a:latin typeface="微软雅黑" pitchFamily="34" charset="-122"/>
+                <a:ea typeface="微软雅黑" pitchFamily="34" charset="-122"/>
+              </a:endParaRPr>
             </a:p>
           </p:txBody>
         </p:sp>
@@ -16482,7 +16937,7 @@
           <a:lstStyle/>
           <a:p>
             <a:r>
-              <a:rPr lang="en-US" altLang="zh-CN" dirty="0">
+              <a:rPr lang="en-US" altLang="zh-CN" dirty="0" smtClean="0">
                 <a:latin typeface="微软雅黑" pitchFamily="34" charset="-122"/>
                 <a:ea typeface="微软雅黑" pitchFamily="34" charset="-122"/>
               </a:rPr>
@@ -16518,7 +16973,7 @@
           <a:lstStyle/>
           <a:p>
             <a:r>
-              <a:rPr lang="en-US" altLang="zh-CN" dirty="0">
+              <a:rPr lang="en-US" altLang="zh-CN" dirty="0" smtClean="0">
                 <a:latin typeface="微软雅黑" pitchFamily="34" charset="-122"/>
                 <a:ea typeface="微软雅黑" pitchFamily="34" charset="-122"/>
               </a:rPr>
@@ -16554,7 +17009,7 @@
           <a:lstStyle/>
           <a:p>
             <a:r>
-              <a:rPr lang="en-US" altLang="zh-CN" dirty="0">
+              <a:rPr lang="en-US" altLang="zh-CN" dirty="0" smtClean="0">
                 <a:latin typeface="微软雅黑" pitchFamily="34" charset="-122"/>
                 <a:ea typeface="微软雅黑" pitchFamily="34" charset="-122"/>
               </a:rPr>
@@ -16590,7 +17045,7 @@
           <a:lstStyle/>
           <a:p>
             <a:r>
-              <a:rPr lang="en-US" altLang="zh-CN" dirty="0">
+              <a:rPr lang="en-US" altLang="zh-CN" dirty="0" smtClean="0">
                 <a:latin typeface="微软雅黑" pitchFamily="34" charset="-122"/>
                 <a:ea typeface="微软雅黑" pitchFamily="34" charset="-122"/>
               </a:rPr>
@@ -16616,6 +17071,13 @@
   <p:transition spd="med">
     <p:fade/>
   </p:transition>
+  <p:timing>
+    <p:tnLst>
+      <p:par>
+        <p:cTn id="1" dur="indefinite" restart="never" nodeType="tmRoot"/>
+      </p:par>
+    </p:tnLst>
+  </p:timing>
 </p:sld>
 </file>
 
@@ -18808,35 +19270,49 @@
                 <a:latin typeface="微软雅黑" pitchFamily="34" charset="-122"/>
                 <a:ea typeface="微软雅黑" pitchFamily="34" charset="-122"/>
               </a:rPr>
-              <a:t>：调试</a:t>
-            </a:r>
-            <a:r>
-              <a:rPr lang="en-US" altLang="zh-CN" sz="2400" dirty="0">
+              <a:t>：</a:t>
+            </a:r>
+            <a:r>
+              <a:rPr lang="zh-CN" altLang="en-US" sz="2400" dirty="0" smtClean="0">
                 <a:latin typeface="微软雅黑" pitchFamily="34" charset="-122"/>
                 <a:ea typeface="微软雅黑" pitchFamily="34" charset="-122"/>
               </a:rPr>
-              <a:t>(</a:t>
-            </a:r>
-            <a:r>
-              <a:rPr lang="en-US" altLang="zh-CN" sz="2400" b="1" dirty="0">
+              <a:t>调试</a:t>
+            </a:r>
+            <a:r>
+              <a:rPr lang="en-US" altLang="zh-CN" sz="2400" dirty="0" smtClean="0">
                 <a:latin typeface="微软雅黑" pitchFamily="34" charset="-122"/>
                 <a:ea typeface="微软雅黑" pitchFamily="34" charset="-122"/>
               </a:rPr>
-              <a:t>debug</a:t>
-            </a:r>
-            <a:r>
-              <a:rPr lang="en-US" altLang="zh-CN" sz="2400" dirty="0">
+              <a:t>(</a:t>
+            </a:r>
+            <a:r>
+              <a:rPr lang="en-US" altLang="zh-CN" sz="2400" b="1" dirty="0" smtClean="0">
                 <a:latin typeface="微软雅黑" pitchFamily="34" charset="-122"/>
                 <a:ea typeface="微软雅黑" pitchFamily="34" charset="-122"/>
               </a:rPr>
+              <a:t>debug</a:t>
+            </a:r>
+            <a:r>
+              <a:rPr lang="en-US" altLang="zh-CN" sz="2400" dirty="0" smtClean="0">
+                <a:latin typeface="微软雅黑" pitchFamily="34" charset="-122"/>
+                <a:ea typeface="微软雅黑" pitchFamily="34" charset="-122"/>
+              </a:rPr>
               <a:t>)</a:t>
+            </a:r>
+            <a:r>
+              <a:rPr lang="zh-CN" altLang="en-US" sz="2400" dirty="0" smtClean="0">
+                <a:latin typeface="微软雅黑" pitchFamily="34" charset="-122"/>
+                <a:ea typeface="微软雅黑" pitchFamily="34" charset="-122"/>
+              </a:rPr>
+              <a:t>也</a:t>
             </a:r>
             <a:r>
               <a:rPr lang="zh-CN" altLang="en-US" sz="2400" dirty="0">
                 <a:latin typeface="微软雅黑" pitchFamily="34" charset="-122"/>
                 <a:ea typeface="微软雅黑" pitchFamily="34" charset="-122"/>
               </a:rPr>
-              <a:t>也是一个环节，但对于个别小程序来讲，调试不是必须的过程。</a:t>
+              <a:t>是一个环节，但对于个别小程序来讲，调试不是必须的过程。</a:t>
             </a:r>
           </a:p>
         </p:txBody>
@@ -18998,7 +19474,14 @@
                 <a:latin typeface="微软雅黑" pitchFamily="34" charset="-122"/>
                 <a:ea typeface="微软雅黑" pitchFamily="34" charset="-122"/>
               </a:rPr>
-              <a:t>链接所</a:t>
+              <a:t>链接</a:t>
+            </a:r>
+            <a:r>
+              <a:rPr lang="zh-CN" altLang="en-US" b="1" smtClean="0">
+                <a:latin typeface="微软雅黑" pitchFamily="34" charset="-122"/>
+                <a:ea typeface="微软雅黑" pitchFamily="34" charset="-122"/>
+              </a:rPr>
+              <a:t>所</a:t>
             </a:r>
             <a:r>
               <a:rPr lang="zh-CN" altLang="en-US" b="1" dirty="0">
@@ -19789,10 +20272,17 @@
                 <a:latin typeface="微软雅黑" pitchFamily="34" charset="-122"/>
                 <a:ea typeface="微软雅黑" pitchFamily="34" charset="-122"/>
               </a:rPr>
-              <a:t>Studio 2012</a:t>
-            </a:r>
-            <a:r>
-              <a:rPr lang="zh-CN" altLang="en-US" b="1">
+              <a:t>Studio </a:t>
+            </a:r>
+            <a:r>
+              <a:rPr lang="en-US" altLang="zh-CN" b="1" smtClean="0">
+                <a:latin typeface="微软雅黑" pitchFamily="34" charset="-122"/>
+                <a:ea typeface="微软雅黑" pitchFamily="34" charset="-122"/>
+              </a:rPr>
+              <a:t>2012</a:t>
+            </a:r>
+            <a:r>
+              <a:rPr lang="zh-CN" altLang="en-US" b="1" smtClean="0">
                 <a:latin typeface="微软雅黑" pitchFamily="34" charset="-122"/>
                 <a:ea typeface="微软雅黑" pitchFamily="34" charset="-122"/>
               </a:rPr>
@@ -19845,19 +20335,23 @@
           <a:p>
             <a:pPr eaLnBrk="0" hangingPunct="0"/>
             <a:r>
-              <a:rPr lang="en-US" altLang="zh-CN" b="1" dirty="0">
+              <a:rPr lang="en-US" altLang="zh-CN" b="1" dirty="0" smtClean="0">
                 <a:latin typeface="微软雅黑" pitchFamily="34" charset="-122"/>
                 <a:ea typeface="微软雅黑" pitchFamily="34" charset="-122"/>
               </a:rPr>
               <a:t>C</a:t>
             </a:r>
             <a:r>
-              <a:rPr lang="zh-CN" altLang="en-US" b="1" dirty="0">
+              <a:rPr lang="zh-CN" altLang="en-US" b="1" dirty="0" smtClean="0">
                 <a:latin typeface="微软雅黑" pitchFamily="34" charset="-122"/>
                 <a:ea typeface="微软雅黑" pitchFamily="34" charset="-122"/>
               </a:rPr>
               <a:t>程序详解</a:t>
             </a:r>
+            <a:endParaRPr lang="zh-CN" altLang="en-US" b="1" dirty="0">
+              <a:latin typeface="微软雅黑" pitchFamily="34" charset="-122"/>
+              <a:ea typeface="微软雅黑" pitchFamily="34" charset="-122"/>
+            </a:endParaRPr>
           </a:p>
         </p:txBody>
       </p:sp>
@@ -19898,26 +20392,30 @@
           <a:p>
             <a:pPr eaLnBrk="0" hangingPunct="0"/>
             <a:r>
-              <a:rPr lang="zh-CN" altLang="en-US" b="1" dirty="0">
+              <a:rPr lang="zh-CN" altLang="en-US" b="1" dirty="0" smtClean="0">
                 <a:latin typeface="微软雅黑" pitchFamily="34" charset="-122"/>
                 <a:ea typeface="微软雅黑" pitchFamily="34" charset="-122"/>
               </a:rPr>
               <a:t>初识</a:t>
             </a:r>
             <a:r>
-              <a:rPr lang="en-US" altLang="zh-CN" b="1" dirty="0">
+              <a:rPr lang="en-US" altLang="zh-CN" b="1" dirty="0" smtClean="0">
                 <a:latin typeface="微软雅黑" pitchFamily="34" charset="-122"/>
                 <a:ea typeface="微软雅黑" pitchFamily="34" charset="-122"/>
               </a:rPr>
               <a:t>C</a:t>
             </a:r>
             <a:r>
-              <a:rPr lang="zh-CN" altLang="en-US" b="1" dirty="0">
+              <a:rPr lang="zh-CN" altLang="en-US" b="1" dirty="0" smtClean="0">
                 <a:latin typeface="微软雅黑" pitchFamily="34" charset="-122"/>
                 <a:ea typeface="微软雅黑" pitchFamily="34" charset="-122"/>
               </a:rPr>
               <a:t>程序</a:t>
             </a:r>
+            <a:endParaRPr lang="zh-CN" altLang="en-US" b="1" dirty="0">
+              <a:latin typeface="微软雅黑" pitchFamily="34" charset="-122"/>
+              <a:ea typeface="微软雅黑" pitchFamily="34" charset="-122"/>
+            </a:endParaRPr>
           </a:p>
         </p:txBody>
       </p:sp>
@@ -21359,7 +21857,7 @@
               <a:defRPr/>
             </a:pPr>
             <a:r>
-              <a:rPr lang="en-US" altLang="zh-CN" sz="2000" b="1" dirty="0">
+              <a:rPr lang="en-US" altLang="zh-CN" sz="2000" b="1" dirty="0" smtClean="0">
                 <a:latin typeface="Consolas" pitchFamily="49" charset="0"/>
                 <a:cs typeface="Consolas" pitchFamily="49" charset="0"/>
               </a:rPr>
@@ -21381,27 +21879,27 @@
               <a:defRPr/>
             </a:pPr>
             <a:r>
-              <a:rPr lang="zh-CN" altLang="en-US" sz="2000" b="1">
+              <a:rPr lang="zh-CN" altLang="en-US" sz="2000" b="1" smtClean="0">
                 <a:latin typeface="Consolas" pitchFamily="49" charset="0"/>
                 <a:cs typeface="Consolas" pitchFamily="49" charset="0"/>
               </a:rPr>
               <a:t> 功能</a:t>
             </a:r>
             <a:r>
-              <a:rPr lang="en-US" altLang="zh-CN" sz="2000" b="1" dirty="0">
+              <a:rPr lang="en-US" altLang="zh-CN" sz="2000" b="1" dirty="0" smtClean="0">
                 <a:latin typeface="Consolas" pitchFamily="49" charset="0"/>
                 <a:cs typeface="Consolas" pitchFamily="49" charset="0"/>
               </a:rPr>
               <a:t>: Hello world!</a:t>
             </a:r>
             <a:r>
-              <a:rPr lang="zh-CN" altLang="en-US" sz="2000" b="1" dirty="0">
+              <a:rPr lang="zh-CN" altLang="en-US" sz="2000" b="1" dirty="0" smtClean="0">
                 <a:latin typeface="Consolas" pitchFamily="49" charset="0"/>
                 <a:cs typeface="Consolas" pitchFamily="49" charset="0"/>
               </a:rPr>
               <a:t>程序</a:t>
             </a:r>
-            <a:endParaRPr lang="en-US" altLang="zh-CN" sz="2000" b="1" dirty="0">
+            <a:endParaRPr lang="en-US" altLang="zh-CN" sz="2000" b="1" dirty="0" smtClean="0">
               <a:latin typeface="Consolas" pitchFamily="49" charset="0"/>
               <a:cs typeface="Consolas" pitchFamily="49" charset="0"/>
             </a:endParaRPr>
@@ -21421,20 +21919,20 @@
               <a:defRPr/>
             </a:pPr>
             <a:r>
-              <a:rPr lang="zh-CN" altLang="en-US" sz="2000" b="1" dirty="0">
+              <a:rPr lang="zh-CN" altLang="en-US" sz="2000" b="1" dirty="0" smtClean="0">
                 <a:latin typeface="Consolas" pitchFamily="49" charset="0"/>
                 <a:cs typeface="Consolas" pitchFamily="49" charset="0"/>
               </a:rPr>
               <a:t> 日期</a:t>
             </a:r>
             <a:r>
-              <a:rPr lang="en-US" altLang="zh-CN" sz="2000" b="1">
+              <a:rPr lang="en-US" altLang="zh-CN" sz="2000" b="1" smtClean="0">
                 <a:latin typeface="Consolas" pitchFamily="49" charset="0"/>
                 <a:cs typeface="Consolas" pitchFamily="49" charset="0"/>
               </a:rPr>
-              <a:t>: 2015.10</a:t>
-            </a:r>
-            <a:endParaRPr lang="en-US" altLang="zh-CN" sz="2000" b="1" dirty="0">
+              <a:t>: 2017.10</a:t>
+            </a:r>
+            <a:endParaRPr lang="en-US" altLang="zh-CN" sz="2000" b="1" dirty="0" smtClean="0">
               <a:latin typeface="Consolas" pitchFamily="49" charset="0"/>
               <a:cs typeface="Consolas" pitchFamily="49" charset="0"/>
             </a:endParaRPr>
@@ -21454,7 +21952,7 @@
               <a:defRPr/>
             </a:pPr>
             <a:r>
-              <a:rPr lang="en-US" altLang="zh-CN" sz="2000" b="1" dirty="0">
+              <a:rPr lang="en-US" altLang="zh-CN" sz="2000" b="1" dirty="0" smtClean="0">
                 <a:latin typeface="Consolas" pitchFamily="49" charset="0"/>
                 <a:cs typeface="Consolas" pitchFamily="49" charset="0"/>
               </a:rPr>
@@ -21475,7 +21973,7 @@
               <a:tabLst/>
               <a:defRPr/>
             </a:pPr>
-            <a:endParaRPr lang="en-US" altLang="zh-CN" sz="1200" b="1" dirty="0">
+            <a:endParaRPr lang="en-US" altLang="zh-CN" sz="1200" b="1" dirty="0" smtClean="0">
               <a:latin typeface="Consolas" pitchFamily="49" charset="0"/>
               <a:cs typeface="Consolas" pitchFamily="49" charset="0"/>
             </a:endParaRPr>
@@ -21495,21 +21993,21 @@
               <a:defRPr/>
             </a:pPr>
             <a:r>
-              <a:rPr kumimoji="0" lang="en-US" altLang="zh-CN" sz="2400" b="1" dirty="0">
+              <a:rPr kumimoji="0" lang="en-US" altLang="zh-CN" sz="2400" b="1" dirty="0" smtClean="0">
                 <a:latin typeface="Consolas" pitchFamily="49" charset="0"/>
                 <a:cs typeface="Consolas" pitchFamily="49" charset="0"/>
               </a:rPr>
               <a:t>#include &lt;</a:t>
             </a:r>
             <a:r>
-              <a:rPr kumimoji="0" lang="en-US" altLang="zh-CN" sz="2400" b="1" dirty="0" err="1">
+              <a:rPr kumimoji="0" lang="en-US" altLang="zh-CN" sz="2400" b="1" dirty="0" err="1" smtClean="0">
                 <a:latin typeface="Consolas" pitchFamily="49" charset="0"/>
                 <a:cs typeface="Consolas" pitchFamily="49" charset="0"/>
               </a:rPr>
               <a:t>stdio.h</a:t>
             </a:r>
             <a:r>
-              <a:rPr kumimoji="0" lang="en-US" altLang="zh-CN" sz="2400" b="1" dirty="0">
+              <a:rPr kumimoji="0" lang="en-US" altLang="zh-CN" sz="2400" b="1" dirty="0" smtClean="0">
                 <a:latin typeface="Consolas" pitchFamily="49" charset="0"/>
                 <a:cs typeface="Consolas" pitchFamily="49" charset="0"/>
               </a:rPr>
@@ -21530,7 +22028,7 @@
               <a:tabLst/>
               <a:defRPr/>
             </a:pPr>
-            <a:endParaRPr kumimoji="0" lang="en-US" altLang="zh-CN" sz="2400" b="1" dirty="0">
+            <a:endParaRPr kumimoji="0" lang="en-US" altLang="zh-CN" sz="2400" b="1" dirty="0" smtClean="0">
               <a:latin typeface="Consolas" pitchFamily="49" charset="0"/>
               <a:cs typeface="Consolas" pitchFamily="49" charset="0"/>
             </a:endParaRPr>
@@ -21550,7 +22048,7 @@
               <a:defRPr/>
             </a:pPr>
             <a:r>
-              <a:rPr kumimoji="0" lang="en-US" altLang="zh-CN" sz="2400" b="1" dirty="0" err="1">
+              <a:rPr kumimoji="0" lang="en-US" altLang="zh-CN" sz="2400" b="1" dirty="0" err="1" smtClean="0">
                 <a:solidFill>
                   <a:schemeClr val="accent4">
                     <a:lumMod val="50000"/>
@@ -21563,14 +22061,14 @@
               <a:t>int</a:t>
             </a:r>
             <a:r>
-              <a:rPr kumimoji="0" lang="en-US" altLang="zh-CN" sz="2400" b="1" dirty="0">
+              <a:rPr kumimoji="0" lang="en-US" altLang="zh-CN" sz="2400" b="1" dirty="0" smtClean="0">
                 <a:latin typeface="Consolas" pitchFamily="49" charset="0"/>
                 <a:cs typeface="Consolas" pitchFamily="49" charset="0"/>
               </a:rPr>
               <a:t> main(</a:t>
             </a:r>
             <a:r>
-              <a:rPr lang="en-US" altLang="zh-CN" sz="2400" b="1" dirty="0">
+              <a:rPr lang="en-US" altLang="zh-CN" sz="2400" b="1" dirty="0" smtClean="0">
                 <a:solidFill>
                   <a:schemeClr val="accent4">
                     <a:lumMod val="50000"/>
@@ -21583,7 +22081,7 @@
               <a:t>void</a:t>
             </a:r>
             <a:r>
-              <a:rPr kumimoji="0" lang="en-US" altLang="zh-CN" sz="2400" b="1" dirty="0">
+              <a:rPr kumimoji="0" lang="en-US" altLang="zh-CN" sz="2400" b="1" dirty="0" smtClean="0">
                 <a:latin typeface="Consolas" pitchFamily="49" charset="0"/>
                 <a:cs typeface="Consolas" pitchFamily="49" charset="0"/>
               </a:rPr>
@@ -21605,7 +22103,7 @@
               <a:defRPr/>
             </a:pPr>
             <a:r>
-              <a:rPr kumimoji="0" lang="en-US" altLang="zh-CN" sz="2400" b="1" dirty="0">
+              <a:rPr kumimoji="0" lang="en-US" altLang="zh-CN" sz="2400" b="1" dirty="0" smtClean="0">
                 <a:latin typeface="Consolas" pitchFamily="49" charset="0"/>
                 <a:cs typeface="Consolas" pitchFamily="49" charset="0"/>
               </a:rPr>
@@ -21627,41 +22125,55 @@
               <a:defRPr/>
             </a:pPr>
             <a:r>
-              <a:rPr kumimoji="0" lang="en-US" altLang="zh-CN" sz="2400" b="1">
+              <a:rPr kumimoji="0" lang="en-US" altLang="zh-CN" sz="2400" b="1" smtClean="0">
                 <a:latin typeface="Consolas" pitchFamily="49" charset="0"/>
                 <a:cs typeface="Consolas" pitchFamily="49" charset="0"/>
               </a:rPr>
-              <a:t>    printf("hello</a:t>
-            </a:r>
-            <a:r>
-              <a:rPr kumimoji="0" lang="en-US" altLang="zh-CN" sz="2400" b="1" dirty="0">
+              <a:t>    printf(</a:t>
+            </a:r>
+            <a:r>
+              <a:rPr lang="en-US" altLang="zh-CN" sz="2400" b="1">
                 <a:latin typeface="Consolas" pitchFamily="49" charset="0"/>
                 <a:cs typeface="Consolas" pitchFamily="49" charset="0"/>
               </a:rPr>
-              <a:t>, world</a:t>
-            </a:r>
-            <a:r>
-              <a:rPr kumimoji="0" lang="en-US" altLang="zh-CN" sz="2400" b="1">
+              <a:t>"</a:t>
+            </a:r>
+            <a:r>
+              <a:rPr kumimoji="0" lang="en-US" altLang="zh-CN" sz="2400" b="1" smtClean="0">
                 <a:latin typeface="Consolas" pitchFamily="49" charset="0"/>
                 <a:cs typeface="Consolas" pitchFamily="49" charset="0"/>
               </a:rPr>
-              <a:t>!\n"); </a:t>
-            </a:r>
-            <a:r>
-              <a:rPr lang="en-US" altLang="zh-CN" sz="2000" b="1" dirty="0">
+              <a:t>hello</a:t>
+            </a:r>
+            <a:r>
+              <a:rPr kumimoji="0" lang="en-US" altLang="zh-CN" sz="2400" b="1" dirty="0" smtClean="0">
                 <a:latin typeface="Consolas" pitchFamily="49" charset="0"/>
                 <a:cs typeface="Consolas" pitchFamily="49" charset="0"/>
               </a:rPr>
-              <a:t>//</a:t>
-            </a:r>
-            <a:r>
-              <a:rPr lang="zh-CN" altLang="en-US" sz="2000" b="1" dirty="0">
+              <a:t>, world</a:t>
+            </a:r>
+            <a:r>
+              <a:rPr kumimoji="0" lang="en-US" altLang="zh-CN" sz="2400" b="1" smtClean="0">
                 <a:latin typeface="Consolas" pitchFamily="49" charset="0"/>
                 <a:cs typeface="Consolas" pitchFamily="49" charset="0"/>
               </a:rPr>
+              <a:t>!\n"); </a:t>
+            </a:r>
+            <a:r>
+              <a:rPr lang="en-US" altLang="zh-CN" sz="2000" b="1" dirty="0" smtClean="0">
+                <a:latin typeface="Consolas" pitchFamily="49" charset="0"/>
+                <a:cs typeface="Consolas" pitchFamily="49" charset="0"/>
+              </a:rPr>
+              <a:t>//</a:t>
+            </a:r>
+            <a:r>
+              <a:rPr lang="zh-CN" altLang="en-US" sz="2000" b="1" dirty="0" smtClean="0">
+                <a:latin typeface="Consolas" pitchFamily="49" charset="0"/>
+                <a:cs typeface="Consolas" pitchFamily="49" charset="0"/>
+              </a:rPr>
               <a:t>显示函数</a:t>
             </a:r>
-            <a:endParaRPr kumimoji="0" lang="en-US" altLang="zh-CN" sz="2400" b="1" dirty="0">
+            <a:endParaRPr kumimoji="0" lang="en-US" altLang="zh-CN" sz="2400" b="1" dirty="0" smtClean="0">
               <a:latin typeface="Consolas" pitchFamily="49" charset="0"/>
               <a:cs typeface="Consolas" pitchFamily="49" charset="0"/>
             </a:endParaRPr>
@@ -21680,7 +22192,7 @@
               <a:tabLst/>
               <a:defRPr/>
             </a:pPr>
-            <a:endParaRPr kumimoji="0" lang="en-US" altLang="zh-CN" sz="2400" b="1" dirty="0">
+            <a:endParaRPr kumimoji="0" lang="en-US" altLang="zh-CN" sz="2400" b="1" dirty="0" smtClean="0">
               <a:latin typeface="Consolas" pitchFamily="49" charset="0"/>
               <a:cs typeface="Consolas" pitchFamily="49" charset="0"/>
             </a:endParaRPr>
@@ -21700,14 +22212,14 @@
               <a:defRPr/>
             </a:pPr>
             <a:r>
-              <a:rPr kumimoji="0" lang="en-US" altLang="zh-CN" sz="2400" b="1" dirty="0">
+              <a:rPr kumimoji="0" lang="en-US" altLang="zh-CN" sz="2400" b="1" dirty="0" smtClean="0">
                 <a:latin typeface="Consolas" pitchFamily="49" charset="0"/>
                 <a:cs typeface="Consolas" pitchFamily="49" charset="0"/>
               </a:rPr>
               <a:t>    </a:t>
             </a:r>
             <a:r>
-              <a:rPr kumimoji="0" lang="en-US" altLang="zh-CN" sz="2400" b="1" dirty="0">
+              <a:rPr kumimoji="0" lang="en-US" altLang="zh-CN" sz="2400" b="1" dirty="0" smtClean="0">
                 <a:solidFill>
                   <a:schemeClr val="accent4">
                     <a:lumMod val="50000"/>
@@ -21720,7 +22232,7 @@
               <a:t>return</a:t>
             </a:r>
             <a:r>
-              <a:rPr kumimoji="0" lang="en-US" altLang="zh-CN" sz="2400" b="1" dirty="0">
+              <a:rPr kumimoji="0" lang="en-US" altLang="zh-CN" sz="2400" b="1" dirty="0" smtClean="0">
                 <a:latin typeface="Consolas" pitchFamily="49" charset="0"/>
                 <a:cs typeface="Consolas" pitchFamily="49" charset="0"/>
               </a:rPr>
@@ -21742,13 +22254,13 @@
               <a:defRPr/>
             </a:pPr>
             <a:r>
-              <a:rPr kumimoji="0" lang="en-US" altLang="zh-CN" sz="2400" b="1" dirty="0">
+              <a:rPr kumimoji="0" lang="en-US" altLang="zh-CN" sz="2400" b="1" dirty="0" smtClean="0">
                 <a:latin typeface="Consolas" pitchFamily="49" charset="0"/>
                 <a:cs typeface="Consolas" pitchFamily="49" charset="0"/>
               </a:rPr>
               <a:t>}</a:t>
             </a:r>
-            <a:endParaRPr kumimoji="0" lang="zh-CN" altLang="en-US" sz="3600" b="1" dirty="0">
+            <a:endParaRPr kumimoji="0" lang="zh-CN" altLang="en-US" sz="3600" b="1" dirty="0" smtClean="0">
               <a:latin typeface="Consolas" pitchFamily="49" charset="0"/>
               <a:cs typeface="Consolas" pitchFamily="49" charset="0"/>
             </a:endParaRPr>
@@ -21953,7 +22465,7 @@
           <a:lstStyle/>
           <a:p>
             <a:r>
-              <a:rPr lang="zh-CN" altLang="en-US" sz="2400" dirty="0">
+              <a:rPr lang="zh-CN" altLang="en-US" sz="2400" dirty="0" smtClean="0">
                 <a:solidFill>
                   <a:srgbClr val="FF0000"/>
                 </a:solidFill>
@@ -22162,7 +22674,7 @@
           <a:lstStyle/>
           <a:p>
             <a:r>
-              <a:rPr lang="zh-CN" altLang="en-US" sz="2400" dirty="0">
+              <a:rPr lang="zh-CN" altLang="en-US" sz="2400" dirty="0" smtClean="0">
                 <a:latin typeface="微软雅黑" pitchFamily="34" charset="-122"/>
                 <a:ea typeface="微软雅黑" pitchFamily="34" charset="-122"/>
                 <a:hlinkClick r:id="rId3" action="ppaction://hlinksldjump"/>
@@ -22307,7 +22819,7 @@
           <a:lstStyle/>
           <a:p>
             <a:r>
-              <a:rPr lang="zh-CN" altLang="en-US" sz="2400" dirty="0">
+              <a:rPr lang="zh-CN" altLang="en-US" sz="2400" dirty="0" smtClean="0">
                 <a:latin typeface="微软雅黑" pitchFamily="34" charset="-122"/>
                 <a:ea typeface="微软雅黑" pitchFamily="34" charset="-122"/>
                 <a:hlinkClick r:id="rId4" action="ppaction://hlinksldjump"/>
@@ -22361,14 +22873,14 @@
             <a:lstStyle/>
             <a:p>
               <a:r>
-                <a:rPr lang="zh-CN" altLang="en-US" sz="2400" dirty="0">
+                <a:rPr lang="zh-CN" altLang="en-US" sz="2400" dirty="0" smtClean="0">
                   <a:latin typeface="微软雅黑" pitchFamily="34" charset="-122"/>
                   <a:ea typeface="微软雅黑" pitchFamily="34" charset="-122"/>
                   <a:hlinkClick r:id="rId5" action="ppaction://hlinksldjump"/>
                 </a:rPr>
                 <a:t>头文件</a:t>
               </a:r>
-              <a:endParaRPr lang="zh-CN" altLang="en-US" sz="2400" dirty="0">
+              <a:endParaRPr lang="zh-CN" altLang="en-US" sz="2400" dirty="0" smtClean="0">
                 <a:latin typeface="微软雅黑" pitchFamily="34" charset="-122"/>
                 <a:ea typeface="微软雅黑" pitchFamily="34" charset="-122"/>
                 <a:hlinkClick r:id="rId3" action="ppaction://hlinksldjump"/>
@@ -24466,7 +24978,7 @@
           </a:lstStyle>
           <a:p>
             <a:r>
-              <a:rPr lang="zh-CN" altLang="en-US" dirty="0">
+              <a:rPr lang="zh-CN" altLang="en-US" smtClean="0">
                 <a:solidFill>
                   <a:srgbClr val="FF0000"/>
                 </a:solidFill>
@@ -24476,20 +24988,20 @@
               <a:t>单词</a:t>
             </a:r>
             <a:r>
-              <a:rPr lang="zh-CN" altLang="en-US" dirty="0">
+              <a:rPr lang="zh-CN" altLang="en-US" smtClean="0">
                 <a:latin typeface="微软雅黑" pitchFamily="34" charset="-122"/>
                 <a:ea typeface="微软雅黑" pitchFamily="34" charset="-122"/>
               </a:rPr>
               <a:t>：组成源文件的最小单位。包括：关键词、标识符、字面值、操作符和分隔符。</a:t>
             </a:r>
-            <a:endParaRPr lang="en-US" altLang="zh-CN" dirty="0">
+            <a:endParaRPr lang="en-US" altLang="zh-CN" smtClean="0">
               <a:latin typeface="微软雅黑" pitchFamily="34" charset="-122"/>
               <a:ea typeface="微软雅黑" pitchFamily="34" charset="-122"/>
             </a:endParaRPr>
           </a:p>
           <a:p>
             <a:r>
-              <a:rPr lang="zh-CN" altLang="en-US" dirty="0">
+              <a:rPr lang="zh-CN" altLang="en-US" smtClean="0">
                 <a:solidFill>
                   <a:srgbClr val="FF0000"/>
                 </a:solidFill>
@@ -24499,7 +25011,7 @@
               <a:t>关键词（</a:t>
             </a:r>
             <a:r>
-              <a:rPr lang="en-US" altLang="zh-CN" dirty="0">
+              <a:rPr lang="en-US" altLang="zh-CN" smtClean="0">
                 <a:solidFill>
                   <a:srgbClr val="FF0000"/>
                 </a:solidFill>
@@ -24509,7 +25021,7 @@
               <a:t>keyword</a:t>
             </a:r>
             <a:r>
-              <a:rPr lang="zh-CN" altLang="en-US" dirty="0">
+              <a:rPr lang="zh-CN" altLang="en-US" smtClean="0">
                 <a:solidFill>
                   <a:srgbClr val="FF0000"/>
                 </a:solidFill>
@@ -24519,12 +25031,16 @@
               <a:t>）</a:t>
             </a:r>
             <a:r>
-              <a:rPr lang="zh-CN" altLang="en-US" dirty="0">
+              <a:rPr lang="zh-CN" altLang="en-US" smtClean="0">
                 <a:latin typeface="微软雅黑" pitchFamily="34" charset="-122"/>
                 <a:ea typeface="微软雅黑" pitchFamily="34" charset="-122"/>
               </a:rPr>
               <a:t>：</a:t>
             </a:r>
+            <a:endParaRPr lang="zh-CN" altLang="en-US" dirty="0" smtClean="0">
+              <a:latin typeface="微软雅黑" pitchFamily="34" charset="-122"/>
+              <a:ea typeface="微软雅黑" pitchFamily="34" charset="-122"/>
+            </a:endParaRPr>
           </a:p>
         </p:txBody>
       </p:sp>
@@ -25292,13 +25808,13 @@
               <a:buChar char="u"/>
             </a:pPr>
             <a:r>
-              <a:rPr lang="zh-CN" altLang="en-US" sz="2400">
+              <a:rPr lang="zh-CN" altLang="en-US" sz="2400" smtClean="0">
                 <a:latin typeface="微软雅黑" pitchFamily="34" charset="-122"/>
                 <a:ea typeface="微软雅黑" pitchFamily="34" charset="-122"/>
               </a:rPr>
               <a:t>基本概念。</a:t>
             </a:r>
-            <a:endParaRPr lang="en-US" altLang="zh-CN" sz="2400">
+            <a:endParaRPr lang="en-US" altLang="zh-CN" sz="2400" smtClean="0">
               <a:latin typeface="微软雅黑" pitchFamily="34" charset="-122"/>
               <a:ea typeface="微软雅黑" pitchFamily="34" charset="-122"/>
             </a:endParaRPr>
@@ -25312,21 +25828,21 @@
               <a:buChar char="u"/>
             </a:pPr>
             <a:r>
-              <a:rPr lang="zh-CN" altLang="en-US" sz="2400">
+              <a:rPr lang="zh-CN" altLang="en-US" sz="2400" smtClean="0">
                 <a:latin typeface="微软雅黑" pitchFamily="34" charset="-122"/>
                 <a:ea typeface="微软雅黑" pitchFamily="34" charset="-122"/>
               </a:rPr>
               <a:t>掌握</a:t>
             </a:r>
             <a:r>
-              <a:rPr lang="en-US" altLang="zh-CN" sz="2400">
+              <a:rPr lang="en-US" altLang="zh-CN" sz="2400" smtClean="0">
                 <a:latin typeface="微软雅黑" pitchFamily="34" charset="-122"/>
                 <a:ea typeface="微软雅黑" pitchFamily="34" charset="-122"/>
               </a:rPr>
               <a:t>main</a:t>
             </a:r>
             <a:r>
-              <a:rPr lang="zh-CN" altLang="en-US" sz="2400">
+              <a:rPr lang="zh-CN" altLang="en-US" sz="2400" smtClean="0">
                 <a:latin typeface="微软雅黑" pitchFamily="34" charset="-122"/>
                 <a:ea typeface="微软雅黑" pitchFamily="34" charset="-122"/>
               </a:rPr>
@@ -25342,7 +25858,7 @@
               <a:buChar char="u"/>
             </a:pPr>
             <a:r>
-              <a:rPr lang="zh-CN" altLang="en-US" sz="2400">
+              <a:rPr lang="zh-CN" altLang="en-US" sz="2400" smtClean="0">
                 <a:latin typeface="微软雅黑" pitchFamily="34" charset="-122"/>
                 <a:ea typeface="微软雅黑" pitchFamily="34" charset="-122"/>
               </a:rPr>
@@ -25358,21 +25874,21 @@
               <a:buChar char="u"/>
             </a:pPr>
             <a:r>
-              <a:rPr lang="zh-CN" altLang="en-US" sz="2400">
+              <a:rPr lang="zh-CN" altLang="en-US" sz="2400" smtClean="0">
                 <a:latin typeface="微软雅黑" pitchFamily="34" charset="-122"/>
                 <a:ea typeface="微软雅黑" pitchFamily="34" charset="-122"/>
               </a:rPr>
               <a:t>认识</a:t>
             </a:r>
             <a:r>
-              <a:rPr lang="en-US" altLang="zh-CN" sz="2400">
+              <a:rPr lang="en-US" altLang="zh-CN" sz="2400" smtClean="0">
                 <a:latin typeface="微软雅黑" pitchFamily="34" charset="-122"/>
                 <a:ea typeface="微软雅黑" pitchFamily="34" charset="-122"/>
               </a:rPr>
               <a:t>c</a:t>
             </a:r>
             <a:r>
-              <a:rPr lang="zh-CN" altLang="en-US" sz="2400">
+              <a:rPr lang="zh-CN" altLang="en-US" sz="2400" smtClean="0">
                 <a:latin typeface="微软雅黑" pitchFamily="34" charset="-122"/>
                 <a:ea typeface="微软雅黑" pitchFamily="34" charset="-122"/>
               </a:rPr>
@@ -25388,7 +25904,7 @@
               <a:buChar char="u"/>
             </a:pPr>
             <a:r>
-              <a:rPr lang="zh-CN" altLang="en-US" sz="2400">
+              <a:rPr lang="zh-CN" altLang="en-US" sz="2400" smtClean="0">
                 <a:latin typeface="微软雅黑" pitchFamily="34" charset="-122"/>
                 <a:ea typeface="微软雅黑" pitchFamily="34" charset="-122"/>
               </a:rPr>
@@ -25404,21 +25920,21 @@
               <a:buChar char="u"/>
             </a:pPr>
             <a:r>
-              <a:rPr lang="zh-CN" altLang="en-US" sz="2400">
+              <a:rPr lang="zh-CN" altLang="en-US" sz="2400" smtClean="0">
                 <a:latin typeface="微软雅黑" pitchFamily="34" charset="-122"/>
                 <a:ea typeface="微软雅黑" pitchFamily="34" charset="-122"/>
               </a:rPr>
               <a:t>学会</a:t>
             </a:r>
             <a:r>
-              <a:rPr lang="en-US" altLang="zh-CN" sz="2400">
+              <a:rPr lang="en-US" altLang="zh-CN" sz="2400" smtClean="0">
                 <a:latin typeface="微软雅黑" pitchFamily="34" charset="-122"/>
                 <a:ea typeface="微软雅黑" pitchFamily="34" charset="-122"/>
               </a:rPr>
               <a:t>Visual Studio 2012</a:t>
             </a:r>
             <a:r>
-              <a:rPr lang="zh-CN" altLang="en-US" sz="2400">
+              <a:rPr lang="zh-CN" altLang="en-US" sz="2400" smtClean="0">
                 <a:latin typeface="微软雅黑" pitchFamily="34" charset="-122"/>
                 <a:ea typeface="微软雅黑" pitchFamily="34" charset="-122"/>
               </a:rPr>
@@ -25434,13 +25950,13 @@
               <a:buChar char="u"/>
             </a:pPr>
             <a:r>
-              <a:rPr lang="zh-CN" altLang="en-US" sz="2400">
+              <a:rPr lang="zh-CN" altLang="en-US" sz="2400" smtClean="0">
                 <a:latin typeface="微软雅黑" pitchFamily="34" charset="-122"/>
                 <a:ea typeface="微软雅黑" pitchFamily="34" charset="-122"/>
               </a:rPr>
-              <a:t>模仿例题编辑、编译、连接和运行另外一个程序。</a:t>
-            </a:r>
-            <a:endParaRPr lang="zh-CN" altLang="en-US" sz="2400" dirty="0">
+              <a:t>模仿例题编辑、编译、链接和运行另外一个程序。</a:t>
+            </a:r>
+            <a:endParaRPr lang="zh-CN" altLang="en-US" sz="2400" dirty="0" smtClean="0">
               <a:latin typeface="微软雅黑" pitchFamily="34" charset="-122"/>
               <a:ea typeface="微软雅黑" pitchFamily="34" charset="-122"/>
             </a:endParaRPr>
@@ -25460,6 +25976,13 @@
   <p:transition spd="med">
     <p:fade/>
   </p:transition>
+  <p:timing>
+    <p:tnLst>
+      <p:par>
+        <p:cTn id="1" dur="indefinite" restart="never" nodeType="tmRoot"/>
+      </p:par>
+    </p:tnLst>
+  </p:timing>
 </p:sld>
 </file>
 
@@ -25708,20 +26231,20 @@
           <a:lstStyle/>
           <a:p>
             <a:r>
-              <a:rPr lang="en-US" altLang="zh-CN" dirty="0">
+              <a:rPr lang="en-US" altLang="zh-CN" dirty="0" smtClean="0">
                 <a:latin typeface="微软雅黑" pitchFamily="34" charset="-122"/>
                 <a:ea typeface="微软雅黑" pitchFamily="34" charset="-122"/>
               </a:rPr>
               <a:t>main</a:t>
             </a:r>
             <a:r>
-              <a:rPr lang="zh-CN" altLang="en-US" dirty="0">
+              <a:rPr lang="zh-CN" altLang="en-US" dirty="0" smtClean="0">
                 <a:latin typeface="微软雅黑" pitchFamily="34" charset="-122"/>
                 <a:ea typeface="微软雅黑" pitchFamily="34" charset="-122"/>
               </a:rPr>
               <a:t>函数的一般形式：</a:t>
             </a:r>
-            <a:endParaRPr lang="en-US" altLang="zh-CN" dirty="0">
+            <a:endParaRPr lang="en-US" altLang="zh-CN" dirty="0" smtClean="0">
               <a:latin typeface="微软雅黑" pitchFamily="34" charset="-122"/>
               <a:ea typeface="微软雅黑" pitchFamily="34" charset="-122"/>
             </a:endParaRPr>
@@ -25729,7 +26252,7 @@
           <a:p>
             <a:pPr lvl="1"/>
             <a:r>
-              <a:rPr lang="en-US" altLang="zh-CN">
+              <a:rPr lang="en-US" altLang="zh-CN" smtClean="0">
                 <a:latin typeface="Consolas" pitchFamily="49" charset="0"/>
                 <a:ea typeface="微软雅黑" pitchFamily="34" charset="-122"/>
                 <a:cs typeface="Consolas" pitchFamily="49" charset="0"/>
@@ -25740,7 +26263,7 @@
           <a:p>
             <a:pPr lvl="1"/>
             <a:r>
-              <a:rPr lang="en-US" altLang="zh-CN">
+              <a:rPr lang="en-US" altLang="zh-CN" smtClean="0">
                 <a:latin typeface="Consolas" pitchFamily="49" charset="0"/>
                 <a:ea typeface="微软雅黑" pitchFamily="34" charset="-122"/>
                 <a:cs typeface="Consolas" pitchFamily="49" charset="0"/>
@@ -25751,7 +26274,7 @@
           <a:p>
             <a:pPr lvl="1"/>
             <a:r>
-              <a:rPr lang="en-US" altLang="zh-CN" b="1">
+              <a:rPr lang="en-US" altLang="zh-CN" b="1" smtClean="0">
                 <a:solidFill>
                   <a:srgbClr val="FF0000"/>
                 </a:solidFill>
@@ -25762,7 +26285,7 @@
               <a:t>int </a:t>
             </a:r>
             <a:r>
-              <a:rPr lang="en-US" altLang="zh-CN" b="1" dirty="0">
+              <a:rPr lang="en-US" altLang="zh-CN" b="1" dirty="0" smtClean="0">
                 <a:solidFill>
                   <a:srgbClr val="FF0000"/>
                 </a:solidFill>
@@ -25776,7 +26299,7 @@
           <a:p>
             <a:pPr lvl="1"/>
             <a:r>
-              <a:rPr lang="en-US" altLang="zh-CN" b="1" dirty="0" err="1">
+              <a:rPr lang="en-US" altLang="zh-CN" b="1" dirty="0" err="1" smtClean="0">
                 <a:solidFill>
                   <a:srgbClr val="FF0000"/>
                 </a:solidFill>
@@ -25787,7 +26310,7 @@
               <a:t>int</a:t>
             </a:r>
             <a:r>
-              <a:rPr lang="en-US" altLang="zh-CN" b="1" dirty="0">
+              <a:rPr lang="en-US" altLang="zh-CN" b="1" dirty="0" smtClean="0">
                 <a:solidFill>
                   <a:srgbClr val="FF0000"/>
                 </a:solidFill>
@@ -25798,7 +26321,7 @@
               <a:t> main(</a:t>
             </a:r>
             <a:r>
-              <a:rPr lang="en-US" altLang="zh-CN" b="1" dirty="0" err="1">
+              <a:rPr lang="en-US" altLang="zh-CN" b="1" dirty="0" err="1" smtClean="0">
                 <a:solidFill>
                   <a:srgbClr val="FF0000"/>
                 </a:solidFill>
@@ -25809,7 +26332,7 @@
               <a:t>int</a:t>
             </a:r>
             <a:r>
-              <a:rPr lang="en-US" altLang="zh-CN" b="1" dirty="0">
+              <a:rPr lang="en-US" altLang="zh-CN" b="1" dirty="0" smtClean="0">
                 <a:solidFill>
                   <a:srgbClr val="FF0000"/>
                 </a:solidFill>
@@ -25820,7 +26343,7 @@
               <a:t> </a:t>
             </a:r>
             <a:r>
-              <a:rPr lang="en-US" altLang="zh-CN" b="1" dirty="0" err="1">
+              <a:rPr lang="en-US" altLang="zh-CN" b="1" dirty="0" err="1" smtClean="0">
                 <a:solidFill>
                   <a:srgbClr val="FF0000"/>
                 </a:solidFill>
@@ -25831,7 +26354,7 @@
               <a:t>argc,char</a:t>
             </a:r>
             <a:r>
-              <a:rPr lang="en-US" altLang="zh-CN" b="1" dirty="0">
+              <a:rPr lang="en-US" altLang="zh-CN" b="1" dirty="0" smtClean="0">
                 <a:solidFill>
                   <a:srgbClr val="FF0000"/>
                 </a:solidFill>
@@ -25842,7 +26365,7 @@
               <a:t> *</a:t>
             </a:r>
             <a:r>
-              <a:rPr lang="en-US" altLang="zh-CN" b="1" dirty="0" err="1">
+              <a:rPr lang="en-US" altLang="zh-CN" b="1" dirty="0" err="1" smtClean="0">
                 <a:solidFill>
                   <a:srgbClr val="FF0000"/>
                 </a:solidFill>
@@ -25853,7 +26376,7 @@
               <a:t>argv</a:t>
             </a:r>
             <a:r>
-              <a:rPr lang="en-US" altLang="zh-CN" b="1" dirty="0">
+              <a:rPr lang="en-US" altLang="zh-CN" b="1" dirty="0" smtClean="0">
                 <a:solidFill>
                   <a:srgbClr val="FF0000"/>
                 </a:solidFill>
@@ -25866,21 +26389,21 @@
           </a:p>
           <a:p>
             <a:r>
-              <a:rPr lang="en-US" altLang="zh-CN" dirty="0">
+              <a:rPr lang="en-US" altLang="zh-CN" dirty="0" smtClean="0">
                 <a:latin typeface="微软雅黑" pitchFamily="34" charset="-122"/>
                 <a:ea typeface="微软雅黑" pitchFamily="34" charset="-122"/>
               </a:rPr>
               <a:t>main</a:t>
             </a:r>
             <a:r>
-              <a:rPr lang="zh-CN" altLang="en-US" dirty="0">
+              <a:rPr lang="zh-CN" altLang="en-US" dirty="0" smtClean="0">
                 <a:latin typeface="微软雅黑" pitchFamily="34" charset="-122"/>
                 <a:ea typeface="微软雅黑" pitchFamily="34" charset="-122"/>
               </a:rPr>
               <a:t>函数是可执行程序的</a:t>
             </a:r>
             <a:r>
-              <a:rPr lang="zh-CN" altLang="en-US" dirty="0">
+              <a:rPr lang="zh-CN" altLang="en-US" dirty="0" smtClean="0">
                 <a:solidFill>
                   <a:srgbClr val="FF0000"/>
                 </a:solidFill>
@@ -25890,41 +26413,41 @@
               <a:t>入口函数</a:t>
             </a:r>
             <a:r>
-              <a:rPr lang="zh-CN" altLang="en-US" dirty="0">
+              <a:rPr lang="zh-CN" altLang="en-US" dirty="0" smtClean="0">
                 <a:latin typeface="微软雅黑" pitchFamily="34" charset="-122"/>
                 <a:ea typeface="微软雅黑" pitchFamily="34" charset="-122"/>
               </a:rPr>
               <a:t>。</a:t>
             </a:r>
-            <a:endParaRPr lang="en-US" altLang="zh-CN" dirty="0">
+            <a:endParaRPr lang="en-US" altLang="zh-CN" dirty="0" smtClean="0">
               <a:latin typeface="微软雅黑" pitchFamily="34" charset="-122"/>
               <a:ea typeface="微软雅黑" pitchFamily="34" charset="-122"/>
             </a:endParaRPr>
           </a:p>
           <a:p>
             <a:r>
-              <a:rPr lang="zh-CN" altLang="en-US" dirty="0">
+              <a:rPr lang="zh-CN" altLang="en-US" dirty="0" smtClean="0">
                 <a:latin typeface="微软雅黑" pitchFamily="34" charset="-122"/>
                 <a:ea typeface="微软雅黑" pitchFamily="34" charset="-122"/>
               </a:rPr>
               <a:t>一个</a:t>
             </a:r>
             <a:r>
-              <a:rPr lang="en-US" altLang="zh-CN" dirty="0">
+              <a:rPr lang="en-US" altLang="zh-CN" dirty="0" smtClean="0">
                 <a:latin typeface="微软雅黑" pitchFamily="34" charset="-122"/>
                 <a:ea typeface="微软雅黑" pitchFamily="34" charset="-122"/>
               </a:rPr>
               <a:t>C</a:t>
             </a:r>
             <a:r>
-              <a:rPr lang="zh-CN" altLang="en-US" dirty="0">
+              <a:rPr lang="zh-CN" altLang="en-US" dirty="0" smtClean="0">
                 <a:latin typeface="微软雅黑" pitchFamily="34" charset="-122"/>
                 <a:ea typeface="微软雅黑" pitchFamily="34" charset="-122"/>
               </a:rPr>
               <a:t>程序</a:t>
             </a:r>
             <a:r>
-              <a:rPr lang="zh-CN" altLang="en-US" dirty="0">
+              <a:rPr lang="zh-CN" altLang="en-US" dirty="0" smtClean="0">
                 <a:solidFill>
                   <a:srgbClr val="FF0000"/>
                 </a:solidFill>
@@ -25934,27 +26457,27 @@
               <a:t>有且只有</a:t>
             </a:r>
             <a:r>
-              <a:rPr lang="zh-CN" altLang="en-US" dirty="0">
+              <a:rPr lang="zh-CN" altLang="en-US" dirty="0" smtClean="0">
                 <a:latin typeface="微软雅黑" pitchFamily="34" charset="-122"/>
                 <a:ea typeface="微软雅黑" pitchFamily="34" charset="-122"/>
               </a:rPr>
               <a:t>一个</a:t>
             </a:r>
             <a:r>
-              <a:rPr lang="en-US" altLang="zh-CN" dirty="0">
+              <a:rPr lang="en-US" altLang="zh-CN" dirty="0" smtClean="0">
                 <a:latin typeface="微软雅黑" pitchFamily="34" charset="-122"/>
                 <a:ea typeface="微软雅黑" pitchFamily="34" charset="-122"/>
               </a:rPr>
               <a:t>main</a:t>
             </a:r>
             <a:r>
-              <a:rPr lang="zh-CN" altLang="en-US" dirty="0">
+              <a:rPr lang="zh-CN" altLang="en-US" dirty="0" smtClean="0">
                 <a:latin typeface="微软雅黑" pitchFamily="34" charset="-122"/>
                 <a:ea typeface="微软雅黑" pitchFamily="34" charset="-122"/>
               </a:rPr>
               <a:t>函数。</a:t>
             </a:r>
-            <a:endParaRPr lang="en-US" altLang="zh-CN" dirty="0">
+            <a:endParaRPr lang="en-US" altLang="zh-CN" dirty="0" smtClean="0">
               <a:latin typeface="微软雅黑" pitchFamily="34" charset="-122"/>
               <a:ea typeface="微软雅黑" pitchFamily="34" charset="-122"/>
             </a:endParaRPr>
@@ -26269,7 +26792,7 @@
               <a:defRPr/>
             </a:pPr>
             <a:r>
-              <a:rPr kumimoji="0" lang="en-US" altLang="zh-CN" sz="3200" b="1" i="0" u="none" strike="noStrike" kern="1200" cap="none" spc="0" normalizeH="0" baseline="0" noProof="0" dirty="0">
+              <a:rPr kumimoji="0" lang="en-US" altLang="zh-CN" sz="3200" b="1" i="0" u="none" strike="noStrike" kern="1200" cap="none" spc="0" normalizeH="0" baseline="0" noProof="0" dirty="0" smtClean="0">
                 <a:ln>
                   <a:noFill/>
                 </a:ln>
@@ -26286,7 +26809,7 @@
               <a:t>#include &lt;</a:t>
             </a:r>
             <a:r>
-              <a:rPr kumimoji="0" lang="en-US" altLang="zh-CN" sz="3200" b="1" i="0" u="none" strike="noStrike" kern="1200" cap="none" spc="0" normalizeH="0" baseline="0" noProof="0" dirty="0" err="1">
+              <a:rPr kumimoji="0" lang="en-US" altLang="zh-CN" sz="3200" b="1" i="0" u="none" strike="noStrike" kern="1200" cap="none" spc="0" normalizeH="0" baseline="0" noProof="0" dirty="0" err="1" smtClean="0">
                 <a:ln>
                   <a:noFill/>
                 </a:ln>
@@ -26303,7 +26826,7 @@
               <a:t>stdio.h</a:t>
             </a:r>
             <a:r>
-              <a:rPr kumimoji="0" lang="en-US" altLang="zh-CN" sz="3200" b="1" i="0" u="none" strike="noStrike" kern="1200" cap="none" spc="0" normalizeH="0" baseline="0" noProof="0" dirty="0">
+              <a:rPr kumimoji="0" lang="en-US" altLang="zh-CN" sz="3200" b="1" i="0" u="none" strike="noStrike" kern="1200" cap="none" spc="0" normalizeH="0" baseline="0" noProof="0" smtClean="0">
                 <a:ln>
                   <a:noFill/>
                 </a:ln>
@@ -26320,12 +26843,15 @@
               <a:t>&gt; </a:t>
             </a:r>
             <a:r>
-              <a:rPr kumimoji="0" lang="en-US" altLang="zh-CN" sz="3200" i="0" u="none" strike="noStrike" kern="1200" cap="none" spc="0" normalizeH="0" baseline="0" noProof="0" dirty="0">
+              <a:rPr kumimoji="0" lang="en-US" altLang="zh-CN" sz="3200" i="0" u="none" strike="noStrike" kern="1200" cap="none" spc="0" normalizeH="0" baseline="0" noProof="0" smtClean="0">
                 <a:ln>
                   <a:noFill/>
                 </a:ln>
                 <a:solidFill>
-                  <a:srgbClr val="7030A0"/>
+                  <a:schemeClr val="tx2">
+                    <a:lumMod val="85000"/>
+                    <a:lumOff val="15000"/>
+                  </a:schemeClr>
                 </a:solidFill>
                 <a:effectLst/>
                 <a:uLnTx/>
@@ -26334,15 +26860,18 @@
                 <a:ea typeface="微软雅黑" pitchFamily="34" charset="-122"/>
                 <a:cs typeface="Consolas" pitchFamily="49" charset="0"/>
               </a:rPr>
-              <a:t>//</a:t>
-            </a:r>
-            <a:r>
-              <a:rPr kumimoji="0" lang="zh-CN" altLang="en-US" sz="3200" i="0" u="none" strike="noStrike" kern="1200" cap="none" spc="0" normalizeH="0" baseline="0" noProof="0" dirty="0">
+              <a:t>// </a:t>
+            </a:r>
+            <a:r>
+              <a:rPr kumimoji="0" lang="zh-CN" altLang="en-US" sz="3200" i="0" u="none" strike="noStrike" kern="1200" cap="none" spc="0" normalizeH="0" baseline="0" noProof="0" smtClean="0">
                 <a:ln>
                   <a:noFill/>
                 </a:ln>
                 <a:solidFill>
-                  <a:srgbClr val="7030A0"/>
+                  <a:schemeClr val="tx2">
+                    <a:lumMod val="85000"/>
+                    <a:lumOff val="15000"/>
+                  </a:schemeClr>
                 </a:solidFill>
                 <a:effectLst/>
                 <a:uLnTx/>
@@ -26351,14 +26880,37 @@
                 <a:ea typeface="微软雅黑" pitchFamily="34" charset="-122"/>
                 <a:cs typeface="Consolas" pitchFamily="49" charset="0"/>
               </a:rPr>
-              <a:t>预处理命令</a:t>
-            </a:r>
-            <a:endParaRPr kumimoji="0" lang="en-US" altLang="zh-CN" sz="3200" i="0" u="none" strike="noStrike" kern="1200" cap="none" spc="0" normalizeH="0" baseline="0" noProof="0" dirty="0">
+              <a:t>预处理</a:t>
+            </a:r>
+            <a:r>
+              <a:rPr kumimoji="0" lang="zh-CN" altLang="en-US" sz="3200" i="0" u="none" strike="noStrike" kern="1200" cap="none" spc="0" normalizeH="0" baseline="0" noProof="0" dirty="0" smtClean="0">
+                <a:ln>
+                  <a:noFill/>
+                </a:ln>
+                <a:solidFill>
+                  <a:schemeClr val="tx2">
+                    <a:lumMod val="85000"/>
+                    <a:lumOff val="15000"/>
+                  </a:schemeClr>
+                </a:solidFill>
+                <a:effectLst/>
+                <a:uLnTx/>
+                <a:uFillTx/>
+                <a:latin typeface="微软雅黑" pitchFamily="34" charset="-122"/>
+                <a:ea typeface="微软雅黑" pitchFamily="34" charset="-122"/>
+                <a:cs typeface="Consolas" pitchFamily="49" charset="0"/>
+              </a:rPr>
+              <a:t>命令</a:t>
+            </a:r>
+            <a:endParaRPr kumimoji="0" lang="en-US" altLang="zh-CN" sz="3200" i="0" u="none" strike="noStrike" kern="1200" cap="none" spc="0" normalizeH="0" baseline="0" noProof="0" dirty="0" smtClean="0">
               <a:ln>
                 <a:noFill/>
               </a:ln>
               <a:solidFill>
-                <a:srgbClr val="7030A0"/>
+                <a:schemeClr val="tx2">
+                  <a:lumMod val="85000"/>
+                  <a:lumOff val="15000"/>
+                </a:schemeClr>
               </a:solidFill>
               <a:effectLst/>
               <a:uLnTx/>
@@ -26386,7 +26938,7 @@
               <a:tabLst/>
               <a:defRPr/>
             </a:pPr>
-            <a:endParaRPr kumimoji="0" lang="en-US" altLang="zh-CN" sz="3200" b="0" i="0" u="none" strike="noStrike" kern="1200" cap="none" spc="0" normalizeH="0" baseline="0" noProof="0" dirty="0">
+            <a:endParaRPr kumimoji="0" lang="en-US" altLang="zh-CN" sz="3200" b="0" i="0" u="none" strike="noStrike" kern="1200" cap="none" spc="0" normalizeH="0" baseline="0" noProof="0" dirty="0" smtClean="0">
               <a:ln>
                 <a:noFill/>
               </a:ln>
@@ -26420,7 +26972,7 @@
               <a:defRPr/>
             </a:pPr>
             <a:r>
-              <a:rPr kumimoji="0" lang="en-US" altLang="zh-CN" sz="3200" b="1" i="0" u="none" strike="noStrike" kern="1200" cap="none" spc="0" normalizeH="0" baseline="0" noProof="0" dirty="0" err="1">
+              <a:rPr kumimoji="0" lang="en-US" altLang="zh-CN" sz="3200" b="1" i="0" u="none" strike="noStrike" kern="1200" cap="none" spc="0" normalizeH="0" baseline="0" noProof="0" dirty="0" err="1" smtClean="0">
                 <a:ln>
                   <a:noFill/>
                 </a:ln>
@@ -26437,7 +26989,7 @@
               <a:t>int</a:t>
             </a:r>
             <a:r>
-              <a:rPr kumimoji="0" lang="en-US" altLang="zh-CN" sz="3200" b="1" i="0" u="none" strike="noStrike" kern="1200" cap="none" spc="0" normalizeH="0" baseline="0" noProof="0" dirty="0">
+              <a:rPr kumimoji="0" lang="en-US" altLang="zh-CN" sz="3200" b="1" i="0" u="none" strike="noStrike" kern="1200" cap="none" spc="0" normalizeH="0" baseline="0" noProof="0" dirty="0" smtClean="0">
                 <a:ln>
                   <a:noFill/>
                 </a:ln>
@@ -26454,7 +27006,7 @@
               <a:t> main(void</a:t>
             </a:r>
             <a:r>
-              <a:rPr kumimoji="0" lang="en-US" altLang="zh-CN" sz="3200" b="1" i="0" u="none" strike="noStrike" kern="1200" cap="none" spc="0" normalizeH="0" baseline="0" noProof="0">
+              <a:rPr kumimoji="0" lang="en-US" altLang="zh-CN" sz="3200" b="1" i="0" u="none" strike="noStrike" kern="1200" cap="none" spc="0" normalizeH="0" baseline="0" noProof="0" smtClean="0">
                 <a:ln>
                   <a:noFill/>
                 </a:ln>
@@ -26471,7 +27023,7 @@
               <a:t>)     </a:t>
             </a:r>
             <a:r>
-              <a:rPr kumimoji="0" lang="en-US" altLang="zh-CN" sz="3200" b="0" i="0" u="none" strike="noStrike" kern="1200" cap="none" spc="0" normalizeH="0" baseline="0" noProof="0">
+              <a:rPr kumimoji="0" lang="en-US" altLang="zh-CN" sz="3200" b="0" i="0" u="none" strike="noStrike" kern="1200" cap="none" spc="0" normalizeH="0" baseline="0" noProof="0" smtClean="0">
                 <a:ln>
                   <a:noFill/>
                 </a:ln>
@@ -26485,10 +27037,10 @@
                 <a:ea typeface="微软雅黑" pitchFamily="34" charset="-122"/>
                 <a:cs typeface="Consolas" pitchFamily="49" charset="0"/>
               </a:rPr>
-              <a:t>//</a:t>
-            </a:r>
-            <a:r>
-              <a:rPr kumimoji="0" lang="zh-CN" altLang="en-US" sz="3200" b="0" i="0" u="none" strike="noStrike" kern="1200" cap="none" spc="0" normalizeH="0" baseline="0" noProof="0" dirty="0">
+              <a:t>// </a:t>
+            </a:r>
+            <a:r>
+              <a:rPr kumimoji="0" lang="zh-CN" altLang="en-US" sz="3200" b="0" i="0" u="none" strike="noStrike" kern="1200" cap="none" spc="0" normalizeH="0" baseline="0" noProof="0" smtClean="0">
                 <a:ln>
                   <a:noFill/>
                 </a:ln>
@@ -26502,9 +27054,26 @@
                 <a:ea typeface="微软雅黑" pitchFamily="34" charset="-122"/>
                 <a:cs typeface="Consolas" pitchFamily="49" charset="0"/>
               </a:rPr>
-              <a:t>主函数</a:t>
-            </a:r>
-            <a:endParaRPr kumimoji="0" lang="en-US" altLang="zh-CN" sz="3200" b="0" i="0" u="none" strike="noStrike" kern="1200" cap="none" spc="0" normalizeH="0" baseline="0" noProof="0" dirty="0">
+              <a:t>主</a:t>
+            </a:r>
+            <a:r>
+              <a:rPr kumimoji="0" lang="zh-CN" altLang="en-US" sz="3200" b="0" i="0" u="none" strike="noStrike" kern="1200" cap="none" spc="0" normalizeH="0" baseline="0" noProof="0" dirty="0" smtClean="0">
+                <a:ln>
+                  <a:noFill/>
+                </a:ln>
+                <a:solidFill>
+                  <a:schemeClr val="tx1"/>
+                </a:solidFill>
+                <a:effectLst/>
+                <a:uLnTx/>
+                <a:uFillTx/>
+                <a:latin typeface="微软雅黑" pitchFamily="34" charset="-122"/>
+                <a:ea typeface="微软雅黑" pitchFamily="34" charset="-122"/>
+                <a:cs typeface="Consolas" pitchFamily="49" charset="0"/>
+              </a:rPr>
+              <a:t>函数</a:t>
+            </a:r>
+            <a:endParaRPr kumimoji="0" lang="en-US" altLang="zh-CN" sz="3200" b="0" i="0" u="none" strike="noStrike" kern="1200" cap="none" spc="0" normalizeH="0" baseline="0" noProof="0" dirty="0" smtClean="0">
               <a:ln>
                 <a:noFill/>
               </a:ln>
@@ -26538,7 +27107,7 @@
               <a:defRPr/>
             </a:pPr>
             <a:r>
-              <a:rPr kumimoji="0" lang="en-US" altLang="zh-CN" sz="3200" b="1" i="0" u="none" strike="noStrike" kern="1200" cap="none" spc="0" normalizeH="0" baseline="0" noProof="0" dirty="0">
+              <a:rPr kumimoji="0" lang="en-US" altLang="zh-CN" sz="3200" b="1" i="0" u="none" strike="noStrike" kern="1200" cap="none" spc="0" normalizeH="0" baseline="0" noProof="0" dirty="0" smtClean="0">
                 <a:ln>
                   <a:noFill/>
                 </a:ln>
@@ -26574,7 +27143,7 @@
               <a:defRPr/>
             </a:pPr>
             <a:r>
-              <a:rPr kumimoji="0" lang="zh-CN" altLang="en-US" sz="3200" b="0" i="0" u="none" strike="noStrike" kern="1200" cap="none" spc="0" normalizeH="0" baseline="0" noProof="0">
+              <a:rPr kumimoji="0" lang="zh-CN" altLang="en-US" sz="3200" b="0" i="0" u="none" strike="noStrike" kern="1200" cap="none" spc="0" normalizeH="0" baseline="0" noProof="0" smtClean="0">
                 <a:ln>
                   <a:noFill/>
                 </a:ln>
@@ -26591,7 +27160,7 @@
               <a:t>    </a:t>
             </a:r>
             <a:r>
-              <a:rPr kumimoji="0" lang="en-US" altLang="zh-CN" sz="3200" b="1" i="0" u="none" strike="noStrike" kern="1200" cap="none" spc="0" normalizeH="0" baseline="0" noProof="0">
+              <a:rPr kumimoji="0" lang="en-US" altLang="zh-CN" sz="3200" b="1" i="0" u="none" strike="noStrike" kern="1200" cap="none" spc="0" normalizeH="0" baseline="0" noProof="0" smtClean="0">
                 <a:ln>
                   <a:noFill/>
                 </a:ln>
@@ -26608,7 +27177,7 @@
               <a:t>// to </a:t>
             </a:r>
             <a:r>
-              <a:rPr kumimoji="0" lang="en-US" altLang="zh-CN" sz="3200" b="1" i="0" u="none" strike="noStrike" kern="1200" cap="none" spc="0" normalizeH="0" baseline="0" noProof="0" dirty="0">
+              <a:rPr kumimoji="0" lang="en-US" altLang="zh-CN" sz="3200" b="1" i="0" u="none" strike="noStrike" kern="1200" cap="none" spc="0" normalizeH="0" baseline="0" noProof="0" dirty="0" smtClean="0">
                 <a:ln>
                   <a:noFill/>
                 </a:ln>
@@ -26644,7 +27213,7 @@
               <a:defRPr/>
             </a:pPr>
             <a:r>
-              <a:rPr lang="en-US" altLang="zh-CN" sz="3200" b="1" dirty="0">
+              <a:rPr lang="en-US" altLang="zh-CN" sz="3200" b="1" dirty="0" smtClean="0">
                 <a:solidFill>
                   <a:srgbClr val="002060"/>
                 </a:solidFill>
@@ -26655,7 +27224,7 @@
               <a:t>    return 0</a:t>
             </a:r>
             <a:r>
-              <a:rPr lang="en-US" altLang="zh-CN" sz="3200" b="1">
+              <a:rPr lang="en-US" altLang="zh-CN" sz="3200" b="1" smtClean="0">
                 <a:solidFill>
                   <a:srgbClr val="002060"/>
                 </a:solidFill>
@@ -26666,33 +27235,56 @@
               <a:t>;      </a:t>
             </a:r>
             <a:r>
-              <a:rPr lang="en-US" altLang="zh-CN" sz="3200">
+              <a:rPr lang="en-US" altLang="zh-CN" sz="3200" smtClean="0">
                 <a:solidFill>
-                  <a:srgbClr val="002060"/>
+                  <a:schemeClr val="tx2">
+                    <a:lumMod val="85000"/>
+                    <a:lumOff val="15000"/>
+                  </a:schemeClr>
                 </a:solidFill>
                 <a:latin typeface="微软雅黑" pitchFamily="34" charset="-122"/>
                 <a:ea typeface="微软雅黑" pitchFamily="34" charset="-122"/>
                 <a:cs typeface="Consolas" pitchFamily="49" charset="0"/>
               </a:rPr>
-              <a:t>//</a:t>
-            </a:r>
-            <a:r>
-              <a:rPr lang="zh-CN" altLang="en-US" sz="3200" dirty="0">
+              <a:t>// </a:t>
+            </a:r>
+            <a:r>
+              <a:rPr lang="zh-CN" altLang="en-US" sz="3200" smtClean="0">
                 <a:solidFill>
-                  <a:srgbClr val="002060"/>
+                  <a:schemeClr val="tx2">
+                    <a:lumMod val="85000"/>
+                    <a:lumOff val="15000"/>
+                  </a:schemeClr>
                 </a:solidFill>
                 <a:latin typeface="微软雅黑" pitchFamily="34" charset="-122"/>
                 <a:ea typeface="微软雅黑" pitchFamily="34" charset="-122"/>
                 <a:cs typeface="Consolas" pitchFamily="49" charset="0"/>
               </a:rPr>
-              <a:t>返回语句</a:t>
-            </a:r>
-            <a:endParaRPr kumimoji="0" lang="zh-CN" altLang="en-US" sz="3200" i="0" u="none" strike="noStrike" kern="1200" cap="none" spc="0" normalizeH="0" baseline="0" noProof="0" dirty="0">
+              <a:t>返回</a:t>
+            </a:r>
+            <a:r>
+              <a:rPr lang="zh-CN" altLang="en-US" sz="3200" dirty="0" smtClean="0">
+                <a:solidFill>
+                  <a:schemeClr val="tx2">
+                    <a:lumMod val="85000"/>
+                    <a:lumOff val="15000"/>
+                  </a:schemeClr>
+                </a:solidFill>
+                <a:latin typeface="微软雅黑" pitchFamily="34" charset="-122"/>
+                <a:ea typeface="微软雅黑" pitchFamily="34" charset="-122"/>
+                <a:cs typeface="Consolas" pitchFamily="49" charset="0"/>
+              </a:rPr>
+              <a:t>语句</a:t>
+            </a:r>
+            <a:endParaRPr kumimoji="0" lang="zh-CN" altLang="en-US" sz="3200" i="0" u="none" strike="noStrike" kern="1200" cap="none" spc="0" normalizeH="0" baseline="0" noProof="0" dirty="0" smtClean="0">
               <a:ln>
                 <a:noFill/>
               </a:ln>
               <a:solidFill>
-                <a:srgbClr val="002060"/>
+                <a:schemeClr val="tx2">
+                  <a:lumMod val="85000"/>
+                  <a:lumOff val="15000"/>
+                </a:schemeClr>
               </a:solidFill>
               <a:effectLst/>
               <a:uLnTx/>
@@ -26721,7 +27313,7 @@
               <a:defRPr/>
             </a:pPr>
             <a:r>
-              <a:rPr kumimoji="0" lang="en-US" altLang="zh-CN" sz="3200" b="1" i="0" u="none" strike="noStrike" kern="1200" cap="none" spc="0" normalizeH="0" baseline="0" noProof="0" dirty="0">
+              <a:rPr kumimoji="0" lang="en-US" altLang="zh-CN" sz="3200" b="1" i="0" u="none" strike="noStrike" kern="1200" cap="none" spc="0" normalizeH="0" baseline="0" noProof="0" dirty="0" smtClean="0">
                 <a:ln>
                   <a:noFill/>
                 </a:ln>
@@ -26756,7 +27348,7 @@
               <a:tabLst/>
               <a:defRPr/>
             </a:pPr>
-            <a:endParaRPr kumimoji="0" lang="en-US" altLang="zh-CN" sz="3200" b="0" i="0" u="none" strike="noStrike" kern="1200" cap="none" spc="0" normalizeH="0" baseline="0" noProof="0" dirty="0">
+            <a:endParaRPr kumimoji="0" lang="en-US" altLang="zh-CN" sz="3200" b="0" i="0" u="none" strike="noStrike" kern="1200" cap="none" spc="0" normalizeH="0" baseline="0" noProof="0" dirty="0" smtClean="0">
               <a:ln>
                 <a:noFill/>
               </a:ln>
@@ -26973,66 +27565,66 @@
           <a:lstStyle/>
           <a:p>
             <a:r>
-              <a:rPr lang="en-US" altLang="zh-CN" dirty="0">
+              <a:rPr lang="en-US" altLang="zh-CN" dirty="0" smtClean="0">
                 <a:latin typeface="微软雅黑" pitchFamily="34" charset="-122"/>
                 <a:ea typeface="微软雅黑" pitchFamily="34" charset="-122"/>
               </a:rPr>
               <a:t>C</a:t>
             </a:r>
             <a:r>
-              <a:rPr lang="zh-CN" altLang="en-US" dirty="0">
+              <a:rPr lang="zh-CN" altLang="en-US" dirty="0" smtClean="0">
                 <a:latin typeface="微软雅黑" pitchFamily="34" charset="-122"/>
                 <a:ea typeface="微软雅黑" pitchFamily="34" charset="-122"/>
               </a:rPr>
               <a:t>语言本身没有输入输出功能，要想输入</a:t>
             </a:r>
             <a:r>
-              <a:rPr lang="en-US" altLang="zh-CN" dirty="0">
+              <a:rPr lang="en-US" altLang="zh-CN" dirty="0" smtClean="0">
                 <a:latin typeface="微软雅黑" pitchFamily="34" charset="-122"/>
                 <a:ea typeface="微软雅黑" pitchFamily="34" charset="-122"/>
               </a:rPr>
               <a:t>/</a:t>
             </a:r>
             <a:r>
-              <a:rPr lang="zh-CN" altLang="en-US" dirty="0">
+              <a:rPr lang="zh-CN" altLang="en-US" dirty="0" smtClean="0">
                 <a:latin typeface="微软雅黑" pitchFamily="34" charset="-122"/>
                 <a:ea typeface="微软雅黑" pitchFamily="34" charset="-122"/>
               </a:rPr>
               <a:t>输出必须使用库文件里预定义的输入</a:t>
             </a:r>
             <a:r>
-              <a:rPr lang="en-US" altLang="zh-CN" dirty="0">
+              <a:rPr lang="en-US" altLang="zh-CN" dirty="0" smtClean="0">
                 <a:latin typeface="微软雅黑" pitchFamily="34" charset="-122"/>
                 <a:ea typeface="微软雅黑" pitchFamily="34" charset="-122"/>
               </a:rPr>
               <a:t>/</a:t>
             </a:r>
             <a:r>
-              <a:rPr lang="zh-CN" altLang="en-US" dirty="0">
+              <a:rPr lang="zh-CN" altLang="en-US" dirty="0" smtClean="0">
                 <a:latin typeface="微软雅黑" pitchFamily="34" charset="-122"/>
                 <a:ea typeface="微软雅黑" pitchFamily="34" charset="-122"/>
               </a:rPr>
               <a:t>输出函数。</a:t>
             </a:r>
-            <a:endParaRPr lang="en-US" altLang="zh-CN" dirty="0">
+            <a:endParaRPr lang="en-US" altLang="zh-CN" dirty="0" smtClean="0">
               <a:latin typeface="微软雅黑" pitchFamily="34" charset="-122"/>
               <a:ea typeface="微软雅黑" pitchFamily="34" charset="-122"/>
             </a:endParaRPr>
           </a:p>
           <a:p>
-            <a:endParaRPr lang="en-US" altLang="zh-CN" dirty="0">
+            <a:endParaRPr lang="en-US" altLang="zh-CN" dirty="0" smtClean="0">
               <a:latin typeface="微软雅黑" pitchFamily="34" charset="-122"/>
               <a:ea typeface="微软雅黑" pitchFamily="34" charset="-122"/>
             </a:endParaRPr>
           </a:p>
           <a:p>
-            <a:endParaRPr lang="en-US" altLang="zh-CN" dirty="0">
+            <a:endParaRPr lang="en-US" altLang="zh-CN" dirty="0" smtClean="0">
               <a:latin typeface="微软雅黑" pitchFamily="34" charset="-122"/>
               <a:ea typeface="微软雅黑" pitchFamily="34" charset="-122"/>
             </a:endParaRPr>
           </a:p>
           <a:p>
-            <a:endParaRPr lang="en-US" altLang="zh-CN" dirty="0">
+            <a:endParaRPr lang="en-US" altLang="zh-CN" dirty="0" smtClean="0">
               <a:latin typeface="微软雅黑" pitchFamily="34" charset="-122"/>
               <a:ea typeface="微软雅黑" pitchFamily="34" charset="-122"/>
             </a:endParaRPr>
@@ -27040,20 +27632,27 @@
           <a:p>
             <a:pPr lvl="1"/>
             <a:r>
-              <a:rPr lang="en-US" altLang="zh-CN" b="1" dirty="0">
+              <a:rPr lang="en-US" altLang="zh-CN" b="1" dirty="0" smtClean="0">
                 <a:latin typeface="微软雅黑" pitchFamily="34" charset="-122"/>
                 <a:ea typeface="微软雅黑" pitchFamily="34" charset="-122"/>
               </a:rPr>
               <a:t>#include</a:t>
             </a:r>
             <a:r>
-              <a:rPr lang="zh-CN" altLang="en-US" dirty="0">
+              <a:rPr lang="zh-CN" altLang="en-US" dirty="0" smtClean="0">
                 <a:latin typeface="微软雅黑" pitchFamily="34" charset="-122"/>
                 <a:ea typeface="微软雅黑" pitchFamily="34" charset="-122"/>
               </a:rPr>
-              <a:t>是预处理指令，它的作用是将指定的头文件内容放到预处理指令的所在位置。</a:t>
-            </a:r>
-            <a:endParaRPr lang="en-US" altLang="zh-CN" dirty="0">
+              <a:t>是预处理指令，它的作用是将指定的头文件内容放到预处理指令的</a:t>
+            </a:r>
+            <a:r>
+              <a:rPr lang="zh-CN" altLang="en-US" smtClean="0">
+                <a:latin typeface="微软雅黑" pitchFamily="34" charset="-122"/>
+                <a:ea typeface="微软雅黑" pitchFamily="34" charset="-122"/>
+              </a:rPr>
+              <a:t>所在位置</a:t>
+            </a:r>
+            <a:endParaRPr lang="en-US" altLang="zh-CN" dirty="0" smtClean="0">
               <a:latin typeface="微软雅黑" pitchFamily="34" charset="-122"/>
               <a:ea typeface="微软雅黑" pitchFamily="34" charset="-122"/>
             </a:endParaRPr>
@@ -27061,93 +27660,97 @@
           <a:p>
             <a:pPr lvl="1"/>
             <a:r>
-              <a:rPr lang="zh-CN" altLang="en-US" dirty="0">
+              <a:rPr lang="zh-CN" altLang="en-US" dirty="0" smtClean="0">
                 <a:latin typeface="微软雅黑" pitchFamily="34" charset="-122"/>
                 <a:ea typeface="微软雅黑" pitchFamily="34" charset="-122"/>
               </a:rPr>
-              <a:t>头文件名用来指明你使用的库函数所在的文件名，头文件名后缀是</a:t>
-            </a:r>
-            <a:r>
-              <a:rPr lang="en-US" altLang="zh-CN" dirty="0">
+              <a:t>头文件名用来指名你使用的库函数所在的文件名，头文件名后缀是</a:t>
+            </a:r>
+            <a:r>
+              <a:rPr lang="en-US" altLang="zh-CN" smtClean="0">
                 <a:latin typeface="微软雅黑" pitchFamily="34" charset="-122"/>
                 <a:ea typeface="微软雅黑" pitchFamily="34" charset="-122"/>
               </a:rPr>
               <a:t>.h</a:t>
             </a:r>
+            <a:endParaRPr lang="en-US" altLang="zh-CN" dirty="0" smtClean="0">
+              <a:latin typeface="微软雅黑" pitchFamily="34" charset="-122"/>
+              <a:ea typeface="微软雅黑" pitchFamily="34" charset="-122"/>
+            </a:endParaRPr>
           </a:p>
           <a:p>
             <a:pPr lvl="1"/>
             <a:r>
-              <a:rPr lang="en-US" altLang="zh-CN" dirty="0">
+              <a:rPr lang="en-US" altLang="zh-CN" dirty="0" smtClean="0">
                 <a:latin typeface="微软雅黑" pitchFamily="34" charset="-122"/>
                 <a:ea typeface="微软雅黑" pitchFamily="34" charset="-122"/>
               </a:rPr>
               <a:t>Hello world</a:t>
             </a:r>
             <a:r>
-              <a:rPr lang="zh-CN" altLang="en-US" dirty="0">
+              <a:rPr lang="zh-CN" altLang="en-US" dirty="0" smtClean="0">
                 <a:latin typeface="微软雅黑" pitchFamily="34" charset="-122"/>
                 <a:ea typeface="微软雅黑" pitchFamily="34" charset="-122"/>
               </a:rPr>
               <a:t>程序中使用</a:t>
             </a:r>
             <a:r>
-              <a:rPr lang="en-US" altLang="zh-CN" dirty="0" err="1">
+              <a:rPr lang="en-US" altLang="zh-CN" dirty="0" err="1" smtClean="0">
                 <a:latin typeface="微软雅黑" pitchFamily="34" charset="-122"/>
                 <a:ea typeface="微软雅黑" pitchFamily="34" charset="-122"/>
               </a:rPr>
               <a:t>printf</a:t>
             </a:r>
             <a:r>
-              <a:rPr lang="zh-CN" altLang="en-US" dirty="0">
+              <a:rPr lang="zh-CN" altLang="en-US" dirty="0" smtClean="0">
                 <a:latin typeface="微软雅黑" pitchFamily="34" charset="-122"/>
                 <a:ea typeface="微软雅黑" pitchFamily="34" charset="-122"/>
               </a:rPr>
               <a:t>库函数包含在</a:t>
             </a:r>
             <a:r>
-              <a:rPr lang="en-US" altLang="zh-CN" dirty="0" err="1">
+              <a:rPr lang="en-US" altLang="zh-CN" dirty="0" err="1" smtClean="0">
                 <a:latin typeface="微软雅黑" pitchFamily="34" charset="-122"/>
                 <a:ea typeface="微软雅黑" pitchFamily="34" charset="-122"/>
               </a:rPr>
               <a:t>stdio.h</a:t>
             </a:r>
             <a:r>
-              <a:rPr lang="zh-CN" altLang="en-US" dirty="0">
+              <a:rPr lang="zh-CN" altLang="en-US" dirty="0" smtClean="0">
                 <a:latin typeface="微软雅黑" pitchFamily="34" charset="-122"/>
                 <a:ea typeface="微软雅黑" pitchFamily="34" charset="-122"/>
               </a:rPr>
               <a:t>里（</a:t>
             </a:r>
             <a:r>
-              <a:rPr lang="en-US" altLang="zh-CN" dirty="0" err="1">
+              <a:rPr lang="en-US" altLang="zh-CN" dirty="0" err="1" smtClean="0">
                 <a:latin typeface="微软雅黑" pitchFamily="34" charset="-122"/>
                 <a:ea typeface="微软雅黑" pitchFamily="34" charset="-122"/>
               </a:rPr>
               <a:t>stdio</a:t>
             </a:r>
             <a:r>
-              <a:rPr lang="zh-CN" altLang="en-US" dirty="0">
+              <a:rPr lang="zh-CN" altLang="en-US" dirty="0" smtClean="0">
                 <a:latin typeface="微软雅黑" pitchFamily="34" charset="-122"/>
                 <a:ea typeface="微软雅黑" pitchFamily="34" charset="-122"/>
               </a:rPr>
               <a:t>表示</a:t>
             </a:r>
             <a:r>
-              <a:rPr lang="en-US" altLang="zh-CN" dirty="0">
+              <a:rPr lang="en-US" altLang="zh-CN" dirty="0" smtClean="0">
                 <a:latin typeface="微软雅黑" pitchFamily="34" charset="-122"/>
                 <a:ea typeface="微软雅黑" pitchFamily="34" charset="-122"/>
               </a:rPr>
               <a:t>standard input/output</a:t>
             </a:r>
             <a:r>
-              <a:rPr lang="zh-CN" altLang="en-US" dirty="0">
+              <a:rPr lang="zh-CN" altLang="en-US" dirty="0" smtClean="0">
                 <a:latin typeface="微软雅黑" pitchFamily="34" charset="-122"/>
                 <a:ea typeface="微软雅黑" pitchFamily="34" charset="-122"/>
               </a:rPr>
               <a:t>）</a:t>
             </a:r>
-            <a:endParaRPr lang="en-US" altLang="zh-CN" dirty="0">
+            <a:endParaRPr lang="en-US" altLang="zh-CN" dirty="0" smtClean="0">
               <a:latin typeface="微软雅黑" pitchFamily="34" charset="-122"/>
               <a:ea typeface="微软雅黑" pitchFamily="34" charset="-122"/>
             </a:endParaRPr>
@@ -27183,21 +27786,21 @@
           <a:p>
             <a:pPr lvl="0"/>
             <a:r>
-              <a:rPr lang="en-US" altLang="zh-CN" sz="2800" b="1" dirty="0">
+              <a:rPr lang="en-US" altLang="zh-CN" sz="2800" b="1" dirty="0" smtClean="0">
                 <a:latin typeface="Consolas" pitchFamily="49" charset="0"/>
                 <a:cs typeface="Consolas" pitchFamily="49" charset="0"/>
               </a:rPr>
               <a:t>#include  </a:t>
             </a:r>
             <a:r>
-              <a:rPr lang="en-US" altLang="zh-CN" sz="2800" dirty="0">
+              <a:rPr lang="en-US" altLang="zh-CN" sz="2800" dirty="0" smtClean="0">
                 <a:latin typeface="Consolas" pitchFamily="49" charset="0"/>
                 <a:cs typeface="Consolas" pitchFamily="49" charset="0"/>
               </a:rPr>
               <a:t>&lt;</a:t>
             </a:r>
             <a:r>
-              <a:rPr lang="en-US" altLang="zh-CN" sz="2800" b="1" dirty="0" err="1">
+              <a:rPr lang="en-US" altLang="zh-CN" sz="2800" b="1" dirty="0" err="1" smtClean="0">
                 <a:solidFill>
                   <a:srgbClr val="FF0000"/>
                 </a:solidFill>
@@ -27207,7 +27810,7 @@
               <a:t>stdio.h</a:t>
             </a:r>
             <a:r>
-              <a:rPr lang="en-US" altLang="zh-CN" sz="2800" dirty="0">
+              <a:rPr lang="en-US" altLang="zh-CN" sz="2800" dirty="0" smtClean="0">
                 <a:latin typeface="Consolas" pitchFamily="49" charset="0"/>
                 <a:cs typeface="Consolas" pitchFamily="49" charset="0"/>
               </a:rPr>
@@ -27342,12 +27945,16 @@
           <a:lstStyle/>
           <a:p>
             <a:r>
-              <a:rPr lang="zh-CN" altLang="en-US" sz="2000" b="1" dirty="0">
+              <a:rPr lang="zh-CN" altLang="en-US" sz="2000" b="1" dirty="0" smtClean="0">
                 <a:latin typeface="微软雅黑" pitchFamily="34" charset="-122"/>
                 <a:ea typeface="微软雅黑" pitchFamily="34" charset="-122"/>
               </a:rPr>
               <a:t>预处理指令</a:t>
             </a:r>
+            <a:endParaRPr lang="zh-CN" altLang="en-US" sz="2000" b="1" dirty="0">
+              <a:latin typeface="微软雅黑" pitchFamily="34" charset="-122"/>
+              <a:ea typeface="微软雅黑" pitchFamily="34" charset="-122"/>
+            </a:endParaRPr>
           </a:p>
         </p:txBody>
       </p:sp>
@@ -27407,12 +28014,16 @@
           <a:lstStyle/>
           <a:p>
             <a:r>
-              <a:rPr lang="zh-CN" altLang="en-US" sz="2000" b="1" dirty="0">
+              <a:rPr lang="zh-CN" altLang="en-US" sz="2000" b="1" dirty="0" smtClean="0">
                 <a:latin typeface="微软雅黑" pitchFamily="34" charset="-122"/>
                 <a:ea typeface="微软雅黑" pitchFamily="34" charset="-122"/>
               </a:rPr>
               <a:t>头文件名</a:t>
             </a:r>
+            <a:endParaRPr lang="zh-CN" altLang="en-US" sz="2000" b="1" dirty="0">
+              <a:latin typeface="微软雅黑" pitchFamily="34" charset="-122"/>
+              <a:ea typeface="微软雅黑" pitchFamily="34" charset="-122"/>
+            </a:endParaRPr>
           </a:p>
         </p:txBody>
       </p:sp>
@@ -27429,6 +28040,13 @@
   <p:transition spd="med">
     <p:fade/>
   </p:transition>
+  <p:timing>
+    <p:tnLst>
+      <p:par>
+        <p:cTn id="1" dur="indefinite" restart="never" nodeType="tmRoot"/>
+      </p:par>
+    </p:tnLst>
+  </p:timing>
 </p:sld>
 </file>
 
@@ -27466,8 +28084,13 @@
           <a:p>
             <a:r>
               <a:rPr lang="zh-CN" altLang="en-US" b="1"/>
-              <a:t>注释的写法</a:t>
-            </a:r>
+              <a:t>注释的</a:t>
+            </a:r>
+            <a:r>
+              <a:rPr lang="zh-CN" altLang="en-US" b="1" smtClean="0"/>
+              <a:t>写法</a:t>
+            </a:r>
+            <a:endParaRPr lang="zh-CN" altLang="en-US" b="1"/>
           </a:p>
         </p:txBody>
       </p:sp>
@@ -27492,21 +28115,28 @@
           <a:lstStyle/>
           <a:p>
             <a:r>
-              <a:rPr lang="en-US" altLang="zh-CN" dirty="0">
+              <a:rPr lang="en-US" altLang="zh-CN" dirty="0" smtClean="0">
                 <a:latin typeface="微软雅黑" pitchFamily="34" charset="-122"/>
                 <a:ea typeface="微软雅黑" pitchFamily="34" charset="-122"/>
               </a:rPr>
               <a:t>C</a:t>
             </a:r>
             <a:r>
-              <a:rPr lang="zh-CN" altLang="en-US" dirty="0">
+              <a:rPr lang="zh-CN" altLang="en-US" dirty="0" smtClean="0">
                 <a:latin typeface="微软雅黑" pitchFamily="34" charset="-122"/>
                 <a:ea typeface="微软雅黑" pitchFamily="34" charset="-122"/>
               </a:rPr>
-              <a:t>语言中的注释可以对文件，语句</a:t>
-            </a:r>
-            <a:r>
-              <a:rPr lang="zh-CN" altLang="en-US" dirty="0">
+              <a:t>语言中的注释可以</a:t>
+            </a:r>
+            <a:r>
+              <a:rPr lang="zh-CN" altLang="en-US" smtClean="0">
+                <a:latin typeface="微软雅黑" pitchFamily="34" charset="-122"/>
+                <a:ea typeface="微软雅黑" pitchFamily="34" charset="-122"/>
+              </a:rPr>
+              <a:t>对文件、语句</a:t>
+            </a:r>
+            <a:r>
+              <a:rPr lang="zh-CN" altLang="en-US" dirty="0" smtClean="0">
                 <a:solidFill>
                   <a:srgbClr val="FF0000"/>
                 </a:solidFill>
@@ -27516,13 +28146,13 @@
               <a:t>进行说明</a:t>
             </a:r>
             <a:r>
-              <a:rPr lang="zh-CN" altLang="en-US" dirty="0">
+              <a:rPr lang="zh-CN" altLang="en-US" dirty="0" smtClean="0">
                 <a:latin typeface="微软雅黑" pitchFamily="34" charset="-122"/>
                 <a:ea typeface="微软雅黑" pitchFamily="34" charset="-122"/>
               </a:rPr>
               <a:t>。</a:t>
             </a:r>
-            <a:endParaRPr lang="en-US" altLang="zh-CN" dirty="0">
+            <a:endParaRPr lang="en-US" altLang="zh-CN" dirty="0" smtClean="0">
               <a:latin typeface="微软雅黑" pitchFamily="34" charset="-122"/>
               <a:ea typeface="微软雅黑" pitchFamily="34" charset="-122"/>
             </a:endParaRPr>
@@ -27530,7 +28160,7 @@
           <a:p>
             <a:pPr eaLnBrk="1" hangingPunct="1"/>
             <a:r>
-              <a:rPr lang="zh-CN" altLang="en-US" dirty="0">
+              <a:rPr lang="zh-CN" altLang="en-US" dirty="0" smtClean="0">
                 <a:latin typeface="微软雅黑" pitchFamily="34" charset="-122"/>
                 <a:ea typeface="微软雅黑" pitchFamily="34" charset="-122"/>
               </a:rPr>
@@ -27540,7 +28170,7 @@
           <a:p>
             <a:pPr lvl="1" eaLnBrk="1" hangingPunct="1"/>
             <a:r>
-              <a:rPr lang="zh-CN" altLang="en-US" dirty="0">
+              <a:rPr lang="zh-CN" altLang="en-US" dirty="0" smtClean="0">
                 <a:solidFill>
                   <a:srgbClr val="FF0000"/>
                 </a:solidFill>
@@ -27550,7 +28180,7 @@
               <a:t>块注释  </a:t>
             </a:r>
             <a:r>
-              <a:rPr lang="en-US" altLang="zh-CN" dirty="0">
+              <a:rPr lang="en-US" altLang="zh-CN" dirty="0" smtClean="0">
                 <a:solidFill>
                   <a:srgbClr val="FF0000"/>
                 </a:solidFill>
@@ -27560,28 +28190,28 @@
               <a:t>/*</a:t>
             </a:r>
             <a:r>
-              <a:rPr lang="en-US" altLang="zh-CN" dirty="0">
+              <a:rPr lang="en-US" altLang="zh-CN" dirty="0" smtClean="0">
                 <a:latin typeface="微软雅黑" pitchFamily="34" charset="-122"/>
                 <a:ea typeface="微软雅黑" pitchFamily="34" charset="-122"/>
               </a:rPr>
               <a:t>(C89)This </a:t>
             </a:r>
             <a:r>
-              <a:rPr lang="en-US" altLang="zh-CN" dirty="0" err="1">
+              <a:rPr lang="en-US" altLang="zh-CN" dirty="0" err="1" smtClean="0">
                 <a:latin typeface="微软雅黑" pitchFamily="34" charset="-122"/>
                 <a:ea typeface="微软雅黑" pitchFamily="34" charset="-122"/>
               </a:rPr>
               <a:t>ia</a:t>
             </a:r>
             <a:r>
-              <a:rPr lang="en-US" altLang="zh-CN" dirty="0">
+              <a:rPr lang="en-US" altLang="zh-CN" dirty="0" smtClean="0">
                 <a:latin typeface="微软雅黑" pitchFamily="34" charset="-122"/>
                 <a:ea typeface="微软雅黑" pitchFamily="34" charset="-122"/>
               </a:rPr>
               <a:t> a comment.</a:t>
             </a:r>
             <a:r>
-              <a:rPr lang="en-US" altLang="zh-CN" dirty="0">
+              <a:rPr lang="en-US" altLang="zh-CN" dirty="0" smtClean="0">
                 <a:solidFill>
                   <a:srgbClr val="FF0000"/>
                 </a:solidFill>
@@ -27594,7 +28224,7 @@
           <a:p>
             <a:pPr lvl="1" eaLnBrk="1" hangingPunct="1"/>
             <a:r>
-              <a:rPr lang="zh-CN" altLang="en-US" dirty="0">
+              <a:rPr lang="zh-CN" altLang="en-US" dirty="0" smtClean="0">
                 <a:solidFill>
                   <a:srgbClr val="FF0000"/>
                 </a:solidFill>
@@ -27604,7 +28234,7 @@
               <a:t>行注释  </a:t>
             </a:r>
             <a:r>
-              <a:rPr lang="en-US" altLang="zh-CN" dirty="0">
+              <a:rPr lang="en-US" altLang="zh-CN" dirty="0" smtClean="0">
                 <a:solidFill>
                   <a:srgbClr val="FF0000"/>
                 </a:solidFill>
@@ -27614,7 +28244,7 @@
               <a:t>//</a:t>
             </a:r>
             <a:r>
-              <a:rPr lang="en-US" altLang="zh-CN" dirty="0">
+              <a:rPr lang="en-US" altLang="zh-CN" dirty="0" smtClean="0">
                 <a:latin typeface="微软雅黑" pitchFamily="34" charset="-122"/>
                 <a:ea typeface="微软雅黑" pitchFamily="34" charset="-122"/>
               </a:rPr>
@@ -27624,7 +28254,7 @@
           <a:p>
             <a:pPr eaLnBrk="1" hangingPunct="1"/>
             <a:r>
-              <a:rPr lang="zh-CN" altLang="en-US" dirty="0">
+              <a:rPr lang="zh-CN" altLang="en-US" dirty="0" smtClean="0">
                 <a:latin typeface="微软雅黑" pitchFamily="34" charset="-122"/>
                 <a:ea typeface="微软雅黑" pitchFamily="34" charset="-122"/>
               </a:rPr>
@@ -27634,42 +28264,42 @@
           <a:p>
             <a:pPr lvl="1" eaLnBrk="1" hangingPunct="1"/>
             <a:r>
-              <a:rPr lang="en-US" altLang="zh-CN" dirty="0" err="1">
+              <a:rPr lang="en-US" altLang="zh-CN" dirty="0" err="1" smtClean="0">
                 <a:latin typeface="微软雅黑" pitchFamily="34" charset="-122"/>
                 <a:ea typeface="微软雅黑" pitchFamily="34" charset="-122"/>
               </a:rPr>
               <a:t>int</a:t>
             </a:r>
             <a:r>
-              <a:rPr lang="en-US" altLang="zh-CN" dirty="0">
+              <a:rPr lang="en-US" altLang="zh-CN" dirty="0" smtClean="0">
                 <a:latin typeface="微软雅黑" pitchFamily="34" charset="-122"/>
                 <a:ea typeface="微软雅黑" pitchFamily="34" charset="-122"/>
               </a:rPr>
               <a:t> /*</a:t>
             </a:r>
             <a:r>
-              <a:rPr lang="zh-CN" altLang="en-US" dirty="0">
+              <a:rPr lang="zh-CN" altLang="en-US" dirty="0" smtClean="0">
                 <a:latin typeface="微软雅黑" pitchFamily="34" charset="-122"/>
                 <a:ea typeface="微软雅黑" pitchFamily="34" charset="-122"/>
               </a:rPr>
               <a:t>年龄*</a:t>
             </a:r>
             <a:r>
-              <a:rPr lang="en-US" altLang="zh-CN" dirty="0">
+              <a:rPr lang="en-US" altLang="zh-CN" dirty="0" smtClean="0">
                 <a:latin typeface="微软雅黑" pitchFamily="34" charset="-122"/>
                 <a:ea typeface="微软雅黑" pitchFamily="34" charset="-122"/>
               </a:rPr>
               <a:t>/ age;    -&gt;</a:t>
             </a:r>
             <a:r>
-              <a:rPr lang="en-US" altLang="zh-CN" dirty="0" err="1">
+              <a:rPr lang="en-US" altLang="zh-CN" dirty="0" err="1" smtClean="0">
                 <a:latin typeface="微软雅黑" pitchFamily="34" charset="-122"/>
                 <a:ea typeface="微软雅黑" pitchFamily="34" charset="-122"/>
               </a:rPr>
               <a:t>int</a:t>
             </a:r>
             <a:r>
-              <a:rPr lang="en-US" altLang="zh-CN" dirty="0">
+              <a:rPr lang="en-US" altLang="zh-CN" dirty="0" smtClean="0">
                 <a:latin typeface="微软雅黑" pitchFamily="34" charset="-122"/>
                 <a:ea typeface="微软雅黑" pitchFamily="34" charset="-122"/>
               </a:rPr>
@@ -27679,70 +28309,70 @@
           <a:p>
             <a:pPr lvl="1" eaLnBrk="1" hangingPunct="1"/>
             <a:r>
-              <a:rPr lang="en-US" altLang="zh-CN" dirty="0" err="1">
+              <a:rPr lang="en-US" altLang="zh-CN" dirty="0" err="1" smtClean="0">
                 <a:latin typeface="微软雅黑" pitchFamily="34" charset="-122"/>
                 <a:ea typeface="微软雅黑" pitchFamily="34" charset="-122"/>
               </a:rPr>
               <a:t>int</a:t>
             </a:r>
             <a:r>
-              <a:rPr lang="en-US" altLang="zh-CN" dirty="0">
+              <a:rPr lang="en-US" altLang="zh-CN" dirty="0" smtClean="0">
                 <a:latin typeface="微软雅黑" pitchFamily="34" charset="-122"/>
                 <a:ea typeface="微软雅黑" pitchFamily="34" charset="-122"/>
               </a:rPr>
               <a:t> a/*</a:t>
             </a:r>
             <a:r>
-              <a:rPr lang="zh-CN" altLang="en-US" dirty="0">
+              <a:rPr lang="zh-CN" altLang="en-US" dirty="0" smtClean="0">
                 <a:latin typeface="微软雅黑" pitchFamily="34" charset="-122"/>
                 <a:ea typeface="微软雅黑" pitchFamily="34" charset="-122"/>
               </a:rPr>
               <a:t>年龄*</a:t>
             </a:r>
             <a:r>
-              <a:rPr lang="en-US" altLang="zh-CN" dirty="0">
+              <a:rPr lang="en-US" altLang="zh-CN" dirty="0" smtClean="0">
                 <a:latin typeface="微软雅黑" pitchFamily="34" charset="-122"/>
                 <a:ea typeface="微软雅黑" pitchFamily="34" charset="-122"/>
               </a:rPr>
               <a:t>/</a:t>
             </a:r>
             <a:r>
-              <a:rPr lang="en-US" altLang="zh-CN" dirty="0" err="1">
+              <a:rPr lang="en-US" altLang="zh-CN" dirty="0" err="1" smtClean="0">
                 <a:latin typeface="微软雅黑" pitchFamily="34" charset="-122"/>
                 <a:ea typeface="微软雅黑" pitchFamily="34" charset="-122"/>
               </a:rPr>
               <a:t>ge</a:t>
             </a:r>
             <a:r>
-              <a:rPr lang="en-US" altLang="zh-CN" dirty="0">
+              <a:rPr lang="en-US" altLang="zh-CN" dirty="0" smtClean="0">
                 <a:latin typeface="微软雅黑" pitchFamily="34" charset="-122"/>
                 <a:ea typeface="微软雅黑" pitchFamily="34" charset="-122"/>
               </a:rPr>
               <a:t>;     -&gt;</a:t>
             </a:r>
             <a:r>
-              <a:rPr lang="en-US" altLang="zh-CN" dirty="0" err="1">
+              <a:rPr lang="en-US" altLang="zh-CN" dirty="0" err="1" smtClean="0">
                 <a:latin typeface="微软雅黑" pitchFamily="34" charset="-122"/>
                 <a:ea typeface="微软雅黑" pitchFamily="34" charset="-122"/>
               </a:rPr>
               <a:t>int</a:t>
             </a:r>
             <a:r>
-              <a:rPr lang="en-US" altLang="zh-CN" dirty="0">
+              <a:rPr lang="en-US" altLang="zh-CN" dirty="0" smtClean="0">
                 <a:latin typeface="微软雅黑" pitchFamily="34" charset="-122"/>
                 <a:ea typeface="微软雅黑" pitchFamily="34" charset="-122"/>
               </a:rPr>
               <a:t> a </a:t>
             </a:r>
             <a:r>
-              <a:rPr lang="en-US" altLang="zh-CN" dirty="0" err="1">
+              <a:rPr lang="en-US" altLang="zh-CN" dirty="0" err="1" smtClean="0">
                 <a:latin typeface="微软雅黑" pitchFamily="34" charset="-122"/>
                 <a:ea typeface="微软雅黑" pitchFamily="34" charset="-122"/>
               </a:rPr>
               <a:t>ge</a:t>
             </a:r>
             <a:r>
-              <a:rPr lang="en-US" altLang="zh-CN" dirty="0">
+              <a:rPr lang="en-US" altLang="zh-CN" dirty="0" smtClean="0">
                 <a:latin typeface="微软雅黑" pitchFamily="34" charset="-122"/>
                 <a:ea typeface="微软雅黑" pitchFamily="34" charset="-122"/>
               </a:rPr>
@@ -27752,42 +28382,42 @@
           <a:p>
             <a:pPr lvl="1" eaLnBrk="1" hangingPunct="1"/>
             <a:r>
-              <a:rPr lang="en-US" altLang="zh-CN" dirty="0" err="1">
+              <a:rPr lang="en-US" altLang="zh-CN" dirty="0" err="1" smtClean="0">
                 <a:latin typeface="微软雅黑" pitchFamily="34" charset="-122"/>
                 <a:ea typeface="微软雅黑" pitchFamily="34" charset="-122"/>
               </a:rPr>
               <a:t>int</a:t>
             </a:r>
             <a:r>
-              <a:rPr lang="en-US" altLang="zh-CN" dirty="0">
+              <a:rPr lang="en-US" altLang="zh-CN" dirty="0" smtClean="0">
                 <a:latin typeface="微软雅黑" pitchFamily="34" charset="-122"/>
                 <a:ea typeface="微软雅黑" pitchFamily="34" charset="-122"/>
               </a:rPr>
               <a:t> age; /*</a:t>
             </a:r>
             <a:r>
-              <a:rPr lang="zh-CN" altLang="en-US" dirty="0">
+              <a:rPr lang="zh-CN" altLang="en-US" dirty="0" smtClean="0">
                 <a:latin typeface="微软雅黑" pitchFamily="34" charset="-122"/>
                 <a:ea typeface="微软雅黑" pitchFamily="34" charset="-122"/>
               </a:rPr>
               <a:t>年龄*</a:t>
             </a:r>
             <a:r>
-              <a:rPr lang="en-US" altLang="zh-CN" dirty="0">
+              <a:rPr lang="en-US" altLang="zh-CN" dirty="0" smtClean="0">
                 <a:latin typeface="微软雅黑" pitchFamily="34" charset="-122"/>
                 <a:ea typeface="微软雅黑" pitchFamily="34" charset="-122"/>
               </a:rPr>
               <a:t>/    -&gt;</a:t>
             </a:r>
             <a:r>
-              <a:rPr lang="en-US" altLang="zh-CN" dirty="0" err="1">
+              <a:rPr lang="en-US" altLang="zh-CN" dirty="0" err="1" smtClean="0">
                 <a:latin typeface="微软雅黑" pitchFamily="34" charset="-122"/>
                 <a:ea typeface="微软雅黑" pitchFamily="34" charset="-122"/>
               </a:rPr>
               <a:t>int</a:t>
             </a:r>
             <a:r>
-              <a:rPr lang="en-US" altLang="zh-CN" dirty="0">
+              <a:rPr lang="en-US" altLang="zh-CN" dirty="0" smtClean="0">
                 <a:latin typeface="微软雅黑" pitchFamily="34" charset="-122"/>
                 <a:ea typeface="微软雅黑" pitchFamily="34" charset="-122"/>
               </a:rPr>
@@ -27797,21 +28427,21 @@
           <a:p>
             <a:pPr lvl="1" eaLnBrk="1" hangingPunct="1"/>
             <a:r>
-              <a:rPr lang="en-US" altLang="zh-CN" dirty="0">
+              <a:rPr lang="en-US" altLang="zh-CN" dirty="0" smtClean="0">
                 <a:latin typeface="微软雅黑" pitchFamily="34" charset="-122"/>
                 <a:ea typeface="微软雅黑" pitchFamily="34" charset="-122"/>
               </a:rPr>
               <a:t>fl/*</a:t>
             </a:r>
             <a:r>
-              <a:rPr lang="zh-CN" altLang="en-US" dirty="0">
+              <a:rPr lang="zh-CN" altLang="en-US" dirty="0" smtClean="0">
                 <a:latin typeface="微软雅黑" pitchFamily="34" charset="-122"/>
                 <a:ea typeface="微软雅黑" pitchFamily="34" charset="-122"/>
               </a:rPr>
               <a:t>成绩*</a:t>
             </a:r>
             <a:r>
-              <a:rPr lang="en-US" altLang="zh-CN" dirty="0">
+              <a:rPr lang="en-US" altLang="zh-CN" dirty="0" smtClean="0">
                 <a:latin typeface="微软雅黑" pitchFamily="34" charset="-122"/>
                 <a:ea typeface="微软雅黑" pitchFamily="34" charset="-122"/>
               </a:rPr>
@@ -27819,7 +28449,7 @@
             </a:r>
           </a:p>
           <a:p>
-            <a:endParaRPr lang="zh-CN" altLang="en-US" dirty="0">
+            <a:endParaRPr lang="zh-CN" altLang="en-US" dirty="0" smtClean="0">
               <a:latin typeface="微软雅黑" pitchFamily="34" charset="-122"/>
               <a:ea typeface="微软雅黑" pitchFamily="34" charset="-122"/>
             </a:endParaRPr>
@@ -27865,17 +28495,27 @@
                 <a:latin typeface="微软雅黑" pitchFamily="34" charset="-122"/>
                 <a:ea typeface="微软雅黑" pitchFamily="34" charset="-122"/>
               </a:rPr>
-              <a:t>   注释不可以出现在关键词中</a:t>
-            </a:r>
-            <a:r>
-              <a:rPr lang="en-US" altLang="zh-CN" sz="2800" b="1" dirty="0">
+              <a:t>   注释不可以出现在</a:t>
+            </a:r>
+            <a:r>
+              <a:rPr lang="zh-CN" altLang="en-US" sz="2800" b="1">
                 <a:solidFill>
                   <a:srgbClr val="FF0000"/>
                 </a:solidFill>
                 <a:latin typeface="微软雅黑" pitchFamily="34" charset="-122"/>
                 <a:ea typeface="微软雅黑" pitchFamily="34" charset="-122"/>
               </a:rPr>
-              <a:t>,</a:t>
+              <a:t>关键词</a:t>
+            </a:r>
+            <a:r>
+              <a:rPr lang="zh-CN" altLang="en-US" sz="2800" b="1" smtClean="0">
+                <a:solidFill>
+                  <a:srgbClr val="FF0000"/>
+                </a:solidFill>
+                <a:latin typeface="微软雅黑" pitchFamily="34" charset="-122"/>
+                <a:ea typeface="微软雅黑" pitchFamily="34" charset="-122"/>
+              </a:rPr>
+              <a:t>中，一</a:t>
             </a:r>
             <a:r>
               <a:rPr lang="zh-CN" altLang="en-US" sz="2800" b="1" dirty="0">
@@ -27885,17 +28525,57 @@
                 <a:latin typeface="微软雅黑" pitchFamily="34" charset="-122"/>
                 <a:ea typeface="微软雅黑" pitchFamily="34" charset="-122"/>
               </a:rPr>
-              <a:t>一个好的程序员应该尽量多的加入有效注释</a:t>
-            </a:r>
-            <a:r>
-              <a:rPr lang="en-US" altLang="zh-CN" sz="2800" b="1" dirty="0">
+              <a:t>个好的</a:t>
+            </a:r>
+            <a:r>
+              <a:rPr lang="zh-CN" altLang="en-US" sz="2800" b="1" dirty="0" smtClean="0">
                 <a:solidFill>
                   <a:srgbClr val="FF0000"/>
                 </a:solidFill>
                 <a:latin typeface="微软雅黑" pitchFamily="34" charset="-122"/>
                 <a:ea typeface="微软雅黑" pitchFamily="34" charset="-122"/>
               </a:rPr>
-              <a:t>.</a:t>
+              <a:t>程序员应该</a:t>
+            </a:r>
+            <a:r>
+              <a:rPr lang="zh-CN" altLang="en-US" sz="2800" b="1" dirty="0">
+                <a:solidFill>
+                  <a:srgbClr val="FF0000"/>
+                </a:solidFill>
+                <a:latin typeface="微软雅黑" pitchFamily="34" charset="-122"/>
+                <a:ea typeface="微软雅黑" pitchFamily="34" charset="-122"/>
+              </a:rPr>
+              <a:t>尽量多的加入</a:t>
+            </a:r>
+            <a:r>
+              <a:rPr lang="zh-CN" altLang="en-US" sz="2800" b="1">
+                <a:solidFill>
+                  <a:srgbClr val="FF0000"/>
+                </a:solidFill>
+                <a:latin typeface="微软雅黑" pitchFamily="34" charset="-122"/>
+                <a:ea typeface="微软雅黑" pitchFamily="34" charset="-122"/>
+              </a:rPr>
+              <a:t>有效</a:t>
+            </a:r>
+            <a:r>
+              <a:rPr lang="zh-CN" altLang="en-US" sz="2800" b="1" smtClean="0">
+                <a:solidFill>
+                  <a:srgbClr val="FF0000"/>
+                </a:solidFill>
+                <a:latin typeface="微软雅黑" pitchFamily="34" charset="-122"/>
+                <a:ea typeface="微软雅黑" pitchFamily="34" charset="-122"/>
+              </a:rPr>
+              <a:t>注释</a:t>
+            </a:r>
+            <a:r>
+              <a:rPr lang="zh-CN" altLang="en-US" sz="2800" b="1" dirty="0">
+                <a:solidFill>
+                  <a:srgbClr val="FF0000"/>
+                </a:solidFill>
+                <a:latin typeface="微软雅黑" pitchFamily="34" charset="-122"/>
+                <a:ea typeface="微软雅黑" pitchFamily="34" charset="-122"/>
+              </a:rPr>
+              <a:t>。</a:t>
             </a:r>
             <a:endParaRPr lang="zh-CN" altLang="en-US" sz="2800" b="1" dirty="0">
               <a:solidFill>
@@ -28885,10 +29565,17 @@
                 <a:latin typeface="微软雅黑" pitchFamily="34" charset="-122"/>
                 <a:ea typeface="微软雅黑" pitchFamily="34" charset="-122"/>
               </a:rPr>
-              <a:t>Studio 2012</a:t>
-            </a:r>
-            <a:r>
-              <a:rPr lang="zh-CN" altLang="en-US" b="1">
+              <a:t>Studio </a:t>
+            </a:r>
+            <a:r>
+              <a:rPr lang="en-US" altLang="zh-CN" b="1" smtClean="0">
+                <a:latin typeface="微软雅黑" pitchFamily="34" charset="-122"/>
+                <a:ea typeface="微软雅黑" pitchFamily="34" charset="-122"/>
+              </a:rPr>
+              <a:t>2012</a:t>
+            </a:r>
+            <a:r>
+              <a:rPr lang="zh-CN" altLang="en-US" b="1" smtClean="0">
                 <a:latin typeface="微软雅黑" pitchFamily="34" charset="-122"/>
                 <a:ea typeface="微软雅黑" pitchFamily="34" charset="-122"/>
               </a:rPr>
@@ -28941,19 +29628,23 @@
           <a:p>
             <a:pPr eaLnBrk="0" hangingPunct="0"/>
             <a:r>
-              <a:rPr lang="en-US" altLang="zh-CN" b="1" dirty="0">
+              <a:rPr lang="en-US" altLang="zh-CN" b="1" dirty="0" smtClean="0">
                 <a:latin typeface="微软雅黑" pitchFamily="34" charset="-122"/>
                 <a:ea typeface="微软雅黑" pitchFamily="34" charset="-122"/>
               </a:rPr>
               <a:t>C</a:t>
             </a:r>
             <a:r>
-              <a:rPr lang="zh-CN" altLang="en-US" b="1" dirty="0">
+              <a:rPr lang="zh-CN" altLang="en-US" b="1" dirty="0" smtClean="0">
                 <a:latin typeface="微软雅黑" pitchFamily="34" charset="-122"/>
                 <a:ea typeface="微软雅黑" pitchFamily="34" charset="-122"/>
               </a:rPr>
               <a:t>程序详解</a:t>
             </a:r>
+            <a:endParaRPr lang="zh-CN" altLang="en-US" b="1" dirty="0">
+              <a:latin typeface="微软雅黑" pitchFamily="34" charset="-122"/>
+              <a:ea typeface="微软雅黑" pitchFamily="34" charset="-122"/>
+            </a:endParaRPr>
           </a:p>
         </p:txBody>
       </p:sp>
@@ -28994,26 +29685,30 @@
           <a:p>
             <a:pPr eaLnBrk="0" hangingPunct="0"/>
             <a:r>
-              <a:rPr lang="zh-CN" altLang="en-US" b="1" dirty="0">
+              <a:rPr lang="zh-CN" altLang="en-US" b="1" dirty="0" smtClean="0">
                 <a:latin typeface="微软雅黑" pitchFamily="34" charset="-122"/>
                 <a:ea typeface="微软雅黑" pitchFamily="34" charset="-122"/>
               </a:rPr>
               <a:t>初识</a:t>
             </a:r>
             <a:r>
-              <a:rPr lang="en-US" altLang="zh-CN" b="1" dirty="0">
+              <a:rPr lang="en-US" altLang="zh-CN" b="1" dirty="0" smtClean="0">
                 <a:latin typeface="微软雅黑" pitchFamily="34" charset="-122"/>
                 <a:ea typeface="微软雅黑" pitchFamily="34" charset="-122"/>
               </a:rPr>
               <a:t>C</a:t>
             </a:r>
             <a:r>
-              <a:rPr lang="zh-CN" altLang="en-US" b="1" dirty="0">
+              <a:rPr lang="zh-CN" altLang="en-US" b="1" dirty="0" smtClean="0">
                 <a:latin typeface="微软雅黑" pitchFamily="34" charset="-122"/>
                 <a:ea typeface="微软雅黑" pitchFamily="34" charset="-122"/>
               </a:rPr>
               <a:t>程序</a:t>
             </a:r>
+            <a:endParaRPr lang="zh-CN" altLang="en-US" b="1" dirty="0">
+              <a:latin typeface="微软雅黑" pitchFamily="34" charset="-122"/>
+              <a:ea typeface="微软雅黑" pitchFamily="34" charset="-122"/>
+            </a:endParaRPr>
           </a:p>
         </p:txBody>
       </p:sp>
@@ -30371,32 +31066,6 @@
       </p:grpSpPr>
       <p:sp>
         <p:nvSpPr>
-          <p:cNvPr id="27650" name="页脚占位符 3"/>
-          <p:cNvSpPr>
-            <a:spLocks noGrp="1"/>
-          </p:cNvSpPr>
-          <p:nvPr>
-            <p:ph type="ftr" sz="quarter" idx="10"/>
-          </p:nvPr>
-        </p:nvSpPr>
-        <p:spPr>
-          <a:noFill/>
-        </p:spPr>
-        <p:txBody>
-          <a:bodyPr/>
-          <a:lstStyle/>
-          <a:p>
-            <a:r>
-              <a:rPr lang="zh-CN" altLang="en-US">
-                <a:latin typeface="Arial" pitchFamily="34" charset="0"/>
-              </a:rPr>
-              <a:t>版权所有，复制注明出处</a:t>
-            </a:r>
-          </a:p>
-        </p:txBody>
-      </p:sp>
-      <p:sp>
-        <p:nvSpPr>
           <p:cNvPr id="27651" name="Rectangle 2"/>
           <p:cNvSpPr>
             <a:spLocks noGrp="1" noChangeArrowheads="1"/>
@@ -30412,24 +31081,24 @@
           <a:p>
             <a:pPr eaLnBrk="1" hangingPunct="1"/>
             <a:r>
-              <a:rPr lang="zh-CN" altLang="en-US" sz="3200">
+              <a:rPr lang="zh-CN" altLang="en-US" sz="3200" smtClean="0">
                 <a:ea typeface="宋体" pitchFamily="2" charset="-122"/>
               </a:rPr>
               <a:t>集成开发环境（</a:t>
             </a:r>
             <a:r>
-              <a:rPr lang="en-US" altLang="zh-CN" sz="3200">
+              <a:rPr lang="en-US" altLang="zh-CN" sz="3200" smtClean="0">
                 <a:ea typeface="宋体" pitchFamily="2" charset="-122"/>
               </a:rPr>
               <a:t>IDE</a:t>
             </a:r>
             <a:r>
-              <a:rPr lang="zh-CN" altLang="en-US" sz="3200">
+              <a:rPr lang="zh-CN" altLang="en-US" sz="3200" smtClean="0">
                 <a:ea typeface="宋体" pitchFamily="2" charset="-122"/>
               </a:rPr>
               <a:t>）</a:t>
             </a:r>
-            <a:endParaRPr lang="zh-CN" altLang="en-US" sz="1800">
+            <a:endParaRPr lang="zh-CN" altLang="en-US" sz="1800" smtClean="0">
               <a:ea typeface="宋体" pitchFamily="2" charset="-122"/>
             </a:endParaRPr>
           </a:p>
@@ -30662,10 +31331,15 @@
                 <a:solidFill>
                   <a:schemeClr val="bg1"/>
                 </a:solidFill>
-                <a:latin typeface="Arial" charset="0"/>
-              </a:rPr>
-              <a:t>连接</a:t>
-            </a:r>
+              </a:rPr>
+              <a:t>链接</a:t>
+            </a:r>
+            <a:endParaRPr lang="zh-CN" altLang="en-US" b="1">
+              <a:solidFill>
+                <a:schemeClr val="bg1"/>
+              </a:solidFill>
+              <a:latin typeface="Arial" charset="0"/>
+            </a:endParaRPr>
           </a:p>
         </p:txBody>
       </p:sp>
@@ -30944,7 +31618,7 @@
               <a:t>isual </a:t>
             </a:r>
             <a:r>
-              <a:rPr lang="en-US" altLang="zh-CN" b="1">
+              <a:rPr lang="en-US" altLang="zh-CN" b="1" smtClean="0">
                 <a:solidFill>
                   <a:srgbClr val="CA1204"/>
                 </a:solidFill>
@@ -30953,13 +31627,13 @@
               <a:t>S</a:t>
             </a:r>
             <a:r>
-              <a:rPr lang="en-US" altLang="zh-CN" b="1">
+              <a:rPr lang="en-US" altLang="zh-CN" b="1" smtClean="0">
                 <a:ea typeface="宋体" pitchFamily="2" charset="-122"/>
               </a:rPr>
               <a:t>tdio</a:t>
             </a:r>
             <a:r>
-              <a:rPr lang="en-US" altLang="zh-CN" b="1">
+              <a:rPr lang="en-US" altLang="zh-CN" b="1" smtClean="0">
                 <a:solidFill>
                   <a:srgbClr val="CA1204"/>
                 </a:solidFill>
@@ -30989,6 +31663,13 @@
   <p:transition spd="med">
     <p:fade/>
   </p:transition>
+  <p:timing>
+    <p:tnLst>
+      <p:par>
+        <p:cTn id="1" dur="indefinite" restart="never" nodeType="tmRoot"/>
+      </p:par>
+    </p:tnLst>
+  </p:timing>
 </p:sld>
 </file>
 
@@ -31426,10 +32107,17 @@
                 <a:latin typeface="微软雅黑" pitchFamily="34" charset="-122"/>
                 <a:ea typeface="微软雅黑" pitchFamily="34" charset="-122"/>
               </a:rPr>
-              <a:t>Studio 2012</a:t>
-            </a:r>
-            <a:r>
-              <a:rPr lang="zh-CN" altLang="en-US" b="1">
+              <a:t>Studio </a:t>
+            </a:r>
+            <a:r>
+              <a:rPr lang="en-US" altLang="zh-CN" b="1" smtClean="0">
+                <a:latin typeface="微软雅黑" pitchFamily="34" charset="-122"/>
+                <a:ea typeface="微软雅黑" pitchFamily="34" charset="-122"/>
+              </a:rPr>
+              <a:t>2012</a:t>
+            </a:r>
+            <a:r>
+              <a:rPr lang="zh-CN" altLang="en-US" b="1" smtClean="0">
                 <a:latin typeface="微软雅黑" pitchFamily="34" charset="-122"/>
                 <a:ea typeface="微软雅黑" pitchFamily="34" charset="-122"/>
               </a:rPr>
@@ -31482,19 +32170,23 @@
           <a:p>
             <a:pPr eaLnBrk="0" hangingPunct="0"/>
             <a:r>
-              <a:rPr lang="en-US" altLang="zh-CN" b="1" dirty="0">
+              <a:rPr lang="en-US" altLang="zh-CN" b="1" dirty="0" smtClean="0">
                 <a:latin typeface="微软雅黑" pitchFamily="34" charset="-122"/>
                 <a:ea typeface="微软雅黑" pitchFamily="34" charset="-122"/>
               </a:rPr>
               <a:t>C</a:t>
             </a:r>
             <a:r>
-              <a:rPr lang="zh-CN" altLang="en-US" b="1" dirty="0">
+              <a:rPr lang="zh-CN" altLang="en-US" b="1" dirty="0" smtClean="0">
                 <a:latin typeface="微软雅黑" pitchFamily="34" charset="-122"/>
                 <a:ea typeface="微软雅黑" pitchFamily="34" charset="-122"/>
               </a:rPr>
               <a:t>程序详解</a:t>
             </a:r>
+            <a:endParaRPr lang="zh-CN" altLang="en-US" b="1" dirty="0">
+              <a:latin typeface="微软雅黑" pitchFamily="34" charset="-122"/>
+              <a:ea typeface="微软雅黑" pitchFamily="34" charset="-122"/>
+            </a:endParaRPr>
           </a:p>
         </p:txBody>
       </p:sp>
@@ -31535,26 +32227,30 @@
           <a:p>
             <a:pPr eaLnBrk="0" hangingPunct="0"/>
             <a:r>
-              <a:rPr lang="zh-CN" altLang="en-US" b="1" dirty="0">
+              <a:rPr lang="zh-CN" altLang="en-US" b="1" dirty="0" smtClean="0">
                 <a:latin typeface="微软雅黑" pitchFamily="34" charset="-122"/>
                 <a:ea typeface="微软雅黑" pitchFamily="34" charset="-122"/>
               </a:rPr>
               <a:t>初识</a:t>
             </a:r>
             <a:r>
-              <a:rPr lang="en-US" altLang="zh-CN" b="1" dirty="0">
+              <a:rPr lang="en-US" altLang="zh-CN" b="1" dirty="0" smtClean="0">
                 <a:latin typeface="微软雅黑" pitchFamily="34" charset="-122"/>
                 <a:ea typeface="微软雅黑" pitchFamily="34" charset="-122"/>
               </a:rPr>
               <a:t>C</a:t>
             </a:r>
             <a:r>
-              <a:rPr lang="zh-CN" altLang="en-US" b="1" dirty="0">
+              <a:rPr lang="zh-CN" altLang="en-US" b="1" dirty="0" smtClean="0">
                 <a:latin typeface="微软雅黑" pitchFamily="34" charset="-122"/>
                 <a:ea typeface="微软雅黑" pitchFamily="34" charset="-122"/>
               </a:rPr>
               <a:t>程序</a:t>
             </a:r>
+            <a:endParaRPr lang="zh-CN" altLang="en-US" b="1" dirty="0">
+              <a:latin typeface="微软雅黑" pitchFamily="34" charset="-122"/>
+              <a:ea typeface="微软雅黑" pitchFamily="34" charset="-122"/>
+            </a:endParaRPr>
           </a:p>
         </p:txBody>
       </p:sp>
@@ -33170,14 +33866,14 @@
               <a:buChar char="v"/>
             </a:pPr>
             <a:r>
-              <a:rPr lang="zh-CN" altLang="en-US" sz="3200">
+              <a:rPr lang="zh-CN" altLang="en-US" sz="3200" smtClean="0">
                 <a:latin typeface="微软雅黑" panose="020B0503020204020204" pitchFamily="34" charset="-122"/>
                 <a:ea typeface="微软雅黑" panose="020B0503020204020204" pitchFamily="34" charset="-122"/>
               </a:rPr>
               <a:t>良好的</a:t>
             </a:r>
             <a:r>
-              <a:rPr lang="zh-CN" altLang="en-US" sz="3200">
+              <a:rPr lang="zh-CN" altLang="en-US" sz="3200" smtClean="0">
                 <a:solidFill>
                   <a:srgbClr val="FF0000"/>
                 </a:solidFill>
@@ -33187,7 +33883,7 @@
               <a:t>注释</a:t>
             </a:r>
             <a:r>
-              <a:rPr lang="zh-CN" altLang="en-US" sz="3200">
+              <a:rPr lang="zh-CN" altLang="en-US" sz="3200" smtClean="0">
                 <a:latin typeface="微软雅黑" panose="020B0503020204020204" pitchFamily="34" charset="-122"/>
                 <a:ea typeface="微软雅黑" panose="020B0503020204020204" pitchFamily="34" charset="-122"/>
               </a:rPr>
@@ -33208,14 +33904,14 @@
               <a:buChar char="v"/>
             </a:pPr>
             <a:r>
-              <a:rPr lang="zh-CN" altLang="en-US" sz="3200">
+              <a:rPr lang="zh-CN" altLang="en-US" sz="3200" smtClean="0">
                 <a:latin typeface="微软雅黑" panose="020B0503020204020204" pitchFamily="34" charset="-122"/>
                 <a:ea typeface="微软雅黑" panose="020B0503020204020204" pitchFamily="34" charset="-122"/>
               </a:rPr>
               <a:t>整齐的</a:t>
             </a:r>
             <a:r>
-              <a:rPr lang="zh-CN" altLang="en-US" sz="3200">
+              <a:rPr lang="zh-CN" altLang="en-US" sz="3200" smtClean="0">
                 <a:solidFill>
                   <a:srgbClr val="FF0000"/>
                 </a:solidFill>
@@ -33225,7 +33921,7 @@
               <a:t>缩进</a:t>
             </a:r>
             <a:r>
-              <a:rPr lang="zh-CN" altLang="en-US" sz="3200">
+              <a:rPr lang="zh-CN" altLang="en-US" sz="3200" smtClean="0">
                 <a:latin typeface="微软雅黑" panose="020B0503020204020204" pitchFamily="34" charset="-122"/>
                 <a:ea typeface="微软雅黑" panose="020B0503020204020204" pitchFamily="34" charset="-122"/>
               </a:rPr>
@@ -33246,14 +33942,14 @@
               <a:buChar char="v"/>
             </a:pPr>
             <a:r>
-              <a:rPr lang="zh-CN" altLang="en-US" sz="3200">
+              <a:rPr lang="zh-CN" altLang="en-US" sz="3200" smtClean="0">
                 <a:latin typeface="微软雅黑" panose="020B0503020204020204" pitchFamily="34" charset="-122"/>
                 <a:ea typeface="微软雅黑" panose="020B0503020204020204" pitchFamily="34" charset="-122"/>
               </a:rPr>
               <a:t>适当的</a:t>
             </a:r>
             <a:r>
-              <a:rPr lang="zh-CN" altLang="en-US" sz="3200">
+              <a:rPr lang="zh-CN" altLang="en-US" sz="3200" smtClean="0">
                 <a:solidFill>
                   <a:srgbClr val="FF0000"/>
                 </a:solidFill>
@@ -33263,7 +33959,7 @@
               <a:t>空行</a:t>
             </a:r>
             <a:r>
-              <a:rPr lang="zh-CN" altLang="en-US" sz="3200">
+              <a:rPr lang="zh-CN" altLang="en-US" sz="3200" smtClean="0">
                 <a:latin typeface="微软雅黑" panose="020B0503020204020204" pitchFamily="34" charset="-122"/>
                 <a:ea typeface="微软雅黑" panose="020B0503020204020204" pitchFamily="34" charset="-122"/>
               </a:rPr>
@@ -33284,14 +33980,14 @@
               <a:buChar char="v"/>
             </a:pPr>
             <a:r>
-              <a:rPr lang="zh-CN" altLang="en-US" sz="3200">
+              <a:rPr lang="zh-CN" altLang="en-US" sz="3200" smtClean="0">
                 <a:latin typeface="微软雅黑" panose="020B0503020204020204" pitchFamily="34" charset="-122"/>
                 <a:ea typeface="微软雅黑" panose="020B0503020204020204" pitchFamily="34" charset="-122"/>
               </a:rPr>
               <a:t>恰当位置的</a:t>
             </a:r>
             <a:r>
-              <a:rPr lang="zh-CN" altLang="en-US" sz="3200">
+              <a:rPr lang="zh-CN" altLang="en-US" sz="3200" smtClean="0">
                 <a:solidFill>
                   <a:srgbClr val="FF0000"/>
                 </a:solidFill>
@@ -33301,7 +33997,7 @@
               <a:t>空格</a:t>
             </a:r>
             <a:r>
-              <a:rPr lang="zh-CN" altLang="en-US" sz="3200">
+              <a:rPr lang="zh-CN" altLang="en-US" sz="3200" smtClean="0">
                 <a:latin typeface="微软雅黑" panose="020B0503020204020204" pitchFamily="34" charset="-122"/>
                 <a:ea typeface="微软雅黑" panose="020B0503020204020204" pitchFamily="34" charset="-122"/>
               </a:rPr>
@@ -33322,7 +34018,7 @@
               <a:buChar char="v"/>
             </a:pPr>
             <a:r>
-              <a:rPr lang="zh-CN" altLang="en-US" sz="3200">
+              <a:rPr lang="zh-CN" altLang="en-US" sz="3200" smtClean="0">
                 <a:solidFill>
                   <a:srgbClr val="FF0000"/>
                 </a:solidFill>
@@ -33332,7 +34028,7 @@
               <a:t>每行最多只有一条语句</a:t>
             </a:r>
             <a:r>
-              <a:rPr lang="zh-CN" altLang="en-US" sz="3200">
+              <a:rPr lang="zh-CN" altLang="en-US" sz="3200" smtClean="0">
                 <a:latin typeface="微软雅黑" panose="020B0503020204020204" pitchFamily="34" charset="-122"/>
                 <a:ea typeface="微软雅黑" panose="020B0503020204020204" pitchFamily="34" charset="-122"/>
               </a:rPr>
@@ -33352,7 +34048,7 @@
               <a:buFont typeface="Wingdings" panose="05000000000000000000" pitchFamily="2" charset="2"/>
               <a:buChar char="v"/>
             </a:pPr>
-            <a:endParaRPr lang="zh-CN" altLang="en-US" sz="3200">
+            <a:endParaRPr lang="zh-CN" altLang="en-US" sz="3200" smtClean="0">
               <a:latin typeface="微软雅黑" panose="020B0503020204020204" pitchFamily="34" charset="-122"/>
               <a:ea typeface="微软雅黑" panose="020B0503020204020204" pitchFamily="34" charset="-122"/>
             </a:endParaRPr>
@@ -33372,6 +34068,13 @@
   <p:transition spd="med">
     <p:fade/>
   </p:transition>
+  <p:timing>
+    <p:tnLst>
+      <p:par>
+        <p:cTn id="1" dur="indefinite" restart="never" nodeType="tmRoot"/>
+      </p:par>
+    </p:tnLst>
+  </p:timing>
 </p:sld>
 </file>
 
@@ -33435,51 +34138,55 @@
           <a:lstStyle/>
           <a:p>
             <a:r>
-              <a:rPr lang="zh-CN" altLang="en-US" dirty="0">
+              <a:rPr lang="zh-CN" altLang="en-US" dirty="0" smtClean="0">
                 <a:latin typeface="微软雅黑" pitchFamily="34" charset="-122"/>
                 <a:ea typeface="微软雅黑" pitchFamily="34" charset="-122"/>
               </a:rPr>
               <a:t>多读源代码</a:t>
             </a:r>
-            <a:endParaRPr lang="en-US" altLang="zh-CN" dirty="0">
+            <a:endParaRPr lang="en-US" altLang="zh-CN" dirty="0" smtClean="0">
               <a:latin typeface="微软雅黑" pitchFamily="34" charset="-122"/>
               <a:ea typeface="微软雅黑" pitchFamily="34" charset="-122"/>
             </a:endParaRPr>
           </a:p>
           <a:p>
             <a:r>
-              <a:rPr lang="zh-CN" altLang="en-US" dirty="0">
+              <a:rPr lang="zh-CN" altLang="en-US" dirty="0" smtClean="0">
                 <a:latin typeface="微软雅黑" pitchFamily="34" charset="-122"/>
                 <a:ea typeface="微软雅黑" pitchFamily="34" charset="-122"/>
               </a:rPr>
               <a:t>多读一些经典算法</a:t>
             </a:r>
-            <a:endParaRPr lang="en-US" altLang="zh-CN" dirty="0">
+            <a:endParaRPr lang="en-US" altLang="zh-CN" dirty="0" smtClean="0">
               <a:latin typeface="微软雅黑" pitchFamily="34" charset="-122"/>
               <a:ea typeface="微软雅黑" pitchFamily="34" charset="-122"/>
             </a:endParaRPr>
           </a:p>
           <a:p>
             <a:r>
-              <a:rPr lang="zh-CN" altLang="en-US">
+              <a:rPr lang="zh-CN" altLang="en-US" smtClean="0">
                 <a:latin typeface="微软雅黑" pitchFamily="34" charset="-122"/>
                 <a:ea typeface="微软雅黑" pitchFamily="34" charset="-122"/>
               </a:rPr>
               <a:t>不要怕犯错误</a:t>
             </a:r>
-            <a:endParaRPr lang="en-US" altLang="zh-CN" dirty="0">
+            <a:endParaRPr lang="en-US" altLang="zh-CN" dirty="0" smtClean="0">
               <a:latin typeface="微软雅黑" pitchFamily="34" charset="-122"/>
               <a:ea typeface="微软雅黑" pitchFamily="34" charset="-122"/>
             </a:endParaRPr>
           </a:p>
           <a:p>
             <a:r>
-              <a:rPr lang="zh-CN" altLang="en-US" dirty="0">
+              <a:rPr lang="zh-CN" altLang="en-US" dirty="0" smtClean="0">
                 <a:latin typeface="微软雅黑" pitchFamily="34" charset="-122"/>
                 <a:ea typeface="微软雅黑" pitchFamily="34" charset="-122"/>
               </a:rPr>
               <a:t>最重要的就是：</a:t>
             </a:r>
+            <a:endParaRPr lang="zh-CN" altLang="en-US" dirty="0">
+              <a:latin typeface="微软雅黑" pitchFamily="34" charset="-122"/>
+              <a:ea typeface="微软雅黑" pitchFamily="34" charset="-122"/>
+            </a:endParaRPr>
           </a:p>
         </p:txBody>
       </p:sp>
@@ -33544,7 +34251,7 @@
           <a:lstStyle/>
           <a:p>
             <a:r>
-              <a:rPr lang="zh-CN" altLang="en-US" sz="4800" b="1" dirty="0">
+              <a:rPr lang="zh-CN" altLang="en-US" sz="4800" b="1" dirty="0" smtClean="0">
                 <a:ln w="10541" cmpd="sng">
                   <a:solidFill>
                     <a:schemeClr val="accent1">
@@ -33565,7 +34272,7 @@
               <a:t>编程，编程，再编程 </a:t>
             </a:r>
             <a:r>
-              <a:rPr lang="en-US" altLang="zh-CN" sz="4800" b="1" dirty="0">
+              <a:rPr lang="en-US" altLang="zh-CN" sz="4800" b="1" dirty="0" smtClean="0">
                 <a:ln w="10541" cmpd="sng">
                   <a:solidFill>
                     <a:schemeClr val="accent1">
@@ -33619,6 +34326,13 @@
   <p:transition spd="med">
     <p:fade/>
   </p:transition>
+  <p:timing>
+    <p:tnLst>
+      <p:par>
+        <p:cTn id="1" dur="indefinite" restart="never" nodeType="tmRoot"/>
+      </p:par>
+    </p:tnLst>
+  </p:timing>
 </p:sld>
 </file>
 
@@ -34056,10 +34770,17 @@
                 <a:latin typeface="微软雅黑" pitchFamily="34" charset="-122"/>
                 <a:ea typeface="微软雅黑" pitchFamily="34" charset="-122"/>
               </a:rPr>
-              <a:t>Studio 2012</a:t>
-            </a:r>
-            <a:r>
-              <a:rPr lang="zh-CN" altLang="en-US" b="1">
+              <a:t>Studio </a:t>
+            </a:r>
+            <a:r>
+              <a:rPr lang="en-US" altLang="zh-CN" b="1" smtClean="0">
+                <a:latin typeface="微软雅黑" pitchFamily="34" charset="-122"/>
+                <a:ea typeface="微软雅黑" pitchFamily="34" charset="-122"/>
+              </a:rPr>
+              <a:t>2012</a:t>
+            </a:r>
+            <a:r>
+              <a:rPr lang="zh-CN" altLang="en-US" b="1" smtClean="0">
                 <a:latin typeface="微软雅黑" pitchFamily="34" charset="-122"/>
                 <a:ea typeface="微软雅黑" pitchFamily="34" charset="-122"/>
               </a:rPr>
@@ -34112,19 +34833,23 @@
           <a:p>
             <a:pPr eaLnBrk="0" hangingPunct="0"/>
             <a:r>
-              <a:rPr lang="en-US" altLang="zh-CN" b="1" dirty="0">
+              <a:rPr lang="en-US" altLang="zh-CN" b="1" dirty="0" smtClean="0">
                 <a:latin typeface="微软雅黑" pitchFamily="34" charset="-122"/>
                 <a:ea typeface="微软雅黑" pitchFamily="34" charset="-122"/>
               </a:rPr>
               <a:t>C</a:t>
             </a:r>
             <a:r>
-              <a:rPr lang="zh-CN" altLang="en-US" b="1" dirty="0">
+              <a:rPr lang="zh-CN" altLang="en-US" b="1" dirty="0" smtClean="0">
                 <a:latin typeface="微软雅黑" pitchFamily="34" charset="-122"/>
                 <a:ea typeface="微软雅黑" pitchFamily="34" charset="-122"/>
               </a:rPr>
               <a:t>程序详解</a:t>
             </a:r>
+            <a:endParaRPr lang="zh-CN" altLang="en-US" b="1" dirty="0">
+              <a:latin typeface="微软雅黑" pitchFamily="34" charset="-122"/>
+              <a:ea typeface="微软雅黑" pitchFamily="34" charset="-122"/>
+            </a:endParaRPr>
           </a:p>
         </p:txBody>
       </p:sp>
@@ -34165,26 +34890,30 @@
           <a:p>
             <a:pPr eaLnBrk="0" hangingPunct="0"/>
             <a:r>
-              <a:rPr lang="zh-CN" altLang="en-US" b="1" dirty="0">
+              <a:rPr lang="zh-CN" altLang="en-US" b="1" dirty="0" smtClean="0">
                 <a:latin typeface="微软雅黑" pitchFamily="34" charset="-122"/>
                 <a:ea typeface="微软雅黑" pitchFamily="34" charset="-122"/>
               </a:rPr>
               <a:t>初识</a:t>
             </a:r>
             <a:r>
-              <a:rPr lang="en-US" altLang="zh-CN" b="1" dirty="0">
+              <a:rPr lang="en-US" altLang="zh-CN" b="1" dirty="0" smtClean="0">
                 <a:latin typeface="微软雅黑" pitchFamily="34" charset="-122"/>
                 <a:ea typeface="微软雅黑" pitchFamily="34" charset="-122"/>
               </a:rPr>
               <a:t>C</a:t>
             </a:r>
             <a:r>
-              <a:rPr lang="zh-CN" altLang="en-US" b="1" dirty="0">
+              <a:rPr lang="zh-CN" altLang="en-US" b="1" dirty="0" smtClean="0">
                 <a:latin typeface="微软雅黑" pitchFamily="34" charset="-122"/>
                 <a:ea typeface="微软雅黑" pitchFamily="34" charset="-122"/>
               </a:rPr>
               <a:t>程序</a:t>
             </a:r>
+            <a:endParaRPr lang="zh-CN" altLang="en-US" b="1" dirty="0">
+              <a:latin typeface="微软雅黑" pitchFamily="34" charset="-122"/>
+              <a:ea typeface="微软雅黑" pitchFamily="34" charset="-122"/>
+            </a:endParaRPr>
           </a:p>
         </p:txBody>
       </p:sp>
@@ -35793,13 +36522,13 @@
               </a:lnSpc>
             </a:pPr>
             <a:r>
-              <a:rPr lang="zh-CN" altLang="en-US" sz="2400">
+              <a:rPr lang="zh-CN" altLang="en-US" sz="2400" smtClean="0">
                 <a:latin typeface="微软雅黑" pitchFamily="34" charset="-122"/>
                 <a:ea typeface="微软雅黑" pitchFamily="34" charset="-122"/>
               </a:rPr>
               <a:t>基本概念。</a:t>
             </a:r>
-            <a:endParaRPr lang="en-US" altLang="zh-CN" sz="2400">
+            <a:endParaRPr lang="en-US" altLang="zh-CN" sz="2400" smtClean="0">
               <a:latin typeface="微软雅黑" pitchFamily="34" charset="-122"/>
               <a:ea typeface="微软雅黑" pitchFamily="34" charset="-122"/>
             </a:endParaRPr>
@@ -35811,20 +36540,20 @@
               </a:lnSpc>
             </a:pPr>
             <a:r>
-              <a:rPr lang="en-US" altLang="zh-CN">
+              <a:rPr lang="en-US" altLang="zh-CN" smtClean="0">
                 <a:latin typeface="微软雅黑" pitchFamily="34" charset="-122"/>
                 <a:ea typeface="微软雅黑" pitchFamily="34" charset="-122"/>
               </a:rPr>
               <a:t>C</a:t>
             </a:r>
             <a:r>
-              <a:rPr lang="zh-CN" altLang="en-US">
+              <a:rPr lang="zh-CN" altLang="en-US" smtClean="0">
                 <a:latin typeface="微软雅黑" pitchFamily="34" charset="-122"/>
                 <a:ea typeface="微软雅黑" pitchFamily="34" charset="-122"/>
               </a:rPr>
               <a:t>语言程序</a:t>
             </a:r>
-            <a:endParaRPr lang="en-US" altLang="zh-CN">
+            <a:endParaRPr lang="en-US" altLang="zh-CN" smtClean="0">
               <a:latin typeface="微软雅黑" pitchFamily="34" charset="-122"/>
               <a:ea typeface="微软雅黑" pitchFamily="34" charset="-122"/>
             </a:endParaRPr>
@@ -35836,20 +36565,20 @@
               </a:lnSpc>
             </a:pPr>
             <a:r>
-              <a:rPr lang="en-US" altLang="zh-CN">
+              <a:rPr lang="en-US" altLang="zh-CN" smtClean="0">
                 <a:latin typeface="微软雅黑" pitchFamily="34" charset="-122"/>
                 <a:ea typeface="微软雅黑" pitchFamily="34" charset="-122"/>
               </a:rPr>
               <a:t>C</a:t>
             </a:r>
             <a:r>
-              <a:rPr lang="zh-CN" altLang="en-US">
+              <a:rPr lang="zh-CN" altLang="en-US" smtClean="0">
                 <a:latin typeface="微软雅黑" pitchFamily="34" charset="-122"/>
                 <a:ea typeface="微软雅黑" pitchFamily="34" charset="-122"/>
               </a:rPr>
               <a:t>语言标准</a:t>
             </a:r>
-            <a:endParaRPr lang="en-US" altLang="zh-CN">
+            <a:endParaRPr lang="en-US" altLang="zh-CN" smtClean="0">
               <a:latin typeface="微软雅黑" pitchFamily="34" charset="-122"/>
               <a:ea typeface="微软雅黑" pitchFamily="34" charset="-122"/>
             </a:endParaRPr>
@@ -35861,21 +36590,21 @@
               </a:lnSpc>
             </a:pPr>
             <a:r>
-              <a:rPr lang="zh-CN" altLang="en-US" sz="2400">
+              <a:rPr lang="zh-CN" altLang="en-US" sz="2400" smtClean="0">
                 <a:latin typeface="微软雅黑" pitchFamily="34" charset="-122"/>
                 <a:ea typeface="微软雅黑" pitchFamily="34" charset="-122"/>
               </a:rPr>
               <a:t>掌握</a:t>
             </a:r>
             <a:r>
-              <a:rPr lang="en-US" altLang="zh-CN" sz="2400">
+              <a:rPr lang="en-US" altLang="zh-CN" sz="2400" smtClean="0">
                 <a:latin typeface="微软雅黑" pitchFamily="34" charset="-122"/>
                 <a:ea typeface="微软雅黑" pitchFamily="34" charset="-122"/>
               </a:rPr>
               <a:t>main</a:t>
             </a:r>
             <a:r>
-              <a:rPr lang="zh-CN" altLang="en-US" sz="2400">
+              <a:rPr lang="zh-CN" altLang="en-US" sz="2400" smtClean="0">
                 <a:latin typeface="微软雅黑" pitchFamily="34" charset="-122"/>
                 <a:ea typeface="微软雅黑" pitchFamily="34" charset="-122"/>
               </a:rPr>
@@ -35889,7 +36618,7 @@
               </a:lnSpc>
             </a:pPr>
             <a:r>
-              <a:rPr lang="zh-CN" altLang="en-US" sz="2400">
+              <a:rPr lang="zh-CN" altLang="en-US" sz="2400" smtClean="0">
                 <a:latin typeface="微软雅黑" pitchFamily="34" charset="-122"/>
                 <a:ea typeface="微软雅黑" pitchFamily="34" charset="-122"/>
               </a:rPr>
@@ -35903,21 +36632,21 @@
               </a:lnSpc>
             </a:pPr>
             <a:r>
-              <a:rPr lang="zh-CN" altLang="en-US" sz="2400">
+              <a:rPr lang="zh-CN" altLang="en-US" sz="2400" smtClean="0">
                 <a:latin typeface="微软雅黑" pitchFamily="34" charset="-122"/>
                 <a:ea typeface="微软雅黑" pitchFamily="34" charset="-122"/>
               </a:rPr>
               <a:t>认识</a:t>
             </a:r>
             <a:r>
-              <a:rPr lang="en-US" altLang="zh-CN" sz="2400">
+              <a:rPr lang="en-US" altLang="zh-CN" sz="2400" smtClean="0">
                 <a:latin typeface="微软雅黑" pitchFamily="34" charset="-122"/>
                 <a:ea typeface="微软雅黑" pitchFamily="34" charset="-122"/>
               </a:rPr>
               <a:t>c</a:t>
             </a:r>
             <a:r>
-              <a:rPr lang="zh-CN" altLang="en-US" sz="2400">
+              <a:rPr lang="zh-CN" altLang="en-US" sz="2400" smtClean="0">
                 <a:latin typeface="微软雅黑" pitchFamily="34" charset="-122"/>
                 <a:ea typeface="微软雅黑" pitchFamily="34" charset="-122"/>
               </a:rPr>
@@ -35931,7 +36660,7 @@
               </a:lnSpc>
             </a:pPr>
             <a:r>
-              <a:rPr lang="zh-CN" altLang="en-US" sz="2400">
+              <a:rPr lang="zh-CN" altLang="en-US" sz="2400" smtClean="0">
                 <a:latin typeface="微软雅黑" pitchFamily="34" charset="-122"/>
                 <a:ea typeface="微软雅黑" pitchFamily="34" charset="-122"/>
               </a:rPr>
@@ -35945,21 +36674,21 @@
               </a:lnSpc>
             </a:pPr>
             <a:r>
-              <a:rPr lang="zh-CN" altLang="en-US" sz="2400">
+              <a:rPr lang="zh-CN" altLang="en-US" sz="2400" smtClean="0">
                 <a:latin typeface="微软雅黑" pitchFamily="34" charset="-122"/>
                 <a:ea typeface="微软雅黑" pitchFamily="34" charset="-122"/>
               </a:rPr>
               <a:t>学会</a:t>
             </a:r>
             <a:r>
-              <a:rPr lang="en-US" altLang="zh-CN" sz="2400">
+              <a:rPr lang="en-US" altLang="zh-CN" sz="2400" smtClean="0">
                 <a:latin typeface="微软雅黑" pitchFamily="34" charset="-122"/>
                 <a:ea typeface="微软雅黑" pitchFamily="34" charset="-122"/>
               </a:rPr>
               <a:t>Visual Studio 2012</a:t>
             </a:r>
             <a:r>
-              <a:rPr lang="zh-CN" altLang="en-US" sz="2400">
+              <a:rPr lang="zh-CN" altLang="en-US" sz="2400" smtClean="0">
                 <a:latin typeface="微软雅黑" pitchFamily="34" charset="-122"/>
                 <a:ea typeface="微软雅黑" pitchFamily="34" charset="-122"/>
               </a:rPr>
@@ -35973,13 +36702,13 @@
               </a:lnSpc>
             </a:pPr>
             <a:r>
-              <a:rPr lang="zh-CN" altLang="en-US" sz="2400">
+              <a:rPr lang="zh-CN" altLang="en-US" sz="2400" smtClean="0">
                 <a:latin typeface="微软雅黑" pitchFamily="34" charset="-122"/>
                 <a:ea typeface="微软雅黑" pitchFamily="34" charset="-122"/>
               </a:rPr>
-              <a:t>模仿编辑、编译、连接和运行另外一个程序。</a:t>
-            </a:r>
-            <a:endParaRPr lang="zh-CN" altLang="en-US" sz="2400" dirty="0">
+              <a:t>模仿编辑、编译、链接和运行另外一个程序。</a:t>
+            </a:r>
+            <a:endParaRPr lang="zh-CN" altLang="en-US" sz="2400" dirty="0" smtClean="0">
               <a:latin typeface="微软雅黑" pitchFamily="34" charset="-122"/>
               <a:ea typeface="微软雅黑" pitchFamily="34" charset="-122"/>
             </a:endParaRPr>
@@ -35999,6 +36728,13 @@
   <p:transition spd="med">
     <p:fade/>
   </p:transition>
+  <p:timing>
+    <p:tnLst>
+      <p:par>
+        <p:cTn id="1" dur="indefinite" restart="never" nodeType="tmRoot"/>
+      </p:par>
+    </p:tnLst>
+  </p:timing>
 </p:sld>
 </file>
 
@@ -36325,27 +37061,27 @@
           <a:lstStyle/>
           <a:p>
             <a:r>
-              <a:rPr lang="zh-CN" altLang="en-US" dirty="0">
+              <a:rPr lang="zh-CN" altLang="en-US" dirty="0" smtClean="0">
                 <a:latin typeface="微软雅黑" pitchFamily="34" charset="-122"/>
                 <a:ea typeface="微软雅黑" pitchFamily="34" charset="-122"/>
               </a:rPr>
               <a:t>什么是程序</a:t>
             </a:r>
             <a:r>
-              <a:rPr lang="en-US" altLang="zh-CN" dirty="0">
+              <a:rPr lang="en-US" altLang="zh-CN" dirty="0" smtClean="0">
                 <a:latin typeface="微软雅黑" pitchFamily="34" charset="-122"/>
                 <a:ea typeface="微软雅黑" pitchFamily="34" charset="-122"/>
               </a:rPr>
               <a:t>(program)</a:t>
             </a:r>
             <a:r>
-              <a:rPr lang="zh-CN" altLang="en-US" dirty="0">
+              <a:rPr lang="zh-CN" altLang="en-US" dirty="0" smtClean="0">
                 <a:latin typeface="微软雅黑" pitchFamily="34" charset="-122"/>
                 <a:ea typeface="微软雅黑" pitchFamily="34" charset="-122"/>
               </a:rPr>
               <a:t>？</a:t>
             </a:r>
-            <a:endParaRPr lang="en-US" altLang="zh-CN" dirty="0">
+            <a:endParaRPr lang="en-US" altLang="zh-CN" dirty="0" smtClean="0">
               <a:latin typeface="微软雅黑" pitchFamily="34" charset="-122"/>
               <a:ea typeface="微软雅黑" pitchFamily="34" charset="-122"/>
             </a:endParaRPr>
@@ -36353,14 +37089,14 @@
           <a:p>
             <a:pPr lvl="1"/>
             <a:r>
-              <a:rPr lang="zh-CN" altLang="en-US" dirty="0">
+              <a:rPr lang="zh-CN" altLang="en-US" dirty="0" smtClean="0">
                 <a:latin typeface="微软雅黑" pitchFamily="34" charset="-122"/>
                 <a:ea typeface="微软雅黑" pitchFamily="34" charset="-122"/>
               </a:rPr>
               <a:t>从“番茄炒蛋”说起</a:t>
             </a:r>
             <a:r>
-              <a:rPr lang="en-US" altLang="zh-CN" dirty="0">
+              <a:rPr lang="en-US" altLang="zh-CN" dirty="0" smtClean="0">
                 <a:latin typeface="微软雅黑" pitchFamily="34" charset="-122"/>
                 <a:ea typeface="微软雅黑" pitchFamily="34" charset="-122"/>
               </a:rPr>
@@ -36369,56 +37105,56 @@
           </a:p>
           <a:p>
             <a:pPr lvl="1"/>
-            <a:endParaRPr lang="en-US" altLang="zh-CN" dirty="0">
+            <a:endParaRPr lang="en-US" altLang="zh-CN" dirty="0" smtClean="0">
               <a:latin typeface="微软雅黑" pitchFamily="34" charset="-122"/>
               <a:ea typeface="微软雅黑" pitchFamily="34" charset="-122"/>
             </a:endParaRPr>
           </a:p>
           <a:p>
             <a:pPr lvl="1"/>
-            <a:endParaRPr lang="en-US" altLang="zh-CN" dirty="0">
+            <a:endParaRPr lang="en-US" altLang="zh-CN" dirty="0" smtClean="0">
               <a:latin typeface="微软雅黑" pitchFamily="34" charset="-122"/>
               <a:ea typeface="微软雅黑" pitchFamily="34" charset="-122"/>
             </a:endParaRPr>
           </a:p>
           <a:p>
             <a:pPr lvl="1"/>
-            <a:endParaRPr lang="en-US" altLang="zh-CN" dirty="0">
+            <a:endParaRPr lang="en-US" altLang="zh-CN" dirty="0" smtClean="0">
               <a:latin typeface="微软雅黑" pitchFamily="34" charset="-122"/>
               <a:ea typeface="微软雅黑" pitchFamily="34" charset="-122"/>
             </a:endParaRPr>
           </a:p>
           <a:p>
             <a:pPr lvl="1"/>
-            <a:endParaRPr lang="en-US" altLang="zh-CN" dirty="0">
+            <a:endParaRPr lang="en-US" altLang="zh-CN" dirty="0" smtClean="0">
               <a:latin typeface="微软雅黑" pitchFamily="34" charset="-122"/>
               <a:ea typeface="微软雅黑" pitchFamily="34" charset="-122"/>
             </a:endParaRPr>
           </a:p>
           <a:p>
             <a:pPr lvl="1"/>
-            <a:endParaRPr lang="en-US" altLang="zh-CN" dirty="0">
+            <a:endParaRPr lang="en-US" altLang="zh-CN" dirty="0" smtClean="0">
               <a:latin typeface="微软雅黑" pitchFamily="34" charset="-122"/>
               <a:ea typeface="微软雅黑" pitchFamily="34" charset="-122"/>
             </a:endParaRPr>
           </a:p>
           <a:p>
             <a:pPr lvl="1"/>
-            <a:endParaRPr lang="en-US" altLang="zh-CN" dirty="0">
+            <a:endParaRPr lang="en-US" altLang="zh-CN" dirty="0" smtClean="0">
               <a:latin typeface="微软雅黑" pitchFamily="34" charset="-122"/>
               <a:ea typeface="微软雅黑" pitchFamily="34" charset="-122"/>
             </a:endParaRPr>
           </a:p>
           <a:p>
             <a:pPr lvl="1"/>
-            <a:endParaRPr lang="en-US" altLang="zh-CN" dirty="0">
+            <a:endParaRPr lang="en-US" altLang="zh-CN" dirty="0" smtClean="0">
               <a:latin typeface="微软雅黑" pitchFamily="34" charset="-122"/>
               <a:ea typeface="微软雅黑" pitchFamily="34" charset="-122"/>
             </a:endParaRPr>
           </a:p>
           <a:p>
             <a:pPr lvl="1"/>
-            <a:endParaRPr lang="en-US" altLang="zh-CN" dirty="0">
+            <a:endParaRPr lang="en-US" altLang="zh-CN" dirty="0" smtClean="0">
               <a:latin typeface="微软雅黑" pitchFamily="34" charset="-122"/>
               <a:ea typeface="微软雅黑" pitchFamily="34" charset="-122"/>
             </a:endParaRPr>
@@ -36426,7 +37162,7 @@
           <a:p>
             <a:pPr lvl="1"/>
             <a:r>
-              <a:rPr lang="zh-CN" altLang="en-US" b="1" dirty="0">
+              <a:rPr lang="zh-CN" altLang="en-US" b="1" dirty="0" smtClean="0">
                 <a:solidFill>
                   <a:srgbClr val="FF0000"/>
                 </a:solidFill>
@@ -36436,28 +37172,28 @@
               <a:t>程序</a:t>
             </a:r>
             <a:r>
-              <a:rPr lang="en-US" altLang="zh-CN" dirty="0">
+              <a:rPr lang="en-US" altLang="zh-CN" dirty="0" smtClean="0">
                 <a:latin typeface="微软雅黑" pitchFamily="34" charset="-122"/>
                 <a:ea typeface="微软雅黑" pitchFamily="34" charset="-122"/>
               </a:rPr>
               <a:t> </a:t>
             </a:r>
             <a:r>
-              <a:rPr lang="zh-CN" altLang="en-US" dirty="0">
+              <a:rPr lang="zh-CN" altLang="en-US" dirty="0" smtClean="0">
                 <a:latin typeface="微软雅黑" pitchFamily="34" charset="-122"/>
                 <a:ea typeface="微软雅黑" pitchFamily="34" charset="-122"/>
               </a:rPr>
               <a:t>为解决特定问题而用</a:t>
             </a:r>
             <a:r>
-              <a:rPr lang="zh-CN" altLang="en-US" b="1" dirty="0">
+              <a:rPr lang="zh-CN" altLang="en-US" b="1" dirty="0" smtClean="0">
                 <a:latin typeface="微软雅黑" pitchFamily="34" charset="-122"/>
                 <a:ea typeface="微软雅黑" pitchFamily="34" charset="-122"/>
               </a:rPr>
               <a:t>计算机语言编写</a:t>
             </a:r>
             <a:r>
-              <a:rPr lang="zh-CN" altLang="en-US" dirty="0">
+              <a:rPr lang="zh-CN" altLang="en-US" dirty="0" smtClean="0">
                 <a:latin typeface="微软雅黑" pitchFamily="34" charset="-122"/>
                 <a:ea typeface="微软雅黑" pitchFamily="34" charset="-122"/>
               </a:rPr>
@@ -38010,6 +38746,13 @@
   <p:transition spd="med">
     <p:fade/>
   </p:transition>
+  <p:timing>
+    <p:tnLst>
+      <p:par>
+        <p:cTn id="1" dur="indefinite" restart="never" nodeType="tmRoot"/>
+      </p:par>
+    </p:tnLst>
+  </p:timing>
 </p:sld>
 </file>
 
@@ -38098,7 +38841,7 @@
           <a:p>
             <a:pPr algn="ctr"/>
             <a:r>
-              <a:rPr lang="zh-CN" altLang="en-US" sz="2800" b="1" dirty="0">
+              <a:rPr lang="zh-CN" altLang="en-US" sz="2800" b="1" dirty="0" smtClean="0">
                 <a:solidFill>
                   <a:schemeClr val="accent2">
                     <a:lumMod val="50000"/>
@@ -38109,6 +38852,15 @@
               </a:rPr>
               <a:t>语言的发展过程</a:t>
             </a:r>
+            <a:endParaRPr lang="zh-CN" altLang="en-US" sz="2800" b="1" dirty="0">
+              <a:solidFill>
+                <a:schemeClr val="accent2">
+                  <a:lumMod val="50000"/>
+                </a:schemeClr>
+              </a:solidFill>
+              <a:latin typeface="微软雅黑" pitchFamily="34" charset="-122"/>
+              <a:ea typeface="微软雅黑" pitchFamily="34" charset="-122"/>
+            </a:endParaRPr>
           </a:p>
         </p:txBody>
       </p:sp>
@@ -38347,39 +39099,75 @@
               <a:buChar char="v"/>
             </a:pPr>
             <a:r>
+              <a:rPr lang="zh-CN" altLang="en-US" smtClean="0">
+                <a:latin typeface="微软雅黑" panose="020B0503020204020204" pitchFamily="34" charset="-122"/>
+                <a:ea typeface="微软雅黑" panose="020B0503020204020204" pitchFamily="34" charset="-122"/>
+              </a:rPr>
+              <a:t>机器语言：由一系列二进制</a:t>
+            </a:r>
+            <a:r>
+              <a:rPr lang="en-US" altLang="zh-CN" smtClean="0">
+                <a:latin typeface="微软雅黑" panose="020B0503020204020204" pitchFamily="34" charset="-122"/>
+                <a:ea typeface="微软雅黑" panose="020B0503020204020204" pitchFamily="34" charset="-122"/>
+              </a:rPr>
+              <a:t>0</a:t>
+            </a:r>
+            <a:r>
+              <a:rPr lang="zh-CN" altLang="en-US" smtClean="0">
+                <a:latin typeface="微软雅黑" panose="020B0503020204020204" pitchFamily="34" charset="-122"/>
+                <a:ea typeface="微软雅黑" panose="020B0503020204020204" pitchFamily="34" charset="-122"/>
+              </a:rPr>
+              <a:t>和</a:t>
+            </a:r>
+            <a:r>
+              <a:rPr lang="en-US" altLang="zh-CN" smtClean="0">
+                <a:latin typeface="微软雅黑" panose="020B0503020204020204" pitchFamily="34" charset="-122"/>
+                <a:ea typeface="微软雅黑" panose="020B0503020204020204" pitchFamily="34" charset="-122"/>
+              </a:rPr>
+              <a:t>1</a:t>
+            </a:r>
+            <a:r>
+              <a:rPr lang="zh-CN" altLang="en-US" smtClean="0">
+                <a:latin typeface="微软雅黑" panose="020B0503020204020204" pitchFamily="34" charset="-122"/>
+                <a:ea typeface="微软雅黑" panose="020B0503020204020204" pitchFamily="34" charset="-122"/>
+              </a:rPr>
+              <a:t>组成</a:t>
+            </a:r>
+            <a:endParaRPr lang="en-US" altLang="zh-CN" smtClean="0">
+              <a:latin typeface="微软雅黑" panose="020B0503020204020204" pitchFamily="34" charset="-122"/>
+              <a:ea typeface="微软雅黑" panose="020B0503020204020204" pitchFamily="34" charset="-122"/>
+            </a:endParaRPr>
+          </a:p>
+          <a:p>
+            <a:pPr>
+              <a:buClr>
+                <a:schemeClr val="bg2">
+                  <a:lumMod val="50000"/>
+                </a:schemeClr>
+              </a:buClr>
+              <a:buFont typeface="Wingdings" panose="05000000000000000000" pitchFamily="2" charset="2"/>
+              <a:buChar char="v"/>
+            </a:pPr>
+            <a:r>
               <a:rPr lang="zh-CN" altLang="en-US">
                 <a:latin typeface="微软雅黑" panose="020B0503020204020204" pitchFamily="34" charset="-122"/>
                 <a:ea typeface="微软雅黑" panose="020B0503020204020204" pitchFamily="34" charset="-122"/>
               </a:rPr>
-              <a:t>机器语言：由一系列二进制</a:t>
+              <a:t>机器语言编写的</a:t>
             </a:r>
             <a:r>
               <a:rPr lang="en-US" altLang="zh-CN">
                 <a:latin typeface="微软雅黑" panose="020B0503020204020204" pitchFamily="34" charset="-122"/>
                 <a:ea typeface="微软雅黑" panose="020B0503020204020204" pitchFamily="34" charset="-122"/>
               </a:rPr>
-              <a:t>0</a:t>
+              <a:t>1+1</a:t>
             </a:r>
             <a:r>
               <a:rPr lang="zh-CN" altLang="en-US">
                 <a:latin typeface="微软雅黑" panose="020B0503020204020204" pitchFamily="34" charset="-122"/>
                 <a:ea typeface="微软雅黑" panose="020B0503020204020204" pitchFamily="34" charset="-122"/>
               </a:rPr>
-              <a:t>和</a:t>
-            </a:r>
-            <a:r>
-              <a:rPr lang="en-US" altLang="zh-CN">
-                <a:latin typeface="微软雅黑" panose="020B0503020204020204" pitchFamily="34" charset="-122"/>
-                <a:ea typeface="微软雅黑" panose="020B0503020204020204" pitchFamily="34" charset="-122"/>
-              </a:rPr>
-              <a:t>1</a:t>
-            </a:r>
-            <a:r>
-              <a:rPr lang="zh-CN" altLang="en-US">
-                <a:latin typeface="微软雅黑" panose="020B0503020204020204" pitchFamily="34" charset="-122"/>
-                <a:ea typeface="微软雅黑" panose="020B0503020204020204" pitchFamily="34" charset="-122"/>
-              </a:rPr>
-              <a:t>组成</a:t>
+              <a:t>程序</a:t>
             </a:r>
             <a:endParaRPr lang="en-US" altLang="zh-CN">
               <a:latin typeface="微软雅黑" panose="020B0503020204020204" pitchFamily="34" charset="-122"/>
@@ -38396,28 +39184,7 @@
               <a:buFont typeface="Wingdings" panose="05000000000000000000" pitchFamily="2" charset="2"/>
               <a:buChar char="v"/>
             </a:pPr>
-            <a:r>
-              <a:rPr lang="zh-CN" altLang="en-US">
-                <a:latin typeface="微软雅黑" panose="020B0503020204020204" pitchFamily="34" charset="-122"/>
-                <a:ea typeface="微软雅黑" panose="020B0503020204020204" pitchFamily="34" charset="-122"/>
-              </a:rPr>
-              <a:t>机器语言编写的</a:t>
-            </a:r>
-            <a:r>
-              <a:rPr lang="en-US" altLang="zh-CN">
-                <a:latin typeface="微软雅黑" panose="020B0503020204020204" pitchFamily="34" charset="-122"/>
-                <a:ea typeface="微软雅黑" panose="020B0503020204020204" pitchFamily="34" charset="-122"/>
-              </a:rPr>
-              <a:t>1+1</a:t>
-            </a:r>
-            <a:r>
-              <a:rPr lang="zh-CN" altLang="en-US">
-                <a:latin typeface="微软雅黑" panose="020B0503020204020204" pitchFamily="34" charset="-122"/>
-                <a:ea typeface="微软雅黑" panose="020B0503020204020204" pitchFamily="34" charset="-122"/>
-              </a:rPr>
-              <a:t>程序</a:t>
-            </a:r>
-            <a:endParaRPr lang="en-US" altLang="zh-CN">
+            <a:endParaRPr lang="en-US" altLang="zh-CN" smtClean="0">
               <a:latin typeface="微软雅黑" panose="020B0503020204020204" pitchFamily="34" charset="-122"/>
               <a:ea typeface="微软雅黑" panose="020B0503020204020204" pitchFamily="34" charset="-122"/>
             </a:endParaRPr>
@@ -38432,7 +39199,7 @@
               <a:buFont typeface="Wingdings" panose="05000000000000000000" pitchFamily="2" charset="2"/>
               <a:buChar char="v"/>
             </a:pPr>
-            <a:endParaRPr lang="en-US" altLang="zh-CN">
+            <a:endParaRPr lang="en-US" altLang="zh-CN" smtClean="0">
               <a:latin typeface="微软雅黑" panose="020B0503020204020204" pitchFamily="34" charset="-122"/>
               <a:ea typeface="微软雅黑" panose="020B0503020204020204" pitchFamily="34" charset="-122"/>
             </a:endParaRPr>
@@ -38447,7 +39214,7 @@
               <a:buFont typeface="Wingdings" panose="05000000000000000000" pitchFamily="2" charset="2"/>
               <a:buChar char="v"/>
             </a:pPr>
-            <a:endParaRPr lang="en-US" altLang="zh-CN">
+            <a:endParaRPr lang="en-US" altLang="zh-CN" smtClean="0">
               <a:latin typeface="微软雅黑" panose="020B0503020204020204" pitchFamily="34" charset="-122"/>
               <a:ea typeface="微软雅黑" panose="020B0503020204020204" pitchFamily="34" charset="-122"/>
             </a:endParaRPr>
@@ -38462,7 +39229,7 @@
               <a:buFont typeface="Wingdings" panose="05000000000000000000" pitchFamily="2" charset="2"/>
               <a:buChar char="v"/>
             </a:pPr>
-            <a:endParaRPr lang="en-US" altLang="zh-CN">
+            <a:endParaRPr lang="en-US" altLang="zh-CN" smtClean="0">
               <a:latin typeface="微软雅黑" panose="020B0503020204020204" pitchFamily="34" charset="-122"/>
               <a:ea typeface="微软雅黑" panose="020B0503020204020204" pitchFamily="34" charset="-122"/>
             </a:endParaRPr>
@@ -38477,7 +39244,7 @@
               <a:buFont typeface="Wingdings" panose="05000000000000000000" pitchFamily="2" charset="2"/>
               <a:buChar char="v"/>
             </a:pPr>
-            <a:endParaRPr lang="en-US" altLang="zh-CN">
+            <a:endParaRPr lang="en-US" altLang="zh-CN" smtClean="0">
               <a:latin typeface="微软雅黑" panose="020B0503020204020204" pitchFamily="34" charset="-122"/>
               <a:ea typeface="微软雅黑" panose="020B0503020204020204" pitchFamily="34" charset="-122"/>
             </a:endParaRPr>
@@ -38492,29 +39259,14 @@
               <a:buFont typeface="Wingdings" panose="05000000000000000000" pitchFamily="2" charset="2"/>
               <a:buChar char="v"/>
             </a:pPr>
-            <a:endParaRPr lang="en-US" altLang="zh-CN">
-              <a:latin typeface="微软雅黑" panose="020B0503020204020204" pitchFamily="34" charset="-122"/>
-              <a:ea typeface="微软雅黑" panose="020B0503020204020204" pitchFamily="34" charset="-122"/>
-            </a:endParaRPr>
-          </a:p>
-          <a:p>
-            <a:pPr>
-              <a:buClr>
-                <a:schemeClr val="bg2">
-                  <a:lumMod val="50000"/>
-                </a:schemeClr>
-              </a:buClr>
-              <a:buFont typeface="Wingdings" panose="05000000000000000000" pitchFamily="2" charset="2"/>
-              <a:buChar char="v"/>
-            </a:pPr>
-            <a:r>
-              <a:rPr lang="zh-CN" altLang="en-US">
+            <a:r>
+              <a:rPr lang="zh-CN" altLang="en-US" smtClean="0">
                 <a:latin typeface="微软雅黑" panose="020B0503020204020204" pitchFamily="34" charset="-122"/>
                 <a:ea typeface="微软雅黑" panose="020B0503020204020204" pitchFamily="34" charset="-122"/>
               </a:rPr>
               <a:t>低级语言</a:t>
             </a:r>
-            <a:endParaRPr lang="en-US" altLang="zh-CN" dirty="0">
+            <a:endParaRPr lang="en-US" altLang="zh-CN" dirty="0" smtClean="0">
               <a:latin typeface="微软雅黑" panose="020B0503020204020204" pitchFamily="34" charset="-122"/>
               <a:ea typeface="微软雅黑" panose="020B0503020204020204" pitchFamily="34" charset="-122"/>
             </a:endParaRPr>
@@ -38705,12 +39457,16 @@
           <a:p>
             <a:pPr algn="ctr"/>
             <a:r>
-              <a:rPr lang="zh-CN" altLang="en-US" sz="4000" b="1" dirty="0">
+              <a:rPr lang="zh-CN" altLang="en-US" sz="4000" b="1" dirty="0" smtClean="0">
                 <a:latin typeface="微软雅黑" panose="020B0503020204020204" pitchFamily="34" charset="-122"/>
                 <a:ea typeface="微软雅黑" panose="020B0503020204020204" pitchFamily="34" charset="-122"/>
               </a:rPr>
               <a:t>天书？</a:t>
             </a:r>
+            <a:endParaRPr lang="zh-CN" altLang="en-US" sz="4000" b="1" dirty="0">
+              <a:latin typeface="微软雅黑" panose="020B0503020204020204" pitchFamily="34" charset="-122"/>
+              <a:ea typeface="微软雅黑" panose="020B0503020204020204" pitchFamily="34" charset="-122"/>
+            </a:endParaRPr>
           </a:p>
         </p:txBody>
       </p:sp>
@@ -39268,13 +40024,13 @@
               <a:buChar char="v"/>
             </a:pPr>
             <a:r>
-              <a:rPr lang="zh-CN" altLang="en-US">
+              <a:rPr lang="zh-CN" altLang="en-US" smtClean="0">
                 <a:latin typeface="微软雅黑" panose="020B0503020204020204" pitchFamily="34" charset="-122"/>
                 <a:ea typeface="微软雅黑" panose="020B0503020204020204" pitchFamily="34" charset="-122"/>
               </a:rPr>
               <a:t>高级语言：更贴近人类的思维</a:t>
             </a:r>
-            <a:endParaRPr lang="en-US" altLang="zh-CN">
+            <a:endParaRPr lang="en-US" altLang="zh-CN" smtClean="0">
               <a:latin typeface="微软雅黑" panose="020B0503020204020204" pitchFamily="34" charset="-122"/>
               <a:ea typeface="微软雅黑" panose="020B0503020204020204" pitchFamily="34" charset="-122"/>
             </a:endParaRPr>
@@ -39290,20 +40046,20 @@
               <a:buChar char="v"/>
             </a:pPr>
             <a:r>
-              <a:rPr lang="en-US" altLang="zh-CN">
+              <a:rPr lang="en-US" altLang="zh-CN" smtClean="0">
                 <a:latin typeface="微软雅黑" panose="020B0503020204020204" pitchFamily="34" charset="-122"/>
                 <a:ea typeface="微软雅黑" panose="020B0503020204020204" pitchFamily="34" charset="-122"/>
               </a:rPr>
               <a:t>C</a:t>
             </a:r>
             <a:r>
-              <a:rPr lang="zh-CN" altLang="en-US">
+              <a:rPr lang="zh-CN" altLang="en-US" smtClean="0">
                 <a:latin typeface="微软雅黑" panose="020B0503020204020204" pitchFamily="34" charset="-122"/>
                 <a:ea typeface="微软雅黑" panose="020B0503020204020204" pitchFamily="34" charset="-122"/>
               </a:rPr>
               <a:t>语言</a:t>
             </a:r>
-            <a:endParaRPr lang="en-US" altLang="zh-CN">
+            <a:endParaRPr lang="en-US" altLang="zh-CN" smtClean="0">
               <a:latin typeface="微软雅黑" panose="020B0503020204020204" pitchFamily="34" charset="-122"/>
               <a:ea typeface="微软雅黑" panose="020B0503020204020204" pitchFamily="34" charset="-122"/>
             </a:endParaRPr>
@@ -39318,7 +40074,7 @@
               <a:buFont typeface="Wingdings" panose="05000000000000000000" pitchFamily="2" charset="2"/>
               <a:buChar char="v"/>
             </a:pPr>
-            <a:endParaRPr lang="en-US" altLang="zh-CN">
+            <a:endParaRPr lang="en-US" altLang="zh-CN" smtClean="0">
               <a:latin typeface="微软雅黑" panose="020B0503020204020204" pitchFamily="34" charset="-122"/>
               <a:ea typeface="微软雅黑" panose="020B0503020204020204" pitchFamily="34" charset="-122"/>
             </a:endParaRPr>
@@ -39333,7 +40089,7 @@
               <a:buFont typeface="Wingdings" panose="05000000000000000000" pitchFamily="2" charset="2"/>
               <a:buChar char="v"/>
             </a:pPr>
-            <a:endParaRPr lang="en-US" altLang="zh-CN">
+            <a:endParaRPr lang="en-US" altLang="zh-CN" smtClean="0">
               <a:latin typeface="微软雅黑" panose="020B0503020204020204" pitchFamily="34" charset="-122"/>
               <a:ea typeface="微软雅黑" panose="020B0503020204020204" pitchFamily="34" charset="-122"/>
             </a:endParaRPr>
@@ -39348,7 +40104,7 @@
               <a:buFont typeface="Wingdings" panose="05000000000000000000" pitchFamily="2" charset="2"/>
               <a:buChar char="v"/>
             </a:pPr>
-            <a:endParaRPr lang="en-US" altLang="zh-CN">
+            <a:endParaRPr lang="en-US" altLang="zh-CN" smtClean="0">
               <a:latin typeface="微软雅黑" panose="020B0503020204020204" pitchFamily="34" charset="-122"/>
               <a:ea typeface="微软雅黑" panose="020B0503020204020204" pitchFamily="34" charset="-122"/>
             </a:endParaRPr>
@@ -39363,7 +40119,7 @@
               <a:buFont typeface="Wingdings" panose="05000000000000000000" pitchFamily="2" charset="2"/>
               <a:buChar char="v"/>
             </a:pPr>
-            <a:endParaRPr lang="en-US" altLang="zh-CN">
+            <a:endParaRPr lang="en-US" altLang="zh-CN" smtClean="0">
               <a:latin typeface="微软雅黑" panose="020B0503020204020204" pitchFamily="34" charset="-122"/>
               <a:ea typeface="微软雅黑" panose="020B0503020204020204" pitchFamily="34" charset="-122"/>
             </a:endParaRPr>
@@ -39378,7 +40134,7 @@
               <a:buFont typeface="Wingdings" panose="05000000000000000000" pitchFamily="2" charset="2"/>
               <a:buChar char="v"/>
             </a:pPr>
-            <a:endParaRPr lang="en-US" altLang="zh-CN">
+            <a:endParaRPr lang="en-US" altLang="zh-CN" smtClean="0">
               <a:latin typeface="微软雅黑" panose="020B0503020204020204" pitchFamily="34" charset="-122"/>
               <a:ea typeface="微软雅黑" panose="020B0503020204020204" pitchFamily="34" charset="-122"/>
             </a:endParaRPr>
@@ -39412,7 +40168,7 @@
               <a:buChar char="•"/>
             </a:pPr>
             <a:r>
-              <a:rPr lang="zh-CN" altLang="en-US" sz="2800">
+              <a:rPr lang="zh-CN" altLang="en-US" sz="2800" smtClean="0">
                 <a:latin typeface="微软雅黑" panose="020B0503020204020204" pitchFamily="34" charset="-122"/>
                 <a:ea typeface="微软雅黑" panose="020B0503020204020204" pitchFamily="34" charset="-122"/>
               </a:rPr>
@@ -39424,7 +40180,7 @@
               <a:buFont typeface="Wingdings" pitchFamily="2" charset="2"/>
               <a:buNone/>
             </a:pPr>
-            <a:endParaRPr lang="zh-CN" altLang="en-US" dirty="0">
+            <a:endParaRPr lang="zh-CN" altLang="en-US" dirty="0" smtClean="0">
               <a:latin typeface="微软雅黑" panose="020B0503020204020204" pitchFamily="34" charset="-122"/>
               <a:ea typeface="微软雅黑" panose="020B0503020204020204" pitchFamily="34" charset="-122"/>
             </a:endParaRPr>
@@ -39483,7 +40239,7 @@
               <a:buNone/>
             </a:pPr>
             <a:r>
-              <a:rPr lang="en-US" altLang="zh-CN" sz="2400" b="1">
+              <a:rPr lang="en-US" altLang="zh-CN" sz="2400" b="1" smtClean="0">
                 <a:solidFill>
                   <a:srgbClr val="CA1204"/>
                 </a:solidFill>
@@ -39492,7 +40248,7 @@
               <a:t>/* </a:t>
             </a:r>
             <a:r>
-              <a:rPr lang="zh-CN" altLang="en-US" sz="2400" b="1">
+              <a:rPr lang="zh-CN" altLang="en-US" sz="2400" b="1" smtClean="0">
                 <a:solidFill>
                   <a:srgbClr val="CA1204"/>
                 </a:solidFill>
@@ -39501,7 +40257,7 @@
               <a:t>源文件：</a:t>
             </a:r>
             <a:r>
-              <a:rPr lang="en-US" altLang="zh-CN" sz="2400" b="1">
+              <a:rPr lang="en-US" altLang="zh-CN" sz="2400" b="1" smtClean="0">
                 <a:solidFill>
                   <a:srgbClr val="CA1204"/>
                 </a:solidFill>
@@ -39519,7 +40275,7 @@
               <a:buNone/>
             </a:pPr>
             <a:r>
-              <a:rPr lang="en-US" altLang="zh-CN" sz="2400" b="1">
+              <a:rPr lang="en-US" altLang="zh-CN" sz="2400" b="1" smtClean="0">
                 <a:solidFill>
                   <a:schemeClr val="accent2"/>
                 </a:solidFill>
@@ -39528,13 +40284,13 @@
               <a:t>#include</a:t>
             </a:r>
             <a:r>
-              <a:rPr lang="en-US" altLang="zh-CN" sz="2400" b="1">
+              <a:rPr lang="en-US" altLang="zh-CN" sz="2400" b="1" smtClean="0">
                 <a:latin typeface="Consolas" panose="020B0609020204030204" pitchFamily="49" charset="0"/>
               </a:rPr>
               <a:t> </a:t>
             </a:r>
             <a:r>
-              <a:rPr lang="en-US" altLang="zh-CN" sz="2400" b="1">
+              <a:rPr lang="en-US" altLang="zh-CN" sz="2400" b="1" smtClean="0">
                 <a:solidFill>
                   <a:srgbClr val="CA1204"/>
                 </a:solidFill>
@@ -39543,13 +40299,13 @@
               <a:t>&lt;</a:t>
             </a:r>
             <a:r>
-              <a:rPr lang="en-US" altLang="zh-CN" sz="2400" b="1">
+              <a:rPr lang="en-US" altLang="zh-CN" sz="2400" b="1" smtClean="0">
                 <a:latin typeface="Consolas" panose="020B0609020204030204" pitchFamily="49" charset="0"/>
               </a:rPr>
               <a:t>stdio.h</a:t>
             </a:r>
             <a:r>
-              <a:rPr lang="en-US" altLang="zh-CN" sz="2400" b="1">
+              <a:rPr lang="en-US" altLang="zh-CN" sz="2400" b="1" smtClean="0">
                 <a:solidFill>
                   <a:srgbClr val="CA1204"/>
                 </a:solidFill>
@@ -39566,7 +40322,7 @@
               <a:buFont typeface="Wingdings" pitchFamily="2" charset="2"/>
               <a:buNone/>
             </a:pPr>
-            <a:endParaRPr lang="en-US" altLang="zh-CN" sz="2400" b="1">
+            <a:endParaRPr lang="en-US" altLang="zh-CN" sz="2400" b="1" smtClean="0">
               <a:solidFill>
                 <a:schemeClr val="tx2"/>
               </a:solidFill>
@@ -39582,7 +40338,7 @@
               <a:buNone/>
             </a:pPr>
             <a:r>
-              <a:rPr lang="en-US" altLang="zh-CN" sz="2400" b="1">
+              <a:rPr lang="en-US" altLang="zh-CN" sz="2400" b="1" smtClean="0">
                 <a:solidFill>
                   <a:schemeClr val="tx2"/>
                 </a:solidFill>
@@ -39591,13 +40347,13 @@
               <a:t>int</a:t>
             </a:r>
             <a:r>
-              <a:rPr lang="en-US" altLang="zh-CN" sz="2400" b="1">
+              <a:rPr lang="en-US" altLang="zh-CN" sz="2400" b="1" smtClean="0">
                 <a:latin typeface="Consolas" panose="020B0609020204030204" pitchFamily="49" charset="0"/>
               </a:rPr>
               <a:t> main</a:t>
             </a:r>
             <a:r>
-              <a:rPr lang="en-US" altLang="zh-CN" sz="2400" b="1">
+              <a:rPr lang="en-US" altLang="zh-CN" sz="2400" b="1" smtClean="0">
                 <a:solidFill>
                   <a:srgbClr val="CA1204"/>
                 </a:solidFill>
@@ -39606,7 +40362,7 @@
               <a:t>(</a:t>
             </a:r>
             <a:r>
-              <a:rPr lang="en-US" altLang="zh-CN" sz="2400" b="1">
+              <a:rPr lang="en-US" altLang="zh-CN" sz="2400" b="1" smtClean="0">
                 <a:solidFill>
                   <a:schemeClr val="tx2"/>
                 </a:solidFill>
@@ -39615,7 +40371,7 @@
               <a:t>void</a:t>
             </a:r>
             <a:r>
-              <a:rPr lang="en-US" altLang="zh-CN" sz="2400" b="1">
+              <a:rPr lang="en-US" altLang="zh-CN" sz="2400" b="1" smtClean="0">
                 <a:solidFill>
                   <a:srgbClr val="CA1204"/>
                 </a:solidFill>
@@ -39633,7 +40389,7 @@
               <a:buNone/>
             </a:pPr>
             <a:r>
-              <a:rPr lang="en-US" altLang="zh-CN" sz="2400" b="1">
+              <a:rPr lang="en-US" altLang="zh-CN" sz="2400" b="1" smtClean="0">
                 <a:solidFill>
                   <a:srgbClr val="CA1204"/>
                 </a:solidFill>
@@ -39642,7 +40398,7 @@
               <a:t>{</a:t>
             </a:r>
             <a:r>
-              <a:rPr lang="en-US" altLang="zh-CN" sz="2400" b="1">
+              <a:rPr lang="en-US" altLang="zh-CN" sz="2400" b="1" smtClean="0">
                 <a:latin typeface="Consolas" panose="020B0609020204030204" pitchFamily="49" charset="0"/>
               </a:rPr>
               <a:t> </a:t>
@@ -39657,13 +40413,13 @@
               <a:buNone/>
             </a:pPr>
             <a:r>
-              <a:rPr lang="en-US" altLang="zh-CN" sz="2400" b="1">
+              <a:rPr lang="en-US" altLang="zh-CN" sz="2400" b="1" smtClean="0">
                 <a:latin typeface="Consolas" panose="020B0609020204030204" pitchFamily="49" charset="0"/>
               </a:rPr>
               <a:t>    printf</a:t>
             </a:r>
             <a:r>
-              <a:rPr lang="en-US" altLang="zh-CN" sz="2400" b="1">
+              <a:rPr lang="en-US" altLang="zh-CN" sz="2400" b="1" smtClean="0">
                 <a:solidFill>
                   <a:srgbClr val="CA1204"/>
                 </a:solidFill>
@@ -39672,13 +40428,13 @@
               <a:t>(</a:t>
             </a:r>
             <a:r>
-              <a:rPr lang="en-US" altLang="zh-CN" sz="2400" b="1">
+              <a:rPr lang="en-US" altLang="zh-CN" sz="2400" b="1" smtClean="0">
                 <a:latin typeface="Consolas" panose="020B0609020204030204" pitchFamily="49" charset="0"/>
               </a:rPr>
               <a:t>"Hello World!\n"</a:t>
             </a:r>
             <a:r>
-              <a:rPr lang="en-US" altLang="zh-CN" sz="2400" b="1">
+              <a:rPr lang="en-US" altLang="zh-CN" sz="2400" b="1" smtClean="0">
                 <a:solidFill>
                   <a:srgbClr val="CA1204"/>
                 </a:solidFill>
@@ -39687,7 +40443,7 @@
               <a:t>)</a:t>
             </a:r>
             <a:r>
-              <a:rPr lang="en-US" altLang="zh-CN" sz="2400" b="1">
+              <a:rPr lang="en-US" altLang="zh-CN" sz="2400" b="1" smtClean="0">
                 <a:latin typeface="Consolas" panose="020B0609020204030204" pitchFamily="49" charset="0"/>
               </a:rPr>
               <a:t>;</a:t>
@@ -39701,7 +40457,7 @@
               <a:buFont typeface="Wingdings" pitchFamily="2" charset="2"/>
               <a:buNone/>
             </a:pPr>
-            <a:endParaRPr lang="en-US" altLang="zh-CN" sz="2400" b="1">
+            <a:endParaRPr lang="en-US" altLang="zh-CN" sz="2400" b="1" smtClean="0">
               <a:latin typeface="Consolas" panose="020B0609020204030204" pitchFamily="49" charset="0"/>
             </a:endParaRPr>
           </a:p>
@@ -39714,18 +40470,18 @@
               <a:buNone/>
             </a:pPr>
             <a:r>
-              <a:rPr lang="en-US" altLang="zh-CN" sz="2400" b="1">
+              <a:rPr lang="en-US" altLang="zh-CN" sz="2400" b="1" smtClean="0">
                 <a:latin typeface="Consolas" panose="020B0609020204030204" pitchFamily="49" charset="0"/>
               </a:rPr>
               <a:t>    return 0</a:t>
             </a:r>
             <a:r>
-              <a:rPr lang="zh-CN" altLang="en-US" sz="2400" b="1">
+              <a:rPr lang="zh-CN" altLang="en-US" sz="2400" b="1" smtClean="0">
                 <a:latin typeface="Consolas" panose="020B0609020204030204" pitchFamily="49" charset="0"/>
               </a:rPr>
               <a:t>；</a:t>
             </a:r>
-            <a:endParaRPr lang="en-US" altLang="zh-CN" sz="2400" b="1">
+            <a:endParaRPr lang="en-US" altLang="zh-CN" sz="2400" b="1" smtClean="0">
               <a:latin typeface="Consolas" panose="020B0609020204030204" pitchFamily="49" charset="0"/>
             </a:endParaRPr>
           </a:p>
@@ -39738,7 +40494,7 @@
               <a:buNone/>
             </a:pPr>
             <a:r>
-              <a:rPr lang="en-US" altLang="zh-CN" sz="2400" b="1">
+              <a:rPr lang="en-US" altLang="zh-CN" sz="2400" b="1" smtClean="0">
                 <a:solidFill>
                   <a:srgbClr val="CA1204"/>
                 </a:solidFill>
@@ -39746,7 +40502,7 @@
               </a:rPr>
               <a:t>}</a:t>
             </a:r>
-            <a:endParaRPr lang="zh-CN" altLang="en-US" sz="2400" b="1">
+            <a:endParaRPr lang="zh-CN" altLang="en-US" sz="2400" b="1" smtClean="0">
               <a:solidFill>
                 <a:srgbClr val="CA1204"/>
               </a:solidFill>
@@ -39801,7 +40557,7 @@
           <a:p>
             <a:pPr algn="ctr"/>
             <a:r>
-              <a:rPr lang="zh-CN" altLang="en-US" sz="2800" b="1" dirty="0">
+              <a:rPr lang="zh-CN" altLang="en-US" sz="2800" b="1" dirty="0" smtClean="0">
                 <a:solidFill>
                   <a:schemeClr val="accent2">
                     <a:lumMod val="50000"/>
@@ -39812,6 +40568,15 @@
               </a:rPr>
               <a:t>语言的发展过程</a:t>
             </a:r>
+            <a:endParaRPr lang="zh-CN" altLang="en-US" sz="2800" b="1" dirty="0">
+              <a:solidFill>
+                <a:schemeClr val="accent2">
+                  <a:lumMod val="50000"/>
+                </a:schemeClr>
+              </a:solidFill>
+              <a:latin typeface="微软雅黑" pitchFamily="34" charset="-122"/>
+              <a:ea typeface="微软雅黑" pitchFamily="34" charset="-122"/>
+            </a:endParaRPr>
           </a:p>
         </p:txBody>
       </p:sp>
@@ -39828,6 +40593,13 @@
   <p:transition spd="med">
     <p:fade/>
   </p:transition>
+  <p:timing>
+    <p:tnLst>
+      <p:par>
+        <p:cTn id="1" dur="indefinite" restart="never" nodeType="tmRoot"/>
+      </p:par>
+    </p:tnLst>
+  </p:timing>
 </p:sld>
 </file>
 
@@ -39899,20 +40671,20 @@
           <a:lstStyle/>
           <a:p>
             <a:r>
-              <a:rPr lang="en-US" altLang="zh-CN" dirty="0">
+              <a:rPr lang="en-US" altLang="zh-CN" dirty="0" smtClean="0">
                 <a:latin typeface="微软雅黑" pitchFamily="34" charset="-122"/>
                 <a:ea typeface="微软雅黑" pitchFamily="34" charset="-122"/>
               </a:rPr>
               <a:t>C</a:t>
             </a:r>
             <a:r>
-              <a:rPr lang="zh-CN" altLang="en-US" dirty="0">
+              <a:rPr lang="zh-CN" altLang="en-US" dirty="0" smtClean="0">
                 <a:latin typeface="微软雅黑" pitchFamily="34" charset="-122"/>
                 <a:ea typeface="微软雅黑" pitchFamily="34" charset="-122"/>
               </a:rPr>
               <a:t>的源程序更像一篇英文文章，我们编程和我们写文章一样，需要：</a:t>
             </a:r>
-            <a:endParaRPr lang="en-US" altLang="zh-CN" dirty="0">
+            <a:endParaRPr lang="en-US" altLang="zh-CN" dirty="0" smtClean="0">
               <a:latin typeface="微软雅黑" pitchFamily="34" charset="-122"/>
               <a:ea typeface="微软雅黑" pitchFamily="34" charset="-122"/>
             </a:endParaRPr>
@@ -39924,25 +40696,39 @@
               </a:lnSpc>
             </a:pPr>
             <a:r>
-              <a:rPr lang="zh-CN" altLang="en-US" dirty="0">
+              <a:rPr lang="zh-CN" altLang="en-US" dirty="0" smtClean="0">
                 <a:latin typeface="微软雅黑" pitchFamily="34" charset="-122"/>
                 <a:ea typeface="微软雅黑" pitchFamily="34" charset="-122"/>
               </a:rPr>
               <a:t>学习</a:t>
             </a:r>
             <a:r>
-              <a:rPr lang="en-US" altLang="zh-CN" dirty="0">
+              <a:rPr lang="en-US" altLang="zh-CN" dirty="0" smtClean="0">
                 <a:latin typeface="微软雅黑" pitchFamily="34" charset="-122"/>
                 <a:ea typeface="微软雅黑" pitchFamily="34" charset="-122"/>
               </a:rPr>
               <a:t>C</a:t>
             </a:r>
             <a:r>
-              <a:rPr lang="zh-CN" altLang="en-US">
+              <a:rPr lang="zh-CN" altLang="en-US" smtClean="0">
                 <a:latin typeface="微软雅黑" pitchFamily="34" charset="-122"/>
                 <a:ea typeface="微软雅黑" pitchFamily="34" charset="-122"/>
               </a:rPr>
               <a:t>语言的</a:t>
+            </a:r>
+            <a:r>
+              <a:rPr lang="en-US" altLang="zh-CN" smtClean="0">
+                <a:latin typeface="微软雅黑" pitchFamily="34" charset="-122"/>
+                <a:ea typeface="微软雅黑" pitchFamily="34" charset="-122"/>
+              </a:rPr>
+              <a:t>"</a:t>
+            </a:r>
+            <a:r>
+              <a:rPr lang="zh-CN" altLang="en-US" smtClean="0">
+                <a:latin typeface="微软雅黑" pitchFamily="34" charset="-122"/>
+                <a:ea typeface="微软雅黑" pitchFamily="34" charset="-122"/>
+              </a:rPr>
+              <a:t>单词</a:t>
             </a:r>
             <a:r>
               <a:rPr lang="en-US" altLang="zh-CN">
@@ -39951,21 +40737,7 @@
               </a:rPr>
               <a:t>"</a:t>
             </a:r>
-            <a:r>
-              <a:rPr lang="zh-CN" altLang="en-US">
-                <a:latin typeface="微软雅黑" pitchFamily="34" charset="-122"/>
-                <a:ea typeface="微软雅黑" pitchFamily="34" charset="-122"/>
-              </a:rPr>
-              <a:t>单词</a:t>
-            </a:r>
-            <a:r>
-              <a:rPr lang="en-US" altLang="zh-CN">
-                <a:latin typeface="微软雅黑" pitchFamily="34" charset="-122"/>
-                <a:ea typeface="微软雅黑" pitchFamily="34" charset="-122"/>
-              </a:rPr>
-              <a:t>"</a:t>
-            </a:r>
-            <a:endParaRPr lang="en-US" altLang="zh-CN" dirty="0">
+            <a:endParaRPr lang="en-US" altLang="zh-CN" dirty="0" smtClean="0">
               <a:latin typeface="微软雅黑" pitchFamily="34" charset="-122"/>
               <a:ea typeface="微软雅黑" pitchFamily="34" charset="-122"/>
             </a:endParaRPr>
@@ -39977,27 +40749,27 @@
               </a:lnSpc>
             </a:pPr>
             <a:r>
-              <a:rPr lang="zh-CN" altLang="en-US" dirty="0">
+              <a:rPr lang="zh-CN" altLang="en-US" dirty="0" smtClean="0">
                 <a:latin typeface="微软雅黑" pitchFamily="34" charset="-122"/>
                 <a:ea typeface="微软雅黑" pitchFamily="34" charset="-122"/>
               </a:rPr>
               <a:t>学习</a:t>
             </a:r>
             <a:r>
-              <a:rPr lang="en-US" altLang="zh-CN" dirty="0">
+              <a:rPr lang="en-US" altLang="zh-CN" dirty="0" smtClean="0">
                 <a:latin typeface="微软雅黑" pitchFamily="34" charset="-122"/>
                 <a:ea typeface="微软雅黑" pitchFamily="34" charset="-122"/>
               </a:rPr>
               <a:t>C</a:t>
             </a:r>
             <a:r>
-              <a:rPr lang="zh-CN" altLang="en-US" dirty="0">
+              <a:rPr lang="zh-CN" altLang="en-US" dirty="0" smtClean="0">
                 <a:latin typeface="微软雅黑" pitchFamily="34" charset="-122"/>
                 <a:ea typeface="微软雅黑" pitchFamily="34" charset="-122"/>
               </a:rPr>
               <a:t>语言语法规则</a:t>
             </a:r>
-            <a:endParaRPr lang="en-US" altLang="zh-CN" dirty="0">
+            <a:endParaRPr lang="en-US" altLang="zh-CN" dirty="0" smtClean="0">
               <a:latin typeface="微软雅黑" pitchFamily="34" charset="-122"/>
               <a:ea typeface="微软雅黑" pitchFamily="34" charset="-122"/>
             </a:endParaRPr>
@@ -40009,12 +40781,16 @@
               </a:lnSpc>
             </a:pPr>
             <a:r>
-              <a:rPr lang="zh-CN" altLang="en-US" dirty="0">
+              <a:rPr lang="zh-CN" altLang="en-US" dirty="0" smtClean="0">
                 <a:latin typeface="微软雅黑" pitchFamily="34" charset="-122"/>
                 <a:ea typeface="微软雅黑" pitchFamily="34" charset="-122"/>
               </a:rPr>
               <a:t>学习初步算法设计</a:t>
             </a:r>
+            <a:endParaRPr lang="zh-CN" altLang="en-US" dirty="0">
+              <a:latin typeface="微软雅黑" pitchFamily="34" charset="-122"/>
+              <a:ea typeface="微软雅黑" pitchFamily="34" charset="-122"/>
+            </a:endParaRPr>
           </a:p>
         </p:txBody>
       </p:sp>
@@ -40057,6 +40833,13 @@
   <p:transition spd="med">
     <p:fade/>
   </p:transition>
+  <p:timing>
+    <p:tnLst>
+      <p:par>
+        <p:cTn id="1" dur="indefinite" restart="never" nodeType="tmRoot"/>
+      </p:par>
+    </p:tnLst>
+  </p:timing>
 </p:sld>
 </file>
 
@@ -40333,20 +41116,20 @@
           </a:lstStyle>
           <a:p>
             <a:r>
-              <a:rPr lang="en-US" altLang="zh-CN">
+              <a:rPr lang="en-US" altLang="zh-CN" smtClean="0">
                 <a:latin typeface="微软雅黑" pitchFamily="34" charset="-122"/>
                 <a:ea typeface="微软雅黑" pitchFamily="34" charset="-122"/>
               </a:rPr>
               <a:t>C</a:t>
             </a:r>
             <a:r>
-              <a:rPr lang="zh-CN" altLang="en-US">
+              <a:rPr lang="zh-CN" altLang="en-US" smtClean="0">
                 <a:latin typeface="微软雅黑" pitchFamily="34" charset="-122"/>
                 <a:ea typeface="微软雅黑" pitchFamily="34" charset="-122"/>
               </a:rPr>
               <a:t>语言的标准：</a:t>
             </a:r>
-            <a:endParaRPr lang="en-US" altLang="zh-CN">
+            <a:endParaRPr lang="en-US" altLang="zh-CN" smtClean="0">
               <a:latin typeface="微软雅黑" pitchFamily="34" charset="-122"/>
               <a:ea typeface="微软雅黑" pitchFamily="34" charset="-122"/>
             </a:endParaRPr>
@@ -40354,34 +41137,34 @@
           <a:p>
             <a:pPr lvl="1"/>
             <a:r>
-              <a:rPr lang="en-US" altLang="zh-CN">
+              <a:rPr lang="en-US" altLang="zh-CN" smtClean="0">
                 <a:latin typeface="微软雅黑" pitchFamily="34" charset="-122"/>
                 <a:ea typeface="微软雅黑" pitchFamily="34" charset="-122"/>
               </a:rPr>
               <a:t>C</a:t>
             </a:r>
             <a:r>
-              <a:rPr lang="zh-CN" altLang="en-US">
+              <a:rPr lang="zh-CN" altLang="en-US" smtClean="0">
                 <a:latin typeface="微软雅黑" pitchFamily="34" charset="-122"/>
                 <a:ea typeface="微软雅黑" pitchFamily="34" charset="-122"/>
               </a:rPr>
               <a:t>语言的单词集及</a:t>
             </a:r>
             <a:r>
-              <a:rPr lang="en-US" altLang="zh-CN">
+              <a:rPr lang="en-US" altLang="zh-CN" smtClean="0">
                 <a:latin typeface="微软雅黑" pitchFamily="34" charset="-122"/>
                 <a:ea typeface="微软雅黑" pitchFamily="34" charset="-122"/>
               </a:rPr>
               <a:t>C</a:t>
             </a:r>
             <a:r>
-              <a:rPr lang="zh-CN" altLang="en-US">
+              <a:rPr lang="zh-CN" altLang="en-US" smtClean="0">
                 <a:latin typeface="微软雅黑" pitchFamily="34" charset="-122"/>
                 <a:ea typeface="微软雅黑" pitchFamily="34" charset="-122"/>
               </a:rPr>
               <a:t>语言的语法规范。</a:t>
             </a:r>
-            <a:endParaRPr lang="zh-CN" altLang="en-US" dirty="0">
+            <a:endParaRPr lang="zh-CN" altLang="en-US" dirty="0" smtClean="0">
               <a:latin typeface="微软雅黑" pitchFamily="34" charset="-122"/>
               <a:ea typeface="微软雅黑" pitchFamily="34" charset="-122"/>
             </a:endParaRPr>
@@ -42880,7 +43663,7 @@
             <a:p>
               <a:pPr algn="ctr"/>
               <a:r>
-                <a:rPr lang="en-US" altLang="zh-CN" b="1">
+                <a:rPr lang="en-US" altLang="zh-CN" b="1" smtClean="0">
                   <a:solidFill>
                     <a:srgbClr val="FFFFFF"/>
                   </a:solidFill>
@@ -42888,6 +43671,12 @@
                 </a:rPr>
                 <a:t>2011</a:t>
               </a:r>
+              <a:endParaRPr lang="en-US" altLang="zh-CN" b="1">
+                <a:solidFill>
+                  <a:srgbClr val="FFFFFF"/>
+                </a:solidFill>
+                <a:ea typeface="宋体" pitchFamily="2" charset="-122"/>
+              </a:endParaRPr>
             </a:p>
           </p:txBody>
         </p:sp>
@@ -43044,12 +43833,16 @@
             </a:lstStyle>
             <a:p>
               <a:r>
-                <a:rPr lang="en-US" altLang="zh-CN" sz="1600" b="1">
+                <a:rPr lang="en-US" altLang="zh-CN" sz="1600" b="1" smtClean="0">
                   <a:latin typeface="微软雅黑" pitchFamily="34" charset="-122"/>
                   <a:ea typeface="微软雅黑" pitchFamily="34" charset="-122"/>
                 </a:rPr>
                 <a:t>C11</a:t>
               </a:r>
+              <a:endParaRPr lang="en-US" altLang="zh-CN" sz="1600" b="1">
+                <a:latin typeface="微软雅黑" pitchFamily="34" charset="-122"/>
+                <a:ea typeface="微软雅黑" pitchFamily="34" charset="-122"/>
+              </a:endParaRPr>
             </a:p>
           </p:txBody>
         </p:sp>

--- a/materials/slides/chapt01.pptx
+++ b/materials/slides/chapt01.pptx
@@ -4601,7 +4601,7 @@
               <a:pPr>
                 <a:defRPr/>
               </a:pPr>
-              <a:t>2/25/2019</a:t>
+              <a:t>2/6/2020</a:t>
             </a:fld>
             <a:endParaRPr/>
           </a:p>
@@ -4821,7 +4821,7 @@
               <a:pPr>
                 <a:defRPr/>
               </a:pPr>
-              <a:t>2/25/2019</a:t>
+              <a:t>2/6/2020</a:t>
             </a:fld>
             <a:endParaRPr/>
           </a:p>
@@ -5426,7 +5426,7 @@
               <a:pPr>
                 <a:defRPr/>
               </a:pPr>
-              <a:t>2/25/2019</a:t>
+              <a:t>2/6/2020</a:t>
             </a:fld>
             <a:endParaRPr/>
           </a:p>
@@ -5692,7 +5692,7 @@
               <a:pPr>
                 <a:defRPr/>
               </a:pPr>
-              <a:t>2/25/2019</a:t>
+              <a:t>2/6/2020</a:t>
             </a:fld>
             <a:endParaRPr/>
           </a:p>
@@ -5918,7 +5918,7 @@
               <a:pPr>
                 <a:defRPr/>
               </a:pPr>
-              <a:t>2/25/2019</a:t>
+              <a:t>2/6/2020</a:t>
             </a:fld>
             <a:endParaRPr/>
           </a:p>
@@ -6114,7 +6114,7 @@
               <a:pPr>
                 <a:defRPr/>
               </a:pPr>
-              <a:t>2/25/2019</a:t>
+              <a:t>2/6/2020</a:t>
             </a:fld>
             <a:endParaRPr/>
           </a:p>
@@ -6366,7 +6366,7 @@
               <a:pPr>
                 <a:defRPr/>
               </a:pPr>
-              <a:t>2/25/2019</a:t>
+              <a:t>2/6/2020</a:t>
             </a:fld>
             <a:endParaRPr/>
           </a:p>
@@ -6813,7 +6813,7 @@
               <a:pPr>
                 <a:defRPr/>
               </a:pPr>
-              <a:t>2/25/2019</a:t>
+              <a:t>2/6/2020</a:t>
             </a:fld>
             <a:endParaRPr/>
           </a:p>
@@ -7245,7 +7245,7 @@
               <a:pPr>
                 <a:defRPr/>
               </a:pPr>
-              <a:t>2/25/2019</a:t>
+              <a:t>2/6/2020</a:t>
             </a:fld>
             <a:endParaRPr/>
           </a:p>
@@ -7369,7 +7369,7 @@
               <a:pPr>
                 <a:defRPr/>
               </a:pPr>
-              <a:t>2/25/2019</a:t>
+              <a:t>2/6/2020</a:t>
             </a:fld>
             <a:endParaRPr/>
           </a:p>
@@ -7493,7 +7493,7 @@
               <a:pPr>
                 <a:defRPr/>
               </a:pPr>
-              <a:t>2/25/2019</a:t>
+              <a:t>2/6/2020</a:t>
             </a:fld>
             <a:endParaRPr/>
           </a:p>
@@ -7779,7 +7779,7 @@
               <a:pPr>
                 <a:defRPr/>
               </a:pPr>
-              <a:t>2/25/2019</a:t>
+              <a:t>2/6/2020</a:t>
             </a:fld>
             <a:endParaRPr/>
           </a:p>
@@ -8056,7 +8056,7 @@
               <a:pPr>
                 <a:defRPr/>
               </a:pPr>
-              <a:t>2/25/2019</a:t>
+              <a:t>2/6/2020</a:t>
             </a:fld>
             <a:endParaRPr/>
           </a:p>
@@ -8245,7 +8245,7 @@
               <a:pPr>
                 <a:defRPr/>
               </a:pPr>
-              <a:t>2/25/2019</a:t>
+              <a:t>2/6/2020</a:t>
             </a:fld>
             <a:endParaRPr/>
           </a:p>
@@ -9560,17 +9560,32 @@
             <a:lstStyle/>
             <a:p>
               <a:r>
-                <a:rPr lang="en-US" altLang="zh-CN" sz="1600">
+                <a:rPr lang="en-US" altLang="zh-CN" sz="1600" b="1">
                   <a:solidFill>
-                    <a:schemeClr val="accent1">
-                      <a:lumMod val="50000"/>
-                    </a:schemeClr>
+                    <a:srgbClr val="FF0000"/>
                   </a:solidFill>
                   <a:latin typeface="微软雅黑" pitchFamily="34" charset="-122"/>
                   <a:ea typeface="微软雅黑" pitchFamily="34" charset="-122"/>
                 </a:rPr>
-                <a:t>Turbo C/C++ Builder</a:t>
+                <a:t>Visual </a:t>
               </a:r>
+              <a:r>
+                <a:rPr lang="en-US" altLang="zh-CN" sz="1600" b="1" smtClean="0">
+                  <a:solidFill>
+                    <a:srgbClr val="FF0000"/>
+                  </a:solidFill>
+                  <a:latin typeface="微软雅黑" pitchFamily="34" charset="-122"/>
+                  <a:ea typeface="微软雅黑" pitchFamily="34" charset="-122"/>
+                </a:rPr>
+                <a:t>Studio</a:t>
+              </a:r>
+              <a:endParaRPr lang="en-US" altLang="zh-CN" sz="1600" b="1">
+                <a:solidFill>
+                  <a:srgbClr val="FF0000"/>
+                </a:solidFill>
+                <a:latin typeface="微软雅黑" pitchFamily="34" charset="-122"/>
+                <a:ea typeface="微软雅黑" pitchFamily="34" charset="-122"/>
+              </a:endParaRPr>
             </a:p>
           </p:txBody>
         </p:sp>
@@ -9626,8 +9641,17 @@
                   <a:latin typeface="微软雅黑" pitchFamily="34" charset="-122"/>
                   <a:ea typeface="微软雅黑" pitchFamily="34" charset="-122"/>
                 </a:rPr>
-                <a:t>Anjuta</a:t>
+                <a:t>Dev-C++</a:t>
               </a:r>
+              <a:endParaRPr lang="en-US" altLang="zh-CN" sz="1600">
+                <a:solidFill>
+                  <a:schemeClr val="accent1">
+                    <a:lumMod val="50000"/>
+                  </a:schemeClr>
+                </a:solidFill>
+                <a:latin typeface="微软雅黑" pitchFamily="34" charset="-122"/>
+                <a:ea typeface="微软雅黑" pitchFamily="34" charset="-122"/>
+              </a:endParaRPr>
             </a:p>
           </p:txBody>
         </p:sp>
@@ -9674,74 +9698,8 @@
             <a:lstStyle/>
             <a:p>
               <a:r>
-                <a:rPr lang="en-US" altLang="zh-CN" sz="1600" b="1">
-                  <a:solidFill>
-                    <a:srgbClr val="FF0000"/>
-                  </a:solidFill>
-                  <a:latin typeface="微软雅黑" pitchFamily="34" charset="-122"/>
-                  <a:ea typeface="微软雅黑" pitchFamily="34" charset="-122"/>
-                </a:rPr>
-                <a:t>Visual </a:t>
-              </a:r>
-              <a:r>
-                <a:rPr lang="en-US" altLang="zh-CN" sz="1600" b="1" smtClean="0">
-                  <a:solidFill>
-                    <a:srgbClr val="FF0000"/>
-                  </a:solidFill>
-                  <a:latin typeface="微软雅黑" pitchFamily="34" charset="-122"/>
-                  <a:ea typeface="微软雅黑" pitchFamily="34" charset="-122"/>
-                </a:rPr>
-                <a:t>2012</a:t>
-              </a:r>
-              <a:r>
-                <a:rPr lang="zh-CN" altLang="en-US" sz="1600" b="1" smtClean="0">
-                  <a:solidFill>
-                    <a:srgbClr val="FF0000"/>
-                  </a:solidFill>
-                  <a:latin typeface="微软雅黑" pitchFamily="34" charset="-122"/>
-                  <a:ea typeface="微软雅黑" pitchFamily="34" charset="-122"/>
-                </a:rPr>
-                <a:t>（</a:t>
-              </a:r>
-              <a:r>
-                <a:rPr lang="en-US" altLang="zh-CN" sz="1600" b="1">
-                  <a:solidFill>
-                    <a:srgbClr val="FF0000"/>
-                  </a:solidFill>
-                  <a:latin typeface="微软雅黑" pitchFamily="34" charset="-122"/>
-                  <a:ea typeface="微软雅黑" pitchFamily="34" charset="-122"/>
-                </a:rPr>
-                <a:t>C89</a:t>
-              </a:r>
-              <a:r>
-                <a:rPr lang="zh-CN" altLang="en-US" sz="1600" b="1">
-                  <a:solidFill>
-                    <a:srgbClr val="FF0000"/>
-                  </a:solidFill>
-                  <a:latin typeface="微软雅黑" pitchFamily="34" charset="-122"/>
-                  <a:ea typeface="微软雅黑" pitchFamily="34" charset="-122"/>
-                </a:rPr>
-                <a:t>、</a:t>
-              </a:r>
-              <a:r>
-                <a:rPr lang="en-US" altLang="zh-CN" sz="1600" b="1">
-                  <a:solidFill>
-                    <a:srgbClr val="FF0000"/>
-                  </a:solidFill>
-                  <a:latin typeface="微软雅黑" pitchFamily="34" charset="-122"/>
-                  <a:ea typeface="微软雅黑" pitchFamily="34" charset="-122"/>
-                </a:rPr>
-                <a:t>C99</a:t>
-              </a:r>
-              <a:r>
-                <a:rPr lang="zh-CN" altLang="en-US" sz="1600" b="1">
-                  <a:solidFill>
-                    <a:srgbClr val="FF0000"/>
-                  </a:solidFill>
-                  <a:latin typeface="微软雅黑" pitchFamily="34" charset="-122"/>
-                  <a:ea typeface="微软雅黑" pitchFamily="34" charset="-122"/>
-                </a:rPr>
-                <a:t>）</a:t>
+                <a:rPr lang="en-US" altLang="zh-CN" sz="1600"/>
+                <a:t>Code::Blocks</a:t>
               </a:r>
               <a:endParaRPr lang="en-US" altLang="zh-CN" sz="1600" b="1">
                 <a:solidFill>
@@ -9796,16 +9754,8 @@
             <a:lstStyle/>
             <a:p>
               <a:r>
-                <a:rPr lang="en-US" altLang="zh-CN" sz="1600">
-                  <a:solidFill>
-                    <a:schemeClr val="accent1">
-                      <a:lumMod val="50000"/>
-                    </a:schemeClr>
-                  </a:solidFill>
-                  <a:latin typeface="微软雅黑" pitchFamily="34" charset="-122"/>
-                  <a:ea typeface="微软雅黑" pitchFamily="34" charset="-122"/>
-                </a:rPr>
-                <a:t>Motorola CodeWarrior</a:t>
+                <a:rPr lang="en-US" altLang="zh-CN" sz="1600"/>
+                <a:t>Qt Creator</a:t>
               </a:r>
             </a:p>
           </p:txBody>
@@ -9853,17 +9803,10 @@
             <a:lstStyle/>
             <a:p>
               <a:r>
-                <a:rPr lang="en-US" altLang="zh-CN" sz="1600">
-                  <a:solidFill>
-                    <a:schemeClr val="accent1">
-                      <a:lumMod val="50000"/>
-                    </a:schemeClr>
-                  </a:solidFill>
-                  <a:latin typeface="微软雅黑" pitchFamily="34" charset="-122"/>
-                  <a:ea typeface="微软雅黑" pitchFamily="34" charset="-122"/>
-                </a:rPr>
-                <a:t>OpenWatcom</a:t>
+                <a:rPr lang="en-US" altLang="zh-CN" sz="1600"/>
+                <a:t>Turbo C</a:t>
               </a:r>
+              <a:endParaRPr lang="en-US" altLang="zh-CN" sz="1600"/>
             </a:p>
           </p:txBody>
         </p:sp>
@@ -9910,17 +9853,18 @@
             <a:lstStyle/>
             <a:p>
               <a:r>
-                <a:rPr lang="en-US" altLang="zh-CN" sz="1600">
-                  <a:solidFill>
-                    <a:schemeClr val="accent1">
-                      <a:lumMod val="50000"/>
-                    </a:schemeClr>
-                  </a:solidFill>
-                  <a:latin typeface="微软雅黑" pitchFamily="34" charset="-122"/>
-                  <a:ea typeface="微软雅黑" pitchFamily="34" charset="-122"/>
-                </a:rPr>
-                <a:t>Dev-C++</a:t>
+                <a:rPr lang="en-US" altLang="zh-CN" sz="1600"/>
+                <a:t>WIN-TC</a:t>
               </a:r>
+              <a:endParaRPr lang="en-US" altLang="zh-CN" sz="1600">
+                <a:solidFill>
+                  <a:schemeClr val="accent1">
+                    <a:lumMod val="50000"/>
+                  </a:schemeClr>
+                </a:solidFill>
+                <a:latin typeface="微软雅黑" pitchFamily="34" charset="-122"/>
+                <a:ea typeface="微软雅黑" pitchFamily="34" charset="-122"/>
+              </a:endParaRPr>
             </a:p>
           </p:txBody>
         </p:sp>
@@ -9967,17 +9911,18 @@
             <a:lstStyle/>
             <a:p>
               <a:r>
-                <a:rPr lang="en-US" altLang="zh-CN" sz="1600">
-                  <a:solidFill>
-                    <a:schemeClr val="accent1">
-                      <a:lumMod val="50000"/>
-                    </a:schemeClr>
-                  </a:solidFill>
-                  <a:latin typeface="微软雅黑" pitchFamily="34" charset="-122"/>
-                  <a:ea typeface="微软雅黑" pitchFamily="34" charset="-122"/>
-                </a:rPr>
-                <a:t>IBM VisualAge C++</a:t>
+                <a:rPr lang="en-US" altLang="zh-CN" sz="1600"/>
+                <a:t>Cygwin</a:t>
               </a:r>
+              <a:endParaRPr lang="en-US" altLang="zh-CN" sz="1600">
+                <a:solidFill>
+                  <a:schemeClr val="accent1">
+                    <a:lumMod val="50000"/>
+                  </a:schemeClr>
+                </a:solidFill>
+                <a:latin typeface="微软雅黑" pitchFamily="34" charset="-122"/>
+                <a:ea typeface="微软雅黑" pitchFamily="34" charset="-122"/>
+              </a:endParaRPr>
             </a:p>
           </p:txBody>
         </p:sp>
@@ -10024,17 +9969,18 @@
             <a:lstStyle/>
             <a:p>
               <a:r>
-                <a:rPr lang="en-US" altLang="zh-CN" sz="1600">
-                  <a:solidFill>
-                    <a:schemeClr val="accent1">
-                      <a:lumMod val="50000"/>
-                    </a:schemeClr>
-                  </a:solidFill>
-                  <a:latin typeface="微软雅黑" pitchFamily="34" charset="-122"/>
-                  <a:ea typeface="微软雅黑" pitchFamily="34" charset="-122"/>
-                </a:rPr>
-                <a:t>Sun C++ Forge</a:t>
+                <a:rPr lang="en-US" altLang="zh-CN" sz="1600"/>
+                <a:t>C-Free</a:t>
               </a:r>
+              <a:endParaRPr lang="en-US" altLang="zh-CN" sz="1600">
+                <a:solidFill>
+                  <a:schemeClr val="accent1">
+                    <a:lumMod val="50000"/>
+                  </a:schemeClr>
+                </a:solidFill>
+                <a:latin typeface="微软雅黑" pitchFamily="34" charset="-122"/>
+                <a:ea typeface="微软雅黑" pitchFamily="34" charset="-122"/>
+              </a:endParaRPr>
             </a:p>
           </p:txBody>
         </p:sp>
@@ -21930,7 +21876,14 @@
                 <a:latin typeface="Consolas" pitchFamily="49" charset="0"/>
                 <a:cs typeface="Consolas" pitchFamily="49" charset="0"/>
               </a:rPr>
-              <a:t>: 2017.10</a:t>
+              <a:t>: </a:t>
+            </a:r>
+            <a:r>
+              <a:rPr lang="en-US" altLang="zh-CN" sz="2000" b="1" smtClean="0">
+                <a:latin typeface="Consolas" pitchFamily="49" charset="0"/>
+                <a:cs typeface="Consolas" pitchFamily="49" charset="0"/>
+              </a:rPr>
+              <a:t>2020.2</a:t>
             </a:r>
             <a:endParaRPr lang="en-US" altLang="zh-CN" sz="2000" b="1" dirty="0" smtClean="0">
               <a:latin typeface="Consolas" pitchFamily="49" charset="0"/>
@@ -22160,18 +22113,18 @@
               <a:t>!\n"); </a:t>
             </a:r>
             <a:r>
-              <a:rPr lang="en-US" altLang="zh-CN" sz="2000" b="1" dirty="0" smtClean="0">
+              <a:rPr lang="en-US" altLang="zh-CN" sz="2000" b="1" smtClean="0">
                 <a:latin typeface="Consolas" pitchFamily="49" charset="0"/>
                 <a:cs typeface="Consolas" pitchFamily="49" charset="0"/>
               </a:rPr>
-              <a:t>//</a:t>
-            </a:r>
-            <a:r>
-              <a:rPr lang="zh-CN" altLang="en-US" sz="2000" b="1" dirty="0" smtClean="0">
+              <a:t>// </a:t>
+            </a:r>
+            <a:r>
+              <a:rPr lang="zh-CN" altLang="en-US" sz="2000" b="1" smtClean="0">
                 <a:latin typeface="Consolas" pitchFamily="49" charset="0"/>
                 <a:cs typeface="Consolas" pitchFamily="49" charset="0"/>
               </a:rPr>
-              <a:t>显示函数</a:t>
+              <a:t>打印</a:t>
             </a:r>
             <a:endParaRPr kumimoji="0" lang="en-US" altLang="zh-CN" sz="2400" b="1" dirty="0" smtClean="0">
               <a:latin typeface="Consolas" pitchFamily="49" charset="0"/>
@@ -28577,13 +28530,6 @@
               </a:rPr>
               <a:t>。</a:t>
             </a:r>
-            <a:endParaRPr lang="zh-CN" altLang="en-US" sz="2800" b="1" dirty="0">
-              <a:solidFill>
-                <a:srgbClr val="FF0000"/>
-              </a:solidFill>
-              <a:latin typeface="微软雅黑" pitchFamily="34" charset="-122"/>
-              <a:ea typeface="微软雅黑" pitchFamily="34" charset="-122"/>
-            </a:endParaRPr>
           </a:p>
         </p:txBody>
       </p:sp>
@@ -37414,7 +37360,7 @@
       </p:sp>
       <p:pic>
         <p:nvPicPr>
-          <p:cNvPr id="9" name="Picture 2" descr="http://image.poco.cn/mypoco/myphoto/20070619/2348379020070619095032060_640.jpg">
+          <p:cNvPr id="9" name="Picture 2">
             <a:hlinkClick r:id="rId3"/>
           </p:cNvPr>
           <p:cNvPicPr>
@@ -37423,16 +37369,21 @@
           <p:nvPr/>
         </p:nvPicPr>
         <p:blipFill>
-          <a:blip r:embed="rId4" cstate="print"/>
-          <a:srcRect/>
+          <a:blip r:embed="rId4">
+            <a:extLst>
+              <a:ext uri="{28A0092B-C50C-407E-A947-70E740481C1C}">
+                <a14:useLocalDpi xmlns:a14="http://schemas.microsoft.com/office/drawing/2010/main" val="0"/>
+              </a:ext>
+            </a:extLst>
+          </a:blip>
           <a:stretch>
             <a:fillRect/>
           </a:stretch>
         </p:blipFill>
         <p:spPr bwMode="auto">
           <a:xfrm>
-            <a:off x="666863" y="2377996"/>
-            <a:ext cx="4275421" cy="2419156"/>
+            <a:off x="1197868" y="2348880"/>
+            <a:ext cx="3222553" cy="2406845"/>
           </a:xfrm>
           <a:prstGeom prst="roundRect">
             <a:avLst>
